--- a/docs/Borgs_Retrospective.pptx
+++ b/docs/Borgs_Retrospective.pptx
@@ -1,21 +1,21 @@
 
 <file path=ppt/presentation.xml><?xml version="1.0" encoding="utf-8"?>
-<p:presentation xmlns:a="http://schemas.openxmlformats.org/drawingml/2006/main" xmlns:r="http://schemas.openxmlformats.org/officeDocument/2006/relationships" xmlns:mc="http://schemas.openxmlformats.org/markup-compatibility/2006" xmlns:mv="urn:schemas-microsoft-com:mac:vml" xmlns:p="http://schemas.openxmlformats.org/presentationml/2006/main" xmlns:c="http://schemas.openxmlformats.org/drawingml/2006/chart" xmlns:dgm="http://schemas.openxmlformats.org/drawingml/2006/diagram" xmlns:o="urn:schemas-microsoft-com:office:office" xmlns:v="urn:schemas-microsoft-com:vml" xmlns:pvml="urn:schemas-microsoft-com:office:powerpoint" xmlns:com="http://schemas.openxmlformats.org/drawingml/2006/compatibility" xmlns:p14="http://schemas.microsoft.com/office/powerpoint/2010/main" xmlns:p15="http://schemas.microsoft.com/office/powerpoint/2012/main" autoCompressPictures="0" strictFirstAndLastChars="0" saveSubsetFonts="1">
+<p:presentation xmlns:a="http://schemas.openxmlformats.org/drawingml/2006/main" xmlns:r="http://schemas.openxmlformats.org/officeDocument/2006/relationships" xmlns:p="http://schemas.openxmlformats.org/presentationml/2006/main" strictFirstAndLastChars="0" saveSubsetFonts="1" autoCompressPictures="0">
   <p:sldMasterIdLst>
-    <p:sldMasterId id="2147483661" r:id="rId4"/>
+    <p:sldMasterId id="2147483661" r:id="rId1"/>
   </p:sldMasterIdLst>
   <p:notesMasterIdLst>
     <p:notesMasterId r:id="rId5"/>
   </p:notesMasterIdLst>
   <p:sldIdLst>
-    <p:sldId id="256" r:id="rId6"/>
-    <p:sldId id="257" r:id="rId7"/>
-    <p:sldId id="258" r:id="rId8"/>
+    <p:sldId id="256" r:id="rId2"/>
+    <p:sldId id="257" r:id="rId3"/>
+    <p:sldId id="258" r:id="rId4"/>
   </p:sldIdLst>
-  <p:sldSz cy="6858000" cx="9144000"/>
+  <p:sldSz cx="9144000" cy="6858000" type="screen4x3"/>
   <p:notesSz cx="6858000" cy="9144000"/>
   <p:defaultTextStyle>
-    <a:defPPr lvl="0" marR="0" rtl="0" algn="l">
+    <a:defPPr marR="0" lvl="0" algn="l" rtl="0">
       <a:lnSpc>
         <a:spcPct val="100000"/>
       </a:lnSpc>
@@ -26,7 +26,7 @@
         <a:spcPts val="0"/>
       </a:spcAft>
     </a:defPPr>
-    <a:lvl1pPr lvl="0" marR="0" rtl="0" algn="l">
+    <a:lvl1pPr marR="0" lvl="0" algn="l" rtl="0">
       <a:lnSpc>
         <a:spcPct val="100000"/>
       </a:lnSpc>
@@ -40,7 +40,7 @@
         <a:srgbClr val="000000"/>
       </a:buClr>
       <a:buFont typeface="Arial"/>
-      <a:defRPr b="0" i="0" sz="1400" u="none" cap="none" strike="noStrike">
+      <a:defRPr sz="1400" b="0" i="0" u="none" strike="noStrike" cap="none">
         <a:solidFill>
           <a:srgbClr val="000000"/>
         </a:solidFill>
@@ -50,7 +50,7 @@
         <a:sym typeface="Arial"/>
       </a:defRPr>
     </a:lvl1pPr>
-    <a:lvl2pPr lvl="1" marR="0" rtl="0" algn="l">
+    <a:lvl2pPr marR="0" lvl="1" algn="l" rtl="0">
       <a:lnSpc>
         <a:spcPct val="100000"/>
       </a:lnSpc>
@@ -64,7 +64,7 @@
         <a:srgbClr val="000000"/>
       </a:buClr>
       <a:buFont typeface="Arial"/>
-      <a:defRPr b="0" i="0" sz="1400" u="none" cap="none" strike="noStrike">
+      <a:defRPr sz="1400" b="0" i="0" u="none" strike="noStrike" cap="none">
         <a:solidFill>
           <a:srgbClr val="000000"/>
         </a:solidFill>
@@ -74,7 +74,7 @@
         <a:sym typeface="Arial"/>
       </a:defRPr>
     </a:lvl2pPr>
-    <a:lvl3pPr lvl="2" marR="0" rtl="0" algn="l">
+    <a:lvl3pPr marR="0" lvl="2" algn="l" rtl="0">
       <a:lnSpc>
         <a:spcPct val="100000"/>
       </a:lnSpc>
@@ -88,7 +88,7 @@
         <a:srgbClr val="000000"/>
       </a:buClr>
       <a:buFont typeface="Arial"/>
-      <a:defRPr b="0" i="0" sz="1400" u="none" cap="none" strike="noStrike">
+      <a:defRPr sz="1400" b="0" i="0" u="none" strike="noStrike" cap="none">
         <a:solidFill>
           <a:srgbClr val="000000"/>
         </a:solidFill>
@@ -98,7 +98,7 @@
         <a:sym typeface="Arial"/>
       </a:defRPr>
     </a:lvl3pPr>
-    <a:lvl4pPr lvl="3" marR="0" rtl="0" algn="l">
+    <a:lvl4pPr marR="0" lvl="3" algn="l" rtl="0">
       <a:lnSpc>
         <a:spcPct val="100000"/>
       </a:lnSpc>
@@ -112,7 +112,7 @@
         <a:srgbClr val="000000"/>
       </a:buClr>
       <a:buFont typeface="Arial"/>
-      <a:defRPr b="0" i="0" sz="1400" u="none" cap="none" strike="noStrike">
+      <a:defRPr sz="1400" b="0" i="0" u="none" strike="noStrike" cap="none">
         <a:solidFill>
           <a:srgbClr val="000000"/>
         </a:solidFill>
@@ -122,7 +122,7 @@
         <a:sym typeface="Arial"/>
       </a:defRPr>
     </a:lvl4pPr>
-    <a:lvl5pPr lvl="4" marR="0" rtl="0" algn="l">
+    <a:lvl5pPr marR="0" lvl="4" algn="l" rtl="0">
       <a:lnSpc>
         <a:spcPct val="100000"/>
       </a:lnSpc>
@@ -136,7 +136,7 @@
         <a:srgbClr val="000000"/>
       </a:buClr>
       <a:buFont typeface="Arial"/>
-      <a:defRPr b="0" i="0" sz="1400" u="none" cap="none" strike="noStrike">
+      <a:defRPr sz="1400" b="0" i="0" u="none" strike="noStrike" cap="none">
         <a:solidFill>
           <a:srgbClr val="000000"/>
         </a:solidFill>
@@ -146,7 +146,7 @@
         <a:sym typeface="Arial"/>
       </a:defRPr>
     </a:lvl5pPr>
-    <a:lvl6pPr lvl="5" marR="0" rtl="0" algn="l">
+    <a:lvl6pPr marR="0" lvl="5" algn="l" rtl="0">
       <a:lnSpc>
         <a:spcPct val="100000"/>
       </a:lnSpc>
@@ -160,7 +160,7 @@
         <a:srgbClr val="000000"/>
       </a:buClr>
       <a:buFont typeface="Arial"/>
-      <a:defRPr b="0" i="0" sz="1400" u="none" cap="none" strike="noStrike">
+      <a:defRPr sz="1400" b="0" i="0" u="none" strike="noStrike" cap="none">
         <a:solidFill>
           <a:srgbClr val="000000"/>
         </a:solidFill>
@@ -170,7 +170,7 @@
         <a:sym typeface="Arial"/>
       </a:defRPr>
     </a:lvl6pPr>
-    <a:lvl7pPr lvl="6" marR="0" rtl="0" algn="l">
+    <a:lvl7pPr marR="0" lvl="6" algn="l" rtl="0">
       <a:lnSpc>
         <a:spcPct val="100000"/>
       </a:lnSpc>
@@ -184,7 +184,7 @@
         <a:srgbClr val="000000"/>
       </a:buClr>
       <a:buFont typeface="Arial"/>
-      <a:defRPr b="0" i="0" sz="1400" u="none" cap="none" strike="noStrike">
+      <a:defRPr sz="1400" b="0" i="0" u="none" strike="noStrike" cap="none">
         <a:solidFill>
           <a:srgbClr val="000000"/>
         </a:solidFill>
@@ -194,7 +194,7 @@
         <a:sym typeface="Arial"/>
       </a:defRPr>
     </a:lvl7pPr>
-    <a:lvl8pPr lvl="7" marR="0" rtl="0" algn="l">
+    <a:lvl8pPr marR="0" lvl="7" algn="l" rtl="0">
       <a:lnSpc>
         <a:spcPct val="100000"/>
       </a:lnSpc>
@@ -208,7 +208,7 @@
         <a:srgbClr val="000000"/>
       </a:buClr>
       <a:buFont typeface="Arial"/>
-      <a:defRPr b="0" i="0" sz="1400" u="none" cap="none" strike="noStrike">
+      <a:defRPr sz="1400" b="0" i="0" u="none" strike="noStrike" cap="none">
         <a:solidFill>
           <a:srgbClr val="000000"/>
         </a:solidFill>
@@ -218,7 +218,7 @@
         <a:sym typeface="Arial"/>
       </a:defRPr>
     </a:lvl8pPr>
-    <a:lvl9pPr lvl="8" marR="0" rtl="0" algn="l">
+    <a:lvl9pPr marR="0" lvl="8" algn="l" rtl="0">
       <a:lnSpc>
         <a:spcPct val="100000"/>
       </a:lnSpc>
@@ -232,7 +232,7 @@
         <a:srgbClr val="000000"/>
       </a:buClr>
       <a:buFont typeface="Arial"/>
-      <a:defRPr b="0" i="0" sz="1400" u="none" cap="none" strike="noStrike">
+      <a:defRPr sz="1400" b="0" i="0" u="none" strike="noStrike" cap="none">
         <a:solidFill>
           <a:srgbClr val="000000"/>
         </a:solidFill>
@@ -245,7 +245,7 @@
   </p:defaultTextStyle>
   <p:extLst>
     <p:ext uri="{EFAFB233-063F-42B5-8137-9DF3F51BA10A}">
-      <p15:sldGuideLst>
+      <p15:sldGuideLst xmlns:p15="http://schemas.microsoft.com/office/powerpoint/2012/main">
         <p15:guide id="1" orient="horz" pos="2160">
           <p15:clr>
             <a:srgbClr val="A4A3A4"/>
@@ -263,18 +263,19 @@
 </file>
 
 <file path=ppt/notesMasters/notesMaster1.xml><?xml version="1.0" encoding="utf-8"?>
-<p:notesMaster xmlns:a="http://schemas.openxmlformats.org/drawingml/2006/main" xmlns:r="http://schemas.openxmlformats.org/officeDocument/2006/relationships" xmlns:mc="http://schemas.openxmlformats.org/markup-compatibility/2006" xmlns:mv="urn:schemas-microsoft-com:mac:vml" xmlns:p="http://schemas.openxmlformats.org/presentationml/2006/main" xmlns:c="http://schemas.openxmlformats.org/drawingml/2006/chart" xmlns:dgm="http://schemas.openxmlformats.org/drawingml/2006/diagram" xmlns:o="urn:schemas-microsoft-com:office:office" xmlns:v="urn:schemas-microsoft-com:vml" xmlns:pvml="urn:schemas-microsoft-com:office:powerpoint" xmlns:com="http://schemas.openxmlformats.org/drawingml/2006/compatibility" xmlns:p14="http://schemas.microsoft.com/office/powerpoint/2010/main" xmlns:p15="http://schemas.microsoft.com/office/powerpoint/2012/main">
+<p:notesMaster xmlns:a="http://schemas.openxmlformats.org/drawingml/2006/main" xmlns:r="http://schemas.openxmlformats.org/officeDocument/2006/relationships" xmlns:p="http://schemas.openxmlformats.org/presentationml/2006/main">
   <p:cSld>
     <p:bg>
       <p:bgPr>
         <a:solidFill>
           <a:schemeClr val="lt1"/>
         </a:solidFill>
+        <a:effectLst/>
       </p:bgPr>
     </p:bg>
     <p:spTree>
       <p:nvGrpSpPr>
-        <p:cNvPr id="2" name="Shape 2"/>
+        <p:cNvPr id="1" name="Shape 2"/>
         <p:cNvGrpSpPr/>
         <p:nvPr/>
       </p:nvGrpSpPr>
@@ -289,9 +290,11 @@
       <p:sp>
         <p:nvSpPr>
           <p:cNvPr id="3" name="Google Shape;3;n"/>
-          <p:cNvSpPr txBox="1"/>
+          <p:cNvSpPr txBox="1">
+            <a:spLocks noGrp="1"/>
+          </p:cNvSpPr>
           <p:nvPr>
-            <p:ph idx="2" type="hdr"/>
+            <p:ph type="hdr" idx="2"/>
           </p:nvPr>
         </p:nvSpPr>
         <p:spPr>
@@ -308,18 +311,18 @@
           </a:ln>
         </p:spPr>
         <p:txBody>
-          <a:bodyPr anchorCtr="0" anchor="t" bIns="45700" lIns="91425" spcFirstLastPara="1" rIns="91425" wrap="square" tIns="45700"/>
+          <a:bodyPr spcFirstLastPara="1" wrap="square" lIns="91425" tIns="45700" rIns="91425" bIns="45700" anchor="t" anchorCtr="0"/>
           <a:lstStyle>
-            <a:lvl1pPr lvl="0" marR="0" rtl="0" algn="l">
-              <a:spcBef>
-                <a:spcPts val="0"/>
-              </a:spcBef>
-              <a:spcAft>
-                <a:spcPts val="0"/>
-              </a:spcAft>
-              <a:buSzPts val="1400"/>
-              <a:buNone/>
-              <a:defRPr b="0" i="0" sz="1200" u="none" cap="none" strike="noStrike">
+            <a:lvl1pPr marR="0" lvl="0" algn="l" rtl="0">
+              <a:spcBef>
+                <a:spcPts val="0"/>
+              </a:spcBef>
+              <a:spcAft>
+                <a:spcPts val="0"/>
+              </a:spcAft>
+              <a:buSzPts val="1400"/>
+              <a:buNone/>
+              <a:defRPr sz="1200" b="0" i="0" u="none" strike="noStrike" cap="none">
                 <a:solidFill>
                   <a:schemeClr val="dk1"/>
                 </a:solidFill>
@@ -329,16 +332,16 @@
                 <a:sym typeface="Arial"/>
               </a:defRPr>
             </a:lvl1pPr>
-            <a:lvl2pPr lvl="1" marR="0" rtl="0" algn="l">
-              <a:spcBef>
-                <a:spcPts val="0"/>
-              </a:spcBef>
-              <a:spcAft>
-                <a:spcPts val="0"/>
-              </a:spcAft>
-              <a:buSzPts val="1400"/>
-              <a:buNone/>
-              <a:defRPr b="0" i="0" sz="1800" u="none" cap="none" strike="noStrike">
+            <a:lvl2pPr marR="0" lvl="1" algn="l" rtl="0">
+              <a:spcBef>
+                <a:spcPts val="0"/>
+              </a:spcBef>
+              <a:spcAft>
+                <a:spcPts val="0"/>
+              </a:spcAft>
+              <a:buSzPts val="1400"/>
+              <a:buNone/>
+              <a:defRPr sz="1800" b="0" i="0" u="none" strike="noStrike" cap="none">
                 <a:solidFill>
                   <a:schemeClr val="dk1"/>
                 </a:solidFill>
@@ -348,16 +351,16 @@
                 <a:sym typeface="Arial"/>
               </a:defRPr>
             </a:lvl2pPr>
-            <a:lvl3pPr lvl="2" marR="0" rtl="0" algn="l">
-              <a:spcBef>
-                <a:spcPts val="0"/>
-              </a:spcBef>
-              <a:spcAft>
-                <a:spcPts val="0"/>
-              </a:spcAft>
-              <a:buSzPts val="1400"/>
-              <a:buNone/>
-              <a:defRPr b="0" i="0" sz="1800" u="none" cap="none" strike="noStrike">
+            <a:lvl3pPr marR="0" lvl="2" algn="l" rtl="0">
+              <a:spcBef>
+                <a:spcPts val="0"/>
+              </a:spcBef>
+              <a:spcAft>
+                <a:spcPts val="0"/>
+              </a:spcAft>
+              <a:buSzPts val="1400"/>
+              <a:buNone/>
+              <a:defRPr sz="1800" b="0" i="0" u="none" strike="noStrike" cap="none">
                 <a:solidFill>
                   <a:schemeClr val="dk1"/>
                 </a:solidFill>
@@ -367,16 +370,16 @@
                 <a:sym typeface="Arial"/>
               </a:defRPr>
             </a:lvl3pPr>
-            <a:lvl4pPr lvl="3" marR="0" rtl="0" algn="l">
-              <a:spcBef>
-                <a:spcPts val="0"/>
-              </a:spcBef>
-              <a:spcAft>
-                <a:spcPts val="0"/>
-              </a:spcAft>
-              <a:buSzPts val="1400"/>
-              <a:buNone/>
-              <a:defRPr b="0" i="0" sz="1800" u="none" cap="none" strike="noStrike">
+            <a:lvl4pPr marR="0" lvl="3" algn="l" rtl="0">
+              <a:spcBef>
+                <a:spcPts val="0"/>
+              </a:spcBef>
+              <a:spcAft>
+                <a:spcPts val="0"/>
+              </a:spcAft>
+              <a:buSzPts val="1400"/>
+              <a:buNone/>
+              <a:defRPr sz="1800" b="0" i="0" u="none" strike="noStrike" cap="none">
                 <a:solidFill>
                   <a:schemeClr val="dk1"/>
                 </a:solidFill>
@@ -386,16 +389,16 @@
                 <a:sym typeface="Arial"/>
               </a:defRPr>
             </a:lvl4pPr>
-            <a:lvl5pPr lvl="4" marR="0" rtl="0" algn="l">
-              <a:spcBef>
-                <a:spcPts val="0"/>
-              </a:spcBef>
-              <a:spcAft>
-                <a:spcPts val="0"/>
-              </a:spcAft>
-              <a:buSzPts val="1400"/>
-              <a:buNone/>
-              <a:defRPr b="0" i="0" sz="1800" u="none" cap="none" strike="noStrike">
+            <a:lvl5pPr marR="0" lvl="4" algn="l" rtl="0">
+              <a:spcBef>
+                <a:spcPts val="0"/>
+              </a:spcBef>
+              <a:spcAft>
+                <a:spcPts val="0"/>
+              </a:spcAft>
+              <a:buSzPts val="1400"/>
+              <a:buNone/>
+              <a:defRPr sz="1800" b="0" i="0" u="none" strike="noStrike" cap="none">
                 <a:solidFill>
                   <a:schemeClr val="dk1"/>
                 </a:solidFill>
@@ -405,16 +408,16 @@
                 <a:sym typeface="Arial"/>
               </a:defRPr>
             </a:lvl5pPr>
-            <a:lvl6pPr lvl="5" marR="0" rtl="0" algn="l">
-              <a:spcBef>
-                <a:spcPts val="0"/>
-              </a:spcBef>
-              <a:spcAft>
-                <a:spcPts val="0"/>
-              </a:spcAft>
-              <a:buSzPts val="1400"/>
-              <a:buNone/>
-              <a:defRPr b="0" i="0" sz="1800" u="none" cap="none" strike="noStrike">
+            <a:lvl6pPr marR="0" lvl="5" algn="l" rtl="0">
+              <a:spcBef>
+                <a:spcPts val="0"/>
+              </a:spcBef>
+              <a:spcAft>
+                <a:spcPts val="0"/>
+              </a:spcAft>
+              <a:buSzPts val="1400"/>
+              <a:buNone/>
+              <a:defRPr sz="1800" b="0" i="0" u="none" strike="noStrike" cap="none">
                 <a:solidFill>
                   <a:schemeClr val="dk1"/>
                 </a:solidFill>
@@ -424,16 +427,16 @@
                 <a:sym typeface="Arial"/>
               </a:defRPr>
             </a:lvl6pPr>
-            <a:lvl7pPr lvl="6" marR="0" rtl="0" algn="l">
-              <a:spcBef>
-                <a:spcPts val="0"/>
-              </a:spcBef>
-              <a:spcAft>
-                <a:spcPts val="0"/>
-              </a:spcAft>
-              <a:buSzPts val="1400"/>
-              <a:buNone/>
-              <a:defRPr b="0" i="0" sz="1800" u="none" cap="none" strike="noStrike">
+            <a:lvl7pPr marR="0" lvl="6" algn="l" rtl="0">
+              <a:spcBef>
+                <a:spcPts val="0"/>
+              </a:spcBef>
+              <a:spcAft>
+                <a:spcPts val="0"/>
+              </a:spcAft>
+              <a:buSzPts val="1400"/>
+              <a:buNone/>
+              <a:defRPr sz="1800" b="0" i="0" u="none" strike="noStrike" cap="none">
                 <a:solidFill>
                   <a:schemeClr val="dk1"/>
                 </a:solidFill>
@@ -443,16 +446,16 @@
                 <a:sym typeface="Arial"/>
               </a:defRPr>
             </a:lvl7pPr>
-            <a:lvl8pPr lvl="7" marR="0" rtl="0" algn="l">
-              <a:spcBef>
-                <a:spcPts val="0"/>
-              </a:spcBef>
-              <a:spcAft>
-                <a:spcPts val="0"/>
-              </a:spcAft>
-              <a:buSzPts val="1400"/>
-              <a:buNone/>
-              <a:defRPr b="0" i="0" sz="1800" u="none" cap="none" strike="noStrike">
+            <a:lvl8pPr marR="0" lvl="7" algn="l" rtl="0">
+              <a:spcBef>
+                <a:spcPts val="0"/>
+              </a:spcBef>
+              <a:spcAft>
+                <a:spcPts val="0"/>
+              </a:spcAft>
+              <a:buSzPts val="1400"/>
+              <a:buNone/>
+              <a:defRPr sz="1800" b="0" i="0" u="none" strike="noStrike" cap="none">
                 <a:solidFill>
                   <a:schemeClr val="dk1"/>
                 </a:solidFill>
@@ -462,16 +465,16 @@
                 <a:sym typeface="Arial"/>
               </a:defRPr>
             </a:lvl8pPr>
-            <a:lvl9pPr lvl="8" marR="0" rtl="0" algn="l">
-              <a:spcBef>
-                <a:spcPts val="0"/>
-              </a:spcBef>
-              <a:spcAft>
-                <a:spcPts val="0"/>
-              </a:spcAft>
-              <a:buSzPts val="1400"/>
-              <a:buNone/>
-              <a:defRPr b="0" i="0" sz="1800" u="none" cap="none" strike="noStrike">
+            <a:lvl9pPr marR="0" lvl="8" algn="l" rtl="0">
+              <a:spcBef>
+                <a:spcPts val="0"/>
+              </a:spcBef>
+              <a:spcAft>
+                <a:spcPts val="0"/>
+              </a:spcAft>
+              <a:buSzPts val="1400"/>
+              <a:buNone/>
+              <a:defRPr sz="1800" b="0" i="0" u="none" strike="noStrike" cap="none">
                 <a:solidFill>
                   <a:schemeClr val="dk1"/>
                 </a:solidFill>
@@ -482,15 +485,19 @@
               </a:defRPr>
             </a:lvl9pPr>
           </a:lstStyle>
-          <a:p/>
+          <a:p>
+            <a:endParaRPr/>
+          </a:p>
         </p:txBody>
       </p:sp>
       <p:sp>
         <p:nvSpPr>
           <p:cNvPr id="4" name="Google Shape;4;n"/>
-          <p:cNvSpPr txBox="1"/>
+          <p:cNvSpPr txBox="1">
+            <a:spLocks noGrp="1"/>
+          </p:cNvSpPr>
           <p:nvPr>
-            <p:ph idx="10" type="dt"/>
+            <p:ph type="dt" idx="10"/>
           </p:nvPr>
         </p:nvSpPr>
         <p:spPr>
@@ -507,18 +514,18 @@
           </a:ln>
         </p:spPr>
         <p:txBody>
-          <a:bodyPr anchorCtr="0" anchor="t" bIns="45700" lIns="91425" spcFirstLastPara="1" rIns="91425" wrap="square" tIns="45700"/>
+          <a:bodyPr spcFirstLastPara="1" wrap="square" lIns="91425" tIns="45700" rIns="91425" bIns="45700" anchor="t" anchorCtr="0"/>
           <a:lstStyle>
-            <a:lvl1pPr lvl="0" marR="0" rtl="0" algn="r">
-              <a:spcBef>
-                <a:spcPts val="0"/>
-              </a:spcBef>
-              <a:spcAft>
-                <a:spcPts val="0"/>
-              </a:spcAft>
-              <a:buSzPts val="1400"/>
-              <a:buNone/>
-              <a:defRPr b="0" i="0" sz="1200" u="none" cap="none" strike="noStrike">
+            <a:lvl1pPr marR="0" lvl="0" algn="r" rtl="0">
+              <a:spcBef>
+                <a:spcPts val="0"/>
+              </a:spcBef>
+              <a:spcAft>
+                <a:spcPts val="0"/>
+              </a:spcAft>
+              <a:buSzPts val="1400"/>
+              <a:buNone/>
+              <a:defRPr sz="1200" b="0" i="0" u="none" strike="noStrike" cap="none">
                 <a:solidFill>
                   <a:schemeClr val="dk1"/>
                 </a:solidFill>
@@ -528,16 +535,16 @@
                 <a:sym typeface="Arial"/>
               </a:defRPr>
             </a:lvl1pPr>
-            <a:lvl2pPr lvl="1" marR="0" rtl="0" algn="l">
-              <a:spcBef>
-                <a:spcPts val="0"/>
-              </a:spcBef>
-              <a:spcAft>
-                <a:spcPts val="0"/>
-              </a:spcAft>
-              <a:buSzPts val="1400"/>
-              <a:buNone/>
-              <a:defRPr b="0" i="0" sz="1800" u="none" cap="none" strike="noStrike">
+            <a:lvl2pPr marR="0" lvl="1" algn="l" rtl="0">
+              <a:spcBef>
+                <a:spcPts val="0"/>
+              </a:spcBef>
+              <a:spcAft>
+                <a:spcPts val="0"/>
+              </a:spcAft>
+              <a:buSzPts val="1400"/>
+              <a:buNone/>
+              <a:defRPr sz="1800" b="0" i="0" u="none" strike="noStrike" cap="none">
                 <a:solidFill>
                   <a:schemeClr val="dk1"/>
                 </a:solidFill>
@@ -547,16 +554,16 @@
                 <a:sym typeface="Arial"/>
               </a:defRPr>
             </a:lvl2pPr>
-            <a:lvl3pPr lvl="2" marR="0" rtl="0" algn="l">
-              <a:spcBef>
-                <a:spcPts val="0"/>
-              </a:spcBef>
-              <a:spcAft>
-                <a:spcPts val="0"/>
-              </a:spcAft>
-              <a:buSzPts val="1400"/>
-              <a:buNone/>
-              <a:defRPr b="0" i="0" sz="1800" u="none" cap="none" strike="noStrike">
+            <a:lvl3pPr marR="0" lvl="2" algn="l" rtl="0">
+              <a:spcBef>
+                <a:spcPts val="0"/>
+              </a:spcBef>
+              <a:spcAft>
+                <a:spcPts val="0"/>
+              </a:spcAft>
+              <a:buSzPts val="1400"/>
+              <a:buNone/>
+              <a:defRPr sz="1800" b="0" i="0" u="none" strike="noStrike" cap="none">
                 <a:solidFill>
                   <a:schemeClr val="dk1"/>
                 </a:solidFill>
@@ -566,16 +573,16 @@
                 <a:sym typeface="Arial"/>
               </a:defRPr>
             </a:lvl3pPr>
-            <a:lvl4pPr lvl="3" marR="0" rtl="0" algn="l">
-              <a:spcBef>
-                <a:spcPts val="0"/>
-              </a:spcBef>
-              <a:spcAft>
-                <a:spcPts val="0"/>
-              </a:spcAft>
-              <a:buSzPts val="1400"/>
-              <a:buNone/>
-              <a:defRPr b="0" i="0" sz="1800" u="none" cap="none" strike="noStrike">
+            <a:lvl4pPr marR="0" lvl="3" algn="l" rtl="0">
+              <a:spcBef>
+                <a:spcPts val="0"/>
+              </a:spcBef>
+              <a:spcAft>
+                <a:spcPts val="0"/>
+              </a:spcAft>
+              <a:buSzPts val="1400"/>
+              <a:buNone/>
+              <a:defRPr sz="1800" b="0" i="0" u="none" strike="noStrike" cap="none">
                 <a:solidFill>
                   <a:schemeClr val="dk1"/>
                 </a:solidFill>
@@ -585,16 +592,16 @@
                 <a:sym typeface="Arial"/>
               </a:defRPr>
             </a:lvl4pPr>
-            <a:lvl5pPr lvl="4" marR="0" rtl="0" algn="l">
-              <a:spcBef>
-                <a:spcPts val="0"/>
-              </a:spcBef>
-              <a:spcAft>
-                <a:spcPts val="0"/>
-              </a:spcAft>
-              <a:buSzPts val="1400"/>
-              <a:buNone/>
-              <a:defRPr b="0" i="0" sz="1800" u="none" cap="none" strike="noStrike">
+            <a:lvl5pPr marR="0" lvl="4" algn="l" rtl="0">
+              <a:spcBef>
+                <a:spcPts val="0"/>
+              </a:spcBef>
+              <a:spcAft>
+                <a:spcPts val="0"/>
+              </a:spcAft>
+              <a:buSzPts val="1400"/>
+              <a:buNone/>
+              <a:defRPr sz="1800" b="0" i="0" u="none" strike="noStrike" cap="none">
                 <a:solidFill>
                   <a:schemeClr val="dk1"/>
                 </a:solidFill>
@@ -604,16 +611,16 @@
                 <a:sym typeface="Arial"/>
               </a:defRPr>
             </a:lvl5pPr>
-            <a:lvl6pPr lvl="5" marR="0" rtl="0" algn="l">
-              <a:spcBef>
-                <a:spcPts val="0"/>
-              </a:spcBef>
-              <a:spcAft>
-                <a:spcPts val="0"/>
-              </a:spcAft>
-              <a:buSzPts val="1400"/>
-              <a:buNone/>
-              <a:defRPr b="0" i="0" sz="1800" u="none" cap="none" strike="noStrike">
+            <a:lvl6pPr marR="0" lvl="5" algn="l" rtl="0">
+              <a:spcBef>
+                <a:spcPts val="0"/>
+              </a:spcBef>
+              <a:spcAft>
+                <a:spcPts val="0"/>
+              </a:spcAft>
+              <a:buSzPts val="1400"/>
+              <a:buNone/>
+              <a:defRPr sz="1800" b="0" i="0" u="none" strike="noStrike" cap="none">
                 <a:solidFill>
                   <a:schemeClr val="dk1"/>
                 </a:solidFill>
@@ -623,16 +630,16 @@
                 <a:sym typeface="Arial"/>
               </a:defRPr>
             </a:lvl6pPr>
-            <a:lvl7pPr lvl="6" marR="0" rtl="0" algn="l">
-              <a:spcBef>
-                <a:spcPts val="0"/>
-              </a:spcBef>
-              <a:spcAft>
-                <a:spcPts val="0"/>
-              </a:spcAft>
-              <a:buSzPts val="1400"/>
-              <a:buNone/>
-              <a:defRPr b="0" i="0" sz="1800" u="none" cap="none" strike="noStrike">
+            <a:lvl7pPr marR="0" lvl="6" algn="l" rtl="0">
+              <a:spcBef>
+                <a:spcPts val="0"/>
+              </a:spcBef>
+              <a:spcAft>
+                <a:spcPts val="0"/>
+              </a:spcAft>
+              <a:buSzPts val="1400"/>
+              <a:buNone/>
+              <a:defRPr sz="1800" b="0" i="0" u="none" strike="noStrike" cap="none">
                 <a:solidFill>
                   <a:schemeClr val="dk1"/>
                 </a:solidFill>
@@ -642,16 +649,16 @@
                 <a:sym typeface="Arial"/>
               </a:defRPr>
             </a:lvl7pPr>
-            <a:lvl8pPr lvl="7" marR="0" rtl="0" algn="l">
-              <a:spcBef>
-                <a:spcPts val="0"/>
-              </a:spcBef>
-              <a:spcAft>
-                <a:spcPts val="0"/>
-              </a:spcAft>
-              <a:buSzPts val="1400"/>
-              <a:buNone/>
-              <a:defRPr b="0" i="0" sz="1800" u="none" cap="none" strike="noStrike">
+            <a:lvl8pPr marR="0" lvl="7" algn="l" rtl="0">
+              <a:spcBef>
+                <a:spcPts val="0"/>
+              </a:spcBef>
+              <a:spcAft>
+                <a:spcPts val="0"/>
+              </a:spcAft>
+              <a:buSzPts val="1400"/>
+              <a:buNone/>
+              <a:defRPr sz="1800" b="0" i="0" u="none" strike="noStrike" cap="none">
                 <a:solidFill>
                   <a:schemeClr val="dk1"/>
                 </a:solidFill>
@@ -661,16 +668,16 @@
                 <a:sym typeface="Arial"/>
               </a:defRPr>
             </a:lvl8pPr>
-            <a:lvl9pPr lvl="8" marR="0" rtl="0" algn="l">
-              <a:spcBef>
-                <a:spcPts val="0"/>
-              </a:spcBef>
-              <a:spcAft>
-                <a:spcPts val="0"/>
-              </a:spcAft>
-              <a:buSzPts val="1400"/>
-              <a:buNone/>
-              <a:defRPr b="0" i="0" sz="1800" u="none" cap="none" strike="noStrike">
+            <a:lvl9pPr marR="0" lvl="8" algn="l" rtl="0">
+              <a:spcBef>
+                <a:spcPts val="0"/>
+              </a:spcBef>
+              <a:spcAft>
+                <a:spcPts val="0"/>
+              </a:spcAft>
+              <a:buSzPts val="1400"/>
+              <a:buNone/>
+              <a:defRPr sz="1800" b="0" i="0" u="none" strike="noStrike" cap="none">
                 <a:solidFill>
                   <a:schemeClr val="dk1"/>
                 </a:solidFill>
@@ -681,15 +688,19 @@
               </a:defRPr>
             </a:lvl9pPr>
           </a:lstStyle>
-          <a:p/>
+          <a:p>
+            <a:endParaRPr/>
+          </a:p>
         </p:txBody>
       </p:sp>
       <p:sp>
         <p:nvSpPr>
           <p:cNvPr id="5" name="Google Shape;5;n"/>
-          <p:cNvSpPr/>
+          <p:cNvSpPr>
+            <a:spLocks noGrp="1" noRot="1" noChangeAspect="1"/>
+          </p:cNvSpPr>
           <p:nvPr>
-            <p:ph idx="3" type="sldImg"/>
+            <p:ph type="sldImg" idx="3"/>
           </p:nvPr>
         </p:nvSpPr>
         <p:spPr>
@@ -698,9 +709,13 @@
             <a:ext cx="4572000" cy="3429000"/>
           </a:xfrm>
           <a:custGeom>
-            <a:rect b="b" l="l" r="r" t="t"/>
+            <a:avLst/>
+            <a:gdLst/>
+            <a:ahLst/>
+            <a:cxnLst/>
+            <a:rect l="l" t="t" r="r" b="b"/>
             <a:pathLst>
-              <a:path extrusionOk="0" h="120000" w="120000">
+              <a:path w="120000" h="120000" extrusionOk="0">
                 <a:moveTo>
                   <a:pt x="0" y="0"/>
                 </a:moveTo>
@@ -718,23 +733,25 @@
             </a:pathLst>
           </a:custGeom>
           <a:noFill/>
-          <a:ln cap="flat" cmpd="sng" w="12700">
+          <a:ln w="12700" cap="flat" cmpd="sng">
             <a:solidFill>
               <a:srgbClr val="000000"/>
             </a:solidFill>
             <a:prstDash val="solid"/>
             <a:round/>
-            <a:headEnd len="sm" w="sm" type="none"/>
-            <a:tailEnd len="sm" w="sm" type="none"/>
+            <a:headEnd type="none" w="sm" len="sm"/>
+            <a:tailEnd type="none" w="sm" len="sm"/>
           </a:ln>
         </p:spPr>
       </p:sp>
       <p:sp>
         <p:nvSpPr>
           <p:cNvPr id="6" name="Google Shape;6;n"/>
-          <p:cNvSpPr txBox="1"/>
+          <p:cNvSpPr txBox="1">
+            <a:spLocks noGrp="1"/>
+          </p:cNvSpPr>
           <p:nvPr>
-            <p:ph idx="1" type="body"/>
+            <p:ph type="body" idx="1"/>
           </p:nvPr>
         </p:nvSpPr>
         <p:spPr>
@@ -751,9 +768,9 @@
           </a:ln>
         </p:spPr>
         <p:txBody>
-          <a:bodyPr anchorCtr="0" anchor="t" bIns="45700" lIns="91425" spcFirstLastPara="1" rIns="91425" wrap="square" tIns="45700"/>
+          <a:bodyPr spcFirstLastPara="1" wrap="square" lIns="91425" tIns="45700" rIns="91425" bIns="45700" anchor="t" anchorCtr="0"/>
           <a:lstStyle>
-            <a:lvl1pPr indent="-228600" lvl="0" marL="457200" marR="0" rtl="0" algn="l">
+            <a:lvl1pPr marL="457200" marR="0" lvl="0" indent="-228600" algn="l" rtl="0">
               <a:spcBef>
                 <a:spcPts val="360"/>
               </a:spcBef>
@@ -762,7 +779,7 @@
               </a:spcAft>
               <a:buSzPts val="1400"/>
               <a:buNone/>
-              <a:defRPr b="0" i="0" sz="1200" u="none" cap="none" strike="noStrike">
+              <a:defRPr sz="1200" b="0" i="0" u="none" strike="noStrike" cap="none">
                 <a:solidFill>
                   <a:schemeClr val="dk1"/>
                 </a:solidFill>
@@ -772,7 +789,7 @@
                 <a:sym typeface="Calibri"/>
               </a:defRPr>
             </a:lvl1pPr>
-            <a:lvl2pPr indent="-228600" lvl="1" marL="914400" marR="0" rtl="0" algn="l">
+            <a:lvl2pPr marL="914400" marR="0" lvl="1" indent="-228600" algn="l" rtl="0">
               <a:spcBef>
                 <a:spcPts val="360"/>
               </a:spcBef>
@@ -781,7 +798,7 @@
               </a:spcAft>
               <a:buSzPts val="1400"/>
               <a:buNone/>
-              <a:defRPr b="0" i="0" sz="1200" u="none" cap="none" strike="noStrike">
+              <a:defRPr sz="1200" b="0" i="0" u="none" strike="noStrike" cap="none">
                 <a:solidFill>
                   <a:schemeClr val="dk1"/>
                 </a:solidFill>
@@ -791,7 +808,7 @@
                 <a:sym typeface="Calibri"/>
               </a:defRPr>
             </a:lvl2pPr>
-            <a:lvl3pPr indent="-228600" lvl="2" marL="1371600" marR="0" rtl="0" algn="l">
+            <a:lvl3pPr marL="1371600" marR="0" lvl="2" indent="-228600" algn="l" rtl="0">
               <a:spcBef>
                 <a:spcPts val="360"/>
               </a:spcBef>
@@ -800,7 +817,7 @@
               </a:spcAft>
               <a:buSzPts val="1400"/>
               <a:buNone/>
-              <a:defRPr b="0" i="0" sz="1200" u="none" cap="none" strike="noStrike">
+              <a:defRPr sz="1200" b="0" i="0" u="none" strike="noStrike" cap="none">
                 <a:solidFill>
                   <a:schemeClr val="dk1"/>
                 </a:solidFill>
@@ -810,7 +827,7 @@
                 <a:sym typeface="Calibri"/>
               </a:defRPr>
             </a:lvl3pPr>
-            <a:lvl4pPr indent="-228600" lvl="3" marL="1828800" marR="0" rtl="0" algn="l">
+            <a:lvl4pPr marL="1828800" marR="0" lvl="3" indent="-228600" algn="l" rtl="0">
               <a:spcBef>
                 <a:spcPts val="360"/>
               </a:spcBef>
@@ -819,7 +836,7 @@
               </a:spcAft>
               <a:buSzPts val="1400"/>
               <a:buNone/>
-              <a:defRPr b="0" i="0" sz="1200" u="none" cap="none" strike="noStrike">
+              <a:defRPr sz="1200" b="0" i="0" u="none" strike="noStrike" cap="none">
                 <a:solidFill>
                   <a:schemeClr val="dk1"/>
                 </a:solidFill>
@@ -829,7 +846,7 @@
                 <a:sym typeface="Calibri"/>
               </a:defRPr>
             </a:lvl4pPr>
-            <a:lvl5pPr indent="-228600" lvl="4" marL="2286000" marR="0" rtl="0" algn="l">
+            <a:lvl5pPr marL="2286000" marR="0" lvl="4" indent="-228600" algn="l" rtl="0">
               <a:spcBef>
                 <a:spcPts val="360"/>
               </a:spcBef>
@@ -838,7 +855,7 @@
               </a:spcAft>
               <a:buSzPts val="1400"/>
               <a:buNone/>
-              <a:defRPr b="0" i="0" sz="1200" u="none" cap="none" strike="noStrike">
+              <a:defRPr sz="1200" b="0" i="0" u="none" strike="noStrike" cap="none">
                 <a:solidFill>
                   <a:schemeClr val="dk1"/>
                 </a:solidFill>
@@ -848,16 +865,16 @@
                 <a:sym typeface="Calibri"/>
               </a:defRPr>
             </a:lvl5pPr>
-            <a:lvl6pPr indent="-228600" lvl="5" marL="2743200" marR="0" rtl="0" algn="l">
-              <a:spcBef>
-                <a:spcPts val="0"/>
-              </a:spcBef>
-              <a:spcAft>
-                <a:spcPts val="0"/>
-              </a:spcAft>
-              <a:buSzPts val="1400"/>
-              <a:buNone/>
-              <a:defRPr b="0" i="0" sz="1200" u="none" cap="none" strike="noStrike">
+            <a:lvl6pPr marL="2743200" marR="0" lvl="5" indent="-228600" algn="l" rtl="0">
+              <a:spcBef>
+                <a:spcPts val="0"/>
+              </a:spcBef>
+              <a:spcAft>
+                <a:spcPts val="0"/>
+              </a:spcAft>
+              <a:buSzPts val="1400"/>
+              <a:buNone/>
+              <a:defRPr sz="1200" b="0" i="0" u="none" strike="noStrike" cap="none">
                 <a:solidFill>
                   <a:schemeClr val="dk1"/>
                 </a:solidFill>
@@ -867,16 +884,16 @@
                 <a:sym typeface="Calibri"/>
               </a:defRPr>
             </a:lvl6pPr>
-            <a:lvl7pPr indent="-228600" lvl="6" marL="3200400" marR="0" rtl="0" algn="l">
-              <a:spcBef>
-                <a:spcPts val="0"/>
-              </a:spcBef>
-              <a:spcAft>
-                <a:spcPts val="0"/>
-              </a:spcAft>
-              <a:buSzPts val="1400"/>
-              <a:buNone/>
-              <a:defRPr b="0" i="0" sz="1200" u="none" cap="none" strike="noStrike">
+            <a:lvl7pPr marL="3200400" marR="0" lvl="6" indent="-228600" algn="l" rtl="0">
+              <a:spcBef>
+                <a:spcPts val="0"/>
+              </a:spcBef>
+              <a:spcAft>
+                <a:spcPts val="0"/>
+              </a:spcAft>
+              <a:buSzPts val="1400"/>
+              <a:buNone/>
+              <a:defRPr sz="1200" b="0" i="0" u="none" strike="noStrike" cap="none">
                 <a:solidFill>
                   <a:schemeClr val="dk1"/>
                 </a:solidFill>
@@ -886,16 +903,16 @@
                 <a:sym typeface="Calibri"/>
               </a:defRPr>
             </a:lvl7pPr>
-            <a:lvl8pPr indent="-228600" lvl="7" marL="3657600" marR="0" rtl="0" algn="l">
-              <a:spcBef>
-                <a:spcPts val="0"/>
-              </a:spcBef>
-              <a:spcAft>
-                <a:spcPts val="0"/>
-              </a:spcAft>
-              <a:buSzPts val="1400"/>
-              <a:buNone/>
-              <a:defRPr b="0" i="0" sz="1200" u="none" cap="none" strike="noStrike">
+            <a:lvl8pPr marL="3657600" marR="0" lvl="7" indent="-228600" algn="l" rtl="0">
+              <a:spcBef>
+                <a:spcPts val="0"/>
+              </a:spcBef>
+              <a:spcAft>
+                <a:spcPts val="0"/>
+              </a:spcAft>
+              <a:buSzPts val="1400"/>
+              <a:buNone/>
+              <a:defRPr sz="1200" b="0" i="0" u="none" strike="noStrike" cap="none">
                 <a:solidFill>
                   <a:schemeClr val="dk1"/>
                 </a:solidFill>
@@ -905,16 +922,16 @@
                 <a:sym typeface="Calibri"/>
               </a:defRPr>
             </a:lvl8pPr>
-            <a:lvl9pPr indent="-228600" lvl="8" marL="4114800" marR="0" rtl="0" algn="l">
-              <a:spcBef>
-                <a:spcPts val="0"/>
-              </a:spcBef>
-              <a:spcAft>
-                <a:spcPts val="0"/>
-              </a:spcAft>
-              <a:buSzPts val="1400"/>
-              <a:buNone/>
-              <a:defRPr b="0" i="0" sz="1200" u="none" cap="none" strike="noStrike">
+            <a:lvl9pPr marL="4114800" marR="0" lvl="8" indent="-228600" algn="l" rtl="0">
+              <a:spcBef>
+                <a:spcPts val="0"/>
+              </a:spcBef>
+              <a:spcAft>
+                <a:spcPts val="0"/>
+              </a:spcAft>
+              <a:buSzPts val="1400"/>
+              <a:buNone/>
+              <a:defRPr sz="1200" b="0" i="0" u="none" strike="noStrike" cap="none">
                 <a:solidFill>
                   <a:schemeClr val="dk1"/>
                 </a:solidFill>
@@ -925,15 +942,19 @@
               </a:defRPr>
             </a:lvl9pPr>
           </a:lstStyle>
-          <a:p/>
+          <a:p>
+            <a:endParaRPr/>
+          </a:p>
         </p:txBody>
       </p:sp>
       <p:sp>
         <p:nvSpPr>
           <p:cNvPr id="7" name="Google Shape;7;n"/>
-          <p:cNvSpPr txBox="1"/>
+          <p:cNvSpPr txBox="1">
+            <a:spLocks noGrp="1"/>
+          </p:cNvSpPr>
           <p:nvPr>
-            <p:ph idx="11" type="ftr"/>
+            <p:ph type="ftr" idx="11"/>
           </p:nvPr>
         </p:nvSpPr>
         <p:spPr>
@@ -950,18 +971,18 @@
           </a:ln>
         </p:spPr>
         <p:txBody>
-          <a:bodyPr anchorCtr="0" anchor="b" bIns="45700" lIns="91425" spcFirstLastPara="1" rIns="91425" wrap="square" tIns="45700"/>
+          <a:bodyPr spcFirstLastPara="1" wrap="square" lIns="91425" tIns="45700" rIns="91425" bIns="45700" anchor="b" anchorCtr="0"/>
           <a:lstStyle>
-            <a:lvl1pPr lvl="0" marR="0" rtl="0" algn="l">
-              <a:spcBef>
-                <a:spcPts val="0"/>
-              </a:spcBef>
-              <a:spcAft>
-                <a:spcPts val="0"/>
-              </a:spcAft>
-              <a:buSzPts val="1400"/>
-              <a:buNone/>
-              <a:defRPr b="0" i="0" sz="1200" u="none" cap="none" strike="noStrike">
+            <a:lvl1pPr marR="0" lvl="0" algn="l" rtl="0">
+              <a:spcBef>
+                <a:spcPts val="0"/>
+              </a:spcBef>
+              <a:spcAft>
+                <a:spcPts val="0"/>
+              </a:spcAft>
+              <a:buSzPts val="1400"/>
+              <a:buNone/>
+              <a:defRPr sz="1200" b="0" i="0" u="none" strike="noStrike" cap="none">
                 <a:solidFill>
                   <a:schemeClr val="dk1"/>
                 </a:solidFill>
@@ -971,16 +992,16 @@
                 <a:sym typeface="Arial"/>
               </a:defRPr>
             </a:lvl1pPr>
-            <a:lvl2pPr lvl="1" marR="0" rtl="0" algn="l">
-              <a:spcBef>
-                <a:spcPts val="0"/>
-              </a:spcBef>
-              <a:spcAft>
-                <a:spcPts val="0"/>
-              </a:spcAft>
-              <a:buSzPts val="1400"/>
-              <a:buNone/>
-              <a:defRPr b="0" i="0" sz="1800" u="none" cap="none" strike="noStrike">
+            <a:lvl2pPr marR="0" lvl="1" algn="l" rtl="0">
+              <a:spcBef>
+                <a:spcPts val="0"/>
+              </a:spcBef>
+              <a:spcAft>
+                <a:spcPts val="0"/>
+              </a:spcAft>
+              <a:buSzPts val="1400"/>
+              <a:buNone/>
+              <a:defRPr sz="1800" b="0" i="0" u="none" strike="noStrike" cap="none">
                 <a:solidFill>
                   <a:schemeClr val="dk1"/>
                 </a:solidFill>
@@ -990,16 +1011,16 @@
                 <a:sym typeface="Arial"/>
               </a:defRPr>
             </a:lvl2pPr>
-            <a:lvl3pPr lvl="2" marR="0" rtl="0" algn="l">
-              <a:spcBef>
-                <a:spcPts val="0"/>
-              </a:spcBef>
-              <a:spcAft>
-                <a:spcPts val="0"/>
-              </a:spcAft>
-              <a:buSzPts val="1400"/>
-              <a:buNone/>
-              <a:defRPr b="0" i="0" sz="1800" u="none" cap="none" strike="noStrike">
+            <a:lvl3pPr marR="0" lvl="2" algn="l" rtl="0">
+              <a:spcBef>
+                <a:spcPts val="0"/>
+              </a:spcBef>
+              <a:spcAft>
+                <a:spcPts val="0"/>
+              </a:spcAft>
+              <a:buSzPts val="1400"/>
+              <a:buNone/>
+              <a:defRPr sz="1800" b="0" i="0" u="none" strike="noStrike" cap="none">
                 <a:solidFill>
                   <a:schemeClr val="dk1"/>
                 </a:solidFill>
@@ -1009,16 +1030,16 @@
                 <a:sym typeface="Arial"/>
               </a:defRPr>
             </a:lvl3pPr>
-            <a:lvl4pPr lvl="3" marR="0" rtl="0" algn="l">
-              <a:spcBef>
-                <a:spcPts val="0"/>
-              </a:spcBef>
-              <a:spcAft>
-                <a:spcPts val="0"/>
-              </a:spcAft>
-              <a:buSzPts val="1400"/>
-              <a:buNone/>
-              <a:defRPr b="0" i="0" sz="1800" u="none" cap="none" strike="noStrike">
+            <a:lvl4pPr marR="0" lvl="3" algn="l" rtl="0">
+              <a:spcBef>
+                <a:spcPts val="0"/>
+              </a:spcBef>
+              <a:spcAft>
+                <a:spcPts val="0"/>
+              </a:spcAft>
+              <a:buSzPts val="1400"/>
+              <a:buNone/>
+              <a:defRPr sz="1800" b="0" i="0" u="none" strike="noStrike" cap="none">
                 <a:solidFill>
                   <a:schemeClr val="dk1"/>
                 </a:solidFill>
@@ -1028,16 +1049,16 @@
                 <a:sym typeface="Arial"/>
               </a:defRPr>
             </a:lvl4pPr>
-            <a:lvl5pPr lvl="4" marR="0" rtl="0" algn="l">
-              <a:spcBef>
-                <a:spcPts val="0"/>
-              </a:spcBef>
-              <a:spcAft>
-                <a:spcPts val="0"/>
-              </a:spcAft>
-              <a:buSzPts val="1400"/>
-              <a:buNone/>
-              <a:defRPr b="0" i="0" sz="1800" u="none" cap="none" strike="noStrike">
+            <a:lvl5pPr marR="0" lvl="4" algn="l" rtl="0">
+              <a:spcBef>
+                <a:spcPts val="0"/>
+              </a:spcBef>
+              <a:spcAft>
+                <a:spcPts val="0"/>
+              </a:spcAft>
+              <a:buSzPts val="1400"/>
+              <a:buNone/>
+              <a:defRPr sz="1800" b="0" i="0" u="none" strike="noStrike" cap="none">
                 <a:solidFill>
                   <a:schemeClr val="dk1"/>
                 </a:solidFill>
@@ -1047,16 +1068,16 @@
                 <a:sym typeface="Arial"/>
               </a:defRPr>
             </a:lvl5pPr>
-            <a:lvl6pPr lvl="5" marR="0" rtl="0" algn="l">
-              <a:spcBef>
-                <a:spcPts val="0"/>
-              </a:spcBef>
-              <a:spcAft>
-                <a:spcPts val="0"/>
-              </a:spcAft>
-              <a:buSzPts val="1400"/>
-              <a:buNone/>
-              <a:defRPr b="0" i="0" sz="1800" u="none" cap="none" strike="noStrike">
+            <a:lvl6pPr marR="0" lvl="5" algn="l" rtl="0">
+              <a:spcBef>
+                <a:spcPts val="0"/>
+              </a:spcBef>
+              <a:spcAft>
+                <a:spcPts val="0"/>
+              </a:spcAft>
+              <a:buSzPts val="1400"/>
+              <a:buNone/>
+              <a:defRPr sz="1800" b="0" i="0" u="none" strike="noStrike" cap="none">
                 <a:solidFill>
                   <a:schemeClr val="dk1"/>
                 </a:solidFill>
@@ -1066,16 +1087,16 @@
                 <a:sym typeface="Arial"/>
               </a:defRPr>
             </a:lvl6pPr>
-            <a:lvl7pPr lvl="6" marR="0" rtl="0" algn="l">
-              <a:spcBef>
-                <a:spcPts val="0"/>
-              </a:spcBef>
-              <a:spcAft>
-                <a:spcPts val="0"/>
-              </a:spcAft>
-              <a:buSzPts val="1400"/>
-              <a:buNone/>
-              <a:defRPr b="0" i="0" sz="1800" u="none" cap="none" strike="noStrike">
+            <a:lvl7pPr marR="0" lvl="6" algn="l" rtl="0">
+              <a:spcBef>
+                <a:spcPts val="0"/>
+              </a:spcBef>
+              <a:spcAft>
+                <a:spcPts val="0"/>
+              </a:spcAft>
+              <a:buSzPts val="1400"/>
+              <a:buNone/>
+              <a:defRPr sz="1800" b="0" i="0" u="none" strike="noStrike" cap="none">
                 <a:solidFill>
                   <a:schemeClr val="dk1"/>
                 </a:solidFill>
@@ -1085,16 +1106,16 @@
                 <a:sym typeface="Arial"/>
               </a:defRPr>
             </a:lvl7pPr>
-            <a:lvl8pPr lvl="7" marR="0" rtl="0" algn="l">
-              <a:spcBef>
-                <a:spcPts val="0"/>
-              </a:spcBef>
-              <a:spcAft>
-                <a:spcPts val="0"/>
-              </a:spcAft>
-              <a:buSzPts val="1400"/>
-              <a:buNone/>
-              <a:defRPr b="0" i="0" sz="1800" u="none" cap="none" strike="noStrike">
+            <a:lvl8pPr marR="0" lvl="7" algn="l" rtl="0">
+              <a:spcBef>
+                <a:spcPts val="0"/>
+              </a:spcBef>
+              <a:spcAft>
+                <a:spcPts val="0"/>
+              </a:spcAft>
+              <a:buSzPts val="1400"/>
+              <a:buNone/>
+              <a:defRPr sz="1800" b="0" i="0" u="none" strike="noStrike" cap="none">
                 <a:solidFill>
                   <a:schemeClr val="dk1"/>
                 </a:solidFill>
@@ -1104,16 +1125,16 @@
                 <a:sym typeface="Arial"/>
               </a:defRPr>
             </a:lvl8pPr>
-            <a:lvl9pPr lvl="8" marR="0" rtl="0" algn="l">
-              <a:spcBef>
-                <a:spcPts val="0"/>
-              </a:spcBef>
-              <a:spcAft>
-                <a:spcPts val="0"/>
-              </a:spcAft>
-              <a:buSzPts val="1400"/>
-              <a:buNone/>
-              <a:defRPr b="0" i="0" sz="1800" u="none" cap="none" strike="noStrike">
+            <a:lvl9pPr marR="0" lvl="8" algn="l" rtl="0">
+              <a:spcBef>
+                <a:spcPts val="0"/>
+              </a:spcBef>
+              <a:spcAft>
+                <a:spcPts val="0"/>
+              </a:spcAft>
+              <a:buSzPts val="1400"/>
+              <a:buNone/>
+              <a:defRPr sz="1800" b="0" i="0" u="none" strike="noStrike" cap="none">
                 <a:solidFill>
                   <a:schemeClr val="dk1"/>
                 </a:solidFill>
@@ -1124,15 +1145,19 @@
               </a:defRPr>
             </a:lvl9pPr>
           </a:lstStyle>
-          <a:p/>
+          <a:p>
+            <a:endParaRPr/>
+          </a:p>
         </p:txBody>
       </p:sp>
       <p:sp>
         <p:nvSpPr>
           <p:cNvPr id="8" name="Google Shape;8;n"/>
-          <p:cNvSpPr txBox="1"/>
+          <p:cNvSpPr txBox="1">
+            <a:spLocks noGrp="1"/>
+          </p:cNvSpPr>
           <p:nvPr>
-            <p:ph idx="12" type="sldNum"/>
+            <p:ph type="sldNum" idx="12"/>
           </p:nvPr>
         </p:nvSpPr>
         <p:spPr>
@@ -1149,12 +1174,12 @@
           </a:ln>
         </p:spPr>
         <p:txBody>
-          <a:bodyPr anchorCtr="0" anchor="b" bIns="45700" lIns="91425" spcFirstLastPara="1" rIns="91425" wrap="square" tIns="45700">
+          <a:bodyPr spcFirstLastPara="1" wrap="square" lIns="91425" tIns="45700" rIns="91425" bIns="45700" anchor="b" anchorCtr="0">
             <a:noAutofit/>
           </a:bodyPr>
           <a:lstStyle/>
           <a:p>
-            <a:pPr indent="0" lvl="0" marL="0" marR="0" rtl="0" algn="r">
+            <a:pPr marL="0" marR="0" lvl="0" indent="0" algn="r" rtl="0">
               <a:spcBef>
                 <a:spcPts val="0"/>
               </a:spcBef>
@@ -1164,7 +1189,7 @@
               <a:buNone/>
             </a:pPr>
             <a:fld id="{00000000-1234-1234-1234-123412341234}" type="slidenum">
-              <a:rPr b="0" i="0" lang="en-US" sz="1200" u="none" cap="none" strike="noStrike">
+              <a:rPr lang="en-US" sz="1200" b="0" i="0" u="none" strike="noStrike" cap="none">
                 <a:solidFill>
                   <a:schemeClr val="dk1"/>
                 </a:solidFill>
@@ -1175,7 +1200,7 @@
               </a:rPr>
               <a:t>‹#›</a:t>
             </a:fld>
-            <a:endParaRPr b="0" i="0" sz="1200" u="none" cap="none" strike="noStrike">
+            <a:endParaRPr sz="1200" b="0" i="0" u="none" strike="noStrike" cap="none">
               <a:solidFill>
                 <a:schemeClr val="dk1"/>
               </a:solidFill>
@@ -1189,9 +1214,9 @@
       </p:sp>
     </p:spTree>
   </p:cSld>
-  <p:clrMap accent1="accent1" accent2="accent2" accent3="accent3" accent4="accent4" accent5="accent5" accent6="accent6" bg1="lt1" bg2="dk2" tx1="dk1" tx2="lt2" folHlink="folHlink" hlink="hlink"/>
+  <p:clrMap bg1="lt1" tx1="dk1" bg2="dk2" tx2="lt2" accent1="accent1" accent2="accent2" accent3="accent3" accent4="accent4" accent5="accent5" accent6="accent6" hlink="hlink" folHlink="folHlink"/>
   <p:notesStyle>
-    <a:defPPr lvl="0" marR="0" rtl="0" algn="l">
+    <a:defPPr marR="0" lvl="0" algn="l" rtl="0">
       <a:lnSpc>
         <a:spcPct val="100000"/>
       </a:lnSpc>
@@ -1202,7 +1227,7 @@
         <a:spcPts val="0"/>
       </a:spcAft>
     </a:defPPr>
-    <a:lvl1pPr lvl="0" marR="0" rtl="0" algn="l">
+    <a:lvl1pPr marR="0" lvl="0" algn="l" rtl="0">
       <a:lnSpc>
         <a:spcPct val="100000"/>
       </a:lnSpc>
@@ -1216,7 +1241,7 @@
         <a:srgbClr val="000000"/>
       </a:buClr>
       <a:buFont typeface="Arial"/>
-      <a:defRPr b="0" i="0" sz="1400" u="none" cap="none" strike="noStrike">
+      <a:defRPr sz="1400" b="0" i="0" u="none" strike="noStrike" cap="none">
         <a:solidFill>
           <a:srgbClr val="000000"/>
         </a:solidFill>
@@ -1226,7 +1251,7 @@
         <a:sym typeface="Arial"/>
       </a:defRPr>
     </a:lvl1pPr>
-    <a:lvl2pPr lvl="1" marR="0" rtl="0" algn="l">
+    <a:lvl2pPr marR="0" lvl="1" algn="l" rtl="0">
       <a:lnSpc>
         <a:spcPct val="100000"/>
       </a:lnSpc>
@@ -1240,7 +1265,7 @@
         <a:srgbClr val="000000"/>
       </a:buClr>
       <a:buFont typeface="Arial"/>
-      <a:defRPr b="0" i="0" sz="1400" u="none" cap="none" strike="noStrike">
+      <a:defRPr sz="1400" b="0" i="0" u="none" strike="noStrike" cap="none">
         <a:solidFill>
           <a:srgbClr val="000000"/>
         </a:solidFill>
@@ -1250,7 +1275,7 @@
         <a:sym typeface="Arial"/>
       </a:defRPr>
     </a:lvl2pPr>
-    <a:lvl3pPr lvl="2" marR="0" rtl="0" algn="l">
+    <a:lvl3pPr marR="0" lvl="2" algn="l" rtl="0">
       <a:lnSpc>
         <a:spcPct val="100000"/>
       </a:lnSpc>
@@ -1264,7 +1289,7 @@
         <a:srgbClr val="000000"/>
       </a:buClr>
       <a:buFont typeface="Arial"/>
-      <a:defRPr b="0" i="0" sz="1400" u="none" cap="none" strike="noStrike">
+      <a:defRPr sz="1400" b="0" i="0" u="none" strike="noStrike" cap="none">
         <a:solidFill>
           <a:srgbClr val="000000"/>
         </a:solidFill>
@@ -1274,7 +1299,7 @@
         <a:sym typeface="Arial"/>
       </a:defRPr>
     </a:lvl3pPr>
-    <a:lvl4pPr lvl="3" marR="0" rtl="0" algn="l">
+    <a:lvl4pPr marR="0" lvl="3" algn="l" rtl="0">
       <a:lnSpc>
         <a:spcPct val="100000"/>
       </a:lnSpc>
@@ -1288,7 +1313,7 @@
         <a:srgbClr val="000000"/>
       </a:buClr>
       <a:buFont typeface="Arial"/>
-      <a:defRPr b="0" i="0" sz="1400" u="none" cap="none" strike="noStrike">
+      <a:defRPr sz="1400" b="0" i="0" u="none" strike="noStrike" cap="none">
         <a:solidFill>
           <a:srgbClr val="000000"/>
         </a:solidFill>
@@ -1298,7 +1323,7 @@
         <a:sym typeface="Arial"/>
       </a:defRPr>
     </a:lvl4pPr>
-    <a:lvl5pPr lvl="4" marR="0" rtl="0" algn="l">
+    <a:lvl5pPr marR="0" lvl="4" algn="l" rtl="0">
       <a:lnSpc>
         <a:spcPct val="100000"/>
       </a:lnSpc>
@@ -1312,7 +1337,7 @@
         <a:srgbClr val="000000"/>
       </a:buClr>
       <a:buFont typeface="Arial"/>
-      <a:defRPr b="0" i="0" sz="1400" u="none" cap="none" strike="noStrike">
+      <a:defRPr sz="1400" b="0" i="0" u="none" strike="noStrike" cap="none">
         <a:solidFill>
           <a:srgbClr val="000000"/>
         </a:solidFill>
@@ -1322,7 +1347,7 @@
         <a:sym typeface="Arial"/>
       </a:defRPr>
     </a:lvl5pPr>
-    <a:lvl6pPr lvl="5" marR="0" rtl="0" algn="l">
+    <a:lvl6pPr marR="0" lvl="5" algn="l" rtl="0">
       <a:lnSpc>
         <a:spcPct val="100000"/>
       </a:lnSpc>
@@ -1336,7 +1361,7 @@
         <a:srgbClr val="000000"/>
       </a:buClr>
       <a:buFont typeface="Arial"/>
-      <a:defRPr b="0" i="0" sz="1400" u="none" cap="none" strike="noStrike">
+      <a:defRPr sz="1400" b="0" i="0" u="none" strike="noStrike" cap="none">
         <a:solidFill>
           <a:srgbClr val="000000"/>
         </a:solidFill>
@@ -1346,7 +1371,7 @@
         <a:sym typeface="Arial"/>
       </a:defRPr>
     </a:lvl6pPr>
-    <a:lvl7pPr lvl="6" marR="0" rtl="0" algn="l">
+    <a:lvl7pPr marR="0" lvl="6" algn="l" rtl="0">
       <a:lnSpc>
         <a:spcPct val="100000"/>
       </a:lnSpc>
@@ -1360,7 +1385,7 @@
         <a:srgbClr val="000000"/>
       </a:buClr>
       <a:buFont typeface="Arial"/>
-      <a:defRPr b="0" i="0" sz="1400" u="none" cap="none" strike="noStrike">
+      <a:defRPr sz="1400" b="0" i="0" u="none" strike="noStrike" cap="none">
         <a:solidFill>
           <a:srgbClr val="000000"/>
         </a:solidFill>
@@ -1370,7 +1395,7 @@
         <a:sym typeface="Arial"/>
       </a:defRPr>
     </a:lvl7pPr>
-    <a:lvl8pPr lvl="7" marR="0" rtl="0" algn="l">
+    <a:lvl8pPr marR="0" lvl="7" algn="l" rtl="0">
       <a:lnSpc>
         <a:spcPct val="100000"/>
       </a:lnSpc>
@@ -1384,7 +1409,7 @@
         <a:srgbClr val="000000"/>
       </a:buClr>
       <a:buFont typeface="Arial"/>
-      <a:defRPr b="0" i="0" sz="1400" u="none" cap="none" strike="noStrike">
+      <a:defRPr sz="1400" b="0" i="0" u="none" strike="noStrike" cap="none">
         <a:solidFill>
           <a:srgbClr val="000000"/>
         </a:solidFill>
@@ -1394,7 +1419,7 @@
         <a:sym typeface="Arial"/>
       </a:defRPr>
     </a:lvl8pPr>
-    <a:lvl9pPr lvl="8" marR="0" rtl="0" algn="l">
+    <a:lvl9pPr marR="0" lvl="8" algn="l" rtl="0">
       <a:lnSpc>
         <a:spcPct val="100000"/>
       </a:lnSpc>
@@ -1408,7 +1433,7 @@
         <a:srgbClr val="000000"/>
       </a:buClr>
       <a:buFont typeface="Arial"/>
-      <a:defRPr b="0" i="0" sz="1400" u="none" cap="none" strike="noStrike">
+      <a:defRPr sz="1400" b="0" i="0" u="none" strike="noStrike" cap="none">
         <a:solidFill>
           <a:srgbClr val="000000"/>
         </a:solidFill>
@@ -1423,11 +1448,11 @@
 </file>
 
 <file path=ppt/notesSlides/notesSlide1.xml><?xml version="1.0" encoding="utf-8"?>
-<p:notes xmlns:a="http://schemas.openxmlformats.org/drawingml/2006/main" xmlns:r="http://schemas.openxmlformats.org/officeDocument/2006/relationships" xmlns:mc="http://schemas.openxmlformats.org/markup-compatibility/2006" xmlns:mv="urn:schemas-microsoft-com:mac:vml" xmlns:p="http://schemas.openxmlformats.org/presentationml/2006/main" xmlns:c="http://schemas.openxmlformats.org/drawingml/2006/chart" xmlns:dgm="http://schemas.openxmlformats.org/drawingml/2006/diagram" xmlns:o="urn:schemas-microsoft-com:office:office" xmlns:v="urn:schemas-microsoft-com:vml" xmlns:pvml="urn:schemas-microsoft-com:office:powerpoint" xmlns:com="http://schemas.openxmlformats.org/drawingml/2006/compatibility" xmlns:p14="http://schemas.microsoft.com/office/powerpoint/2010/main" xmlns:p15="http://schemas.microsoft.com/office/powerpoint/2012/main" showMasterPhAnim="0" showMasterSp="0">
+<p:notes xmlns:a="http://schemas.openxmlformats.org/drawingml/2006/main" xmlns:r="http://schemas.openxmlformats.org/officeDocument/2006/relationships" xmlns:p="http://schemas.openxmlformats.org/presentationml/2006/main" showMasterSp="0" showMasterPhAnim="0">
   <p:cSld>
     <p:spTree>
       <p:nvGrpSpPr>
-        <p:cNvPr id="55" name="Shape 55"/>
+        <p:cNvPr id="1" name="Shape 55"/>
         <p:cNvGrpSpPr/>
         <p:nvPr/>
       </p:nvGrpSpPr>
@@ -1442,9 +1467,11 @@
       <p:sp>
         <p:nvSpPr>
           <p:cNvPr id="56" name="Google Shape;56;p1:notes"/>
-          <p:cNvSpPr txBox="1"/>
+          <p:cNvSpPr txBox="1">
+            <a:spLocks noGrp="1"/>
+          </p:cNvSpPr>
           <p:nvPr>
-            <p:ph idx="1" type="body"/>
+            <p:ph type="body" idx="1"/>
           </p:nvPr>
         </p:nvSpPr>
         <p:spPr>
@@ -1457,12 +1484,12 @@
           </a:prstGeom>
         </p:spPr>
         <p:txBody>
-          <a:bodyPr anchorCtr="0" anchor="t" bIns="45700" lIns="91425" spcFirstLastPara="1" rIns="91425" wrap="square" tIns="45700">
+          <a:bodyPr spcFirstLastPara="1" wrap="square" lIns="91425" tIns="45700" rIns="91425" bIns="45700" anchor="t" anchorCtr="0">
             <a:noAutofit/>
           </a:bodyPr>
           <a:lstStyle/>
           <a:p>
-            <a:pPr indent="0" lvl="0" marL="0" rtl="0" algn="l">
+            <a:pPr marL="0" lvl="0" indent="0" algn="l" rtl="0">
               <a:spcBef>
                 <a:spcPts val="360"/>
               </a:spcBef>
@@ -1471,9 +1498,6 @@
               </a:spcAft>
               <a:buNone/>
             </a:pPr>
-            <a:r>
-              <a:t/>
-            </a:r>
             <a:endParaRPr/>
           </a:p>
         </p:txBody>
@@ -1481,9 +1505,11 @@
       <p:sp>
         <p:nvSpPr>
           <p:cNvPr id="57" name="Google Shape;57;p1:notes"/>
-          <p:cNvSpPr/>
+          <p:cNvSpPr>
+            <a:spLocks noGrp="1" noRot="1" noChangeAspect="1"/>
+          </p:cNvSpPr>
           <p:nvPr>
-            <p:ph idx="2" type="sldImg"/>
+            <p:ph type="sldImg" idx="2"/>
           </p:nvPr>
         </p:nvSpPr>
         <p:spPr>
@@ -1492,9 +1518,13 @@
             <a:ext cx="4572000" cy="3429000"/>
           </a:xfrm>
           <a:custGeom>
-            <a:rect b="b" l="l" r="r" t="t"/>
+            <a:avLst/>
+            <a:gdLst/>
+            <a:ahLst/>
+            <a:cxnLst/>
+            <a:rect l="l" t="t" r="r" b="b"/>
             <a:pathLst>
-              <a:path extrusionOk="0" h="120000" w="120000">
+              <a:path w="120000" h="120000" extrusionOk="0">
                 <a:moveTo>
                   <a:pt x="0" y="0"/>
                 </a:moveTo>
@@ -1522,11 +1552,11 @@
 </file>
 
 <file path=ppt/notesSlides/notesSlide2.xml><?xml version="1.0" encoding="utf-8"?>
-<p:notes xmlns:a="http://schemas.openxmlformats.org/drawingml/2006/main" xmlns:r="http://schemas.openxmlformats.org/officeDocument/2006/relationships" xmlns:mc="http://schemas.openxmlformats.org/markup-compatibility/2006" xmlns:mv="urn:schemas-microsoft-com:mac:vml" xmlns:p="http://schemas.openxmlformats.org/presentationml/2006/main" xmlns:c="http://schemas.openxmlformats.org/drawingml/2006/chart" xmlns:dgm="http://schemas.openxmlformats.org/drawingml/2006/diagram" xmlns:o="urn:schemas-microsoft-com:office:office" xmlns:v="urn:schemas-microsoft-com:vml" xmlns:pvml="urn:schemas-microsoft-com:office:powerpoint" xmlns:com="http://schemas.openxmlformats.org/drawingml/2006/compatibility" xmlns:p14="http://schemas.microsoft.com/office/powerpoint/2010/main" xmlns:p15="http://schemas.microsoft.com/office/powerpoint/2012/main" showMasterPhAnim="0" showMasterSp="0">
+<p:notes xmlns:a="http://schemas.openxmlformats.org/drawingml/2006/main" xmlns:r="http://schemas.openxmlformats.org/officeDocument/2006/relationships" xmlns:p="http://schemas.openxmlformats.org/presentationml/2006/main" showMasterSp="0" showMasterPhAnim="0">
   <p:cSld>
     <p:spTree>
       <p:nvGrpSpPr>
-        <p:cNvPr id="61" name="Shape 61"/>
+        <p:cNvPr id="1" name="Shape 61"/>
         <p:cNvGrpSpPr/>
         <p:nvPr/>
       </p:nvGrpSpPr>
@@ -1541,9 +1571,11 @@
       <p:sp>
         <p:nvSpPr>
           <p:cNvPr id="62" name="Google Shape;62;p2:notes"/>
-          <p:cNvSpPr txBox="1"/>
+          <p:cNvSpPr txBox="1">
+            <a:spLocks noGrp="1"/>
+          </p:cNvSpPr>
           <p:nvPr>
-            <p:ph idx="1" type="body"/>
+            <p:ph type="body" idx="1"/>
           </p:nvPr>
         </p:nvSpPr>
         <p:spPr>
@@ -1556,12 +1588,12 @@
           </a:prstGeom>
         </p:spPr>
         <p:txBody>
-          <a:bodyPr anchorCtr="0" anchor="t" bIns="45700" lIns="91425" spcFirstLastPara="1" rIns="91425" wrap="square" tIns="45700">
+          <a:bodyPr spcFirstLastPara="1" wrap="square" lIns="91425" tIns="45700" rIns="91425" bIns="45700" anchor="t" anchorCtr="0">
             <a:noAutofit/>
           </a:bodyPr>
           <a:lstStyle/>
           <a:p>
-            <a:pPr indent="0" lvl="0" marL="0" rtl="0" algn="l">
+            <a:pPr marL="0" lvl="0" indent="0" algn="l" rtl="0">
               <a:spcBef>
                 <a:spcPts val="360"/>
               </a:spcBef>
@@ -1570,9 +1602,6 @@
               </a:spcAft>
               <a:buNone/>
             </a:pPr>
-            <a:r>
-              <a:t/>
-            </a:r>
             <a:endParaRPr/>
           </a:p>
         </p:txBody>
@@ -1580,9 +1609,11 @@
       <p:sp>
         <p:nvSpPr>
           <p:cNvPr id="63" name="Google Shape;63;p2:notes"/>
-          <p:cNvSpPr/>
+          <p:cNvSpPr>
+            <a:spLocks noGrp="1" noRot="1" noChangeAspect="1"/>
+          </p:cNvSpPr>
           <p:nvPr>
-            <p:ph idx="2" type="sldImg"/>
+            <p:ph type="sldImg" idx="2"/>
           </p:nvPr>
         </p:nvSpPr>
         <p:spPr>
@@ -1591,9 +1622,13 @@
             <a:ext cx="4572000" cy="3429000"/>
           </a:xfrm>
           <a:custGeom>
-            <a:rect b="b" l="l" r="r" t="t"/>
+            <a:avLst/>
+            <a:gdLst/>
+            <a:ahLst/>
+            <a:cxnLst/>
+            <a:rect l="l" t="t" r="r" b="b"/>
             <a:pathLst>
-              <a:path extrusionOk="0" h="120000" w="120000">
+              <a:path w="120000" h="120000" extrusionOk="0">
                 <a:moveTo>
                   <a:pt x="0" y="0"/>
                 </a:moveTo>
@@ -1621,11 +1656,11 @@
 </file>
 
 <file path=ppt/notesSlides/notesSlide3.xml><?xml version="1.0" encoding="utf-8"?>
-<p:notes xmlns:a="http://schemas.openxmlformats.org/drawingml/2006/main" xmlns:r="http://schemas.openxmlformats.org/officeDocument/2006/relationships" xmlns:mc="http://schemas.openxmlformats.org/markup-compatibility/2006" xmlns:mv="urn:schemas-microsoft-com:mac:vml" xmlns:p="http://schemas.openxmlformats.org/presentationml/2006/main" xmlns:c="http://schemas.openxmlformats.org/drawingml/2006/chart" xmlns:dgm="http://schemas.openxmlformats.org/drawingml/2006/diagram" xmlns:o="urn:schemas-microsoft-com:office:office" xmlns:v="urn:schemas-microsoft-com:vml" xmlns:pvml="urn:schemas-microsoft-com:office:powerpoint" xmlns:com="http://schemas.openxmlformats.org/drawingml/2006/compatibility" xmlns:p14="http://schemas.microsoft.com/office/powerpoint/2010/main" xmlns:p15="http://schemas.microsoft.com/office/powerpoint/2012/main" showMasterPhAnim="0" showMasterSp="0">
+<p:notes xmlns:a="http://schemas.openxmlformats.org/drawingml/2006/main" xmlns:r="http://schemas.openxmlformats.org/officeDocument/2006/relationships" xmlns:p="http://schemas.openxmlformats.org/presentationml/2006/main" showMasterSp="0" showMasterPhAnim="0">
   <p:cSld>
     <p:spTree>
       <p:nvGrpSpPr>
-        <p:cNvPr id="67" name="Shape 67"/>
+        <p:cNvPr id="1" name="Shape 67"/>
         <p:cNvGrpSpPr/>
         <p:nvPr/>
       </p:nvGrpSpPr>
@@ -1640,9 +1675,11 @@
       <p:sp>
         <p:nvSpPr>
           <p:cNvPr id="68" name="Google Shape;68;p3:notes"/>
-          <p:cNvSpPr txBox="1"/>
+          <p:cNvSpPr txBox="1">
+            <a:spLocks noGrp="1"/>
+          </p:cNvSpPr>
           <p:nvPr>
-            <p:ph idx="1" type="body"/>
+            <p:ph type="body" idx="1"/>
           </p:nvPr>
         </p:nvSpPr>
         <p:spPr>
@@ -1655,12 +1692,12 @@
           </a:prstGeom>
         </p:spPr>
         <p:txBody>
-          <a:bodyPr anchorCtr="0" anchor="t" bIns="45700" lIns="91425" spcFirstLastPara="1" rIns="91425" wrap="square" tIns="45700">
+          <a:bodyPr spcFirstLastPara="1" wrap="square" lIns="91425" tIns="45700" rIns="91425" bIns="45700" anchor="t" anchorCtr="0">
             <a:noAutofit/>
           </a:bodyPr>
           <a:lstStyle/>
           <a:p>
-            <a:pPr indent="0" lvl="0" marL="0" rtl="0" algn="l">
+            <a:pPr marL="0" lvl="0" indent="0" algn="l" rtl="0">
               <a:spcBef>
                 <a:spcPts val="360"/>
               </a:spcBef>
@@ -1669,9 +1706,6 @@
               </a:spcAft>
               <a:buNone/>
             </a:pPr>
-            <a:r>
-              <a:t/>
-            </a:r>
             <a:endParaRPr/>
           </a:p>
         </p:txBody>
@@ -1679,9 +1713,11 @@
       <p:sp>
         <p:nvSpPr>
           <p:cNvPr id="69" name="Google Shape;69;p3:notes"/>
-          <p:cNvSpPr/>
+          <p:cNvSpPr>
+            <a:spLocks noGrp="1" noRot="1" noChangeAspect="1"/>
+          </p:cNvSpPr>
           <p:nvPr>
-            <p:ph idx="2" type="sldImg"/>
+            <p:ph type="sldImg" idx="2"/>
           </p:nvPr>
         </p:nvSpPr>
         <p:spPr>
@@ -1690,9 +1726,13 @@
             <a:ext cx="4572000" cy="3429000"/>
           </a:xfrm>
           <a:custGeom>
-            <a:rect b="b" l="l" r="r" t="t"/>
+            <a:avLst/>
+            <a:gdLst/>
+            <a:ahLst/>
+            <a:cxnLst/>
+            <a:rect l="l" t="t" r="r" b="b"/>
             <a:pathLst>
-              <a:path extrusionOk="0" h="120000" w="120000">
+              <a:path w="120000" h="120000" extrusionOk="0">
                 <a:moveTo>
                   <a:pt x="0" y="0"/>
                 </a:moveTo>
@@ -1720,11 +1760,11 @@
 </file>
 
 <file path=ppt/slideLayouts/slideLayout1.xml><?xml version="1.0" encoding="utf-8"?>
-<p:sldLayout xmlns:a="http://schemas.openxmlformats.org/drawingml/2006/main" xmlns:r="http://schemas.openxmlformats.org/officeDocument/2006/relationships" xmlns:mc="http://schemas.openxmlformats.org/markup-compatibility/2006" xmlns:mv="urn:schemas-microsoft-com:mac:vml" xmlns:p="http://schemas.openxmlformats.org/presentationml/2006/main" xmlns:c="http://schemas.openxmlformats.org/drawingml/2006/chart" xmlns:dgm="http://schemas.openxmlformats.org/drawingml/2006/diagram" xmlns:o="urn:schemas-microsoft-com:office:office" xmlns:v="urn:schemas-microsoft-com:vml" xmlns:pvml="urn:schemas-microsoft-com:office:powerpoint" xmlns:com="http://schemas.openxmlformats.org/drawingml/2006/compatibility" xmlns:p14="http://schemas.microsoft.com/office/powerpoint/2010/main" xmlns:p15="http://schemas.microsoft.com/office/powerpoint/2012/main" matchingName="Title and Content" type="obj">
+<p:sldLayout xmlns:a="http://schemas.openxmlformats.org/drawingml/2006/main" xmlns:r="http://schemas.openxmlformats.org/officeDocument/2006/relationships" xmlns:p="http://schemas.openxmlformats.org/presentationml/2006/main" matchingName="Title and Content" type="obj">
   <p:cSld name="OBJECT">
     <p:spTree>
       <p:nvGrpSpPr>
-        <p:cNvPr id="12" name="Shape 12"/>
+        <p:cNvPr id="1" name="Shape 12"/>
         <p:cNvGrpSpPr/>
         <p:nvPr/>
       </p:nvGrpSpPr>
@@ -1739,7 +1779,9 @@
       <p:sp>
         <p:nvSpPr>
           <p:cNvPr id="13" name="Google Shape;13;p2"/>
-          <p:cNvSpPr txBox="1"/>
+          <p:cNvSpPr txBox="1">
+            <a:spLocks noGrp="1"/>
+          </p:cNvSpPr>
           <p:nvPr>
             <p:ph type="title"/>
           </p:nvPr>
@@ -1758,7 +1800,7 @@
           </a:ln>
         </p:spPr>
         <p:txBody>
-          <a:bodyPr anchorCtr="0" anchor="b" bIns="45700" lIns="91425" spcFirstLastPara="1" rIns="91425" wrap="square" tIns="45700"/>
+          <a:bodyPr spcFirstLastPara="1" wrap="square" lIns="91425" tIns="45700" rIns="91425" bIns="45700" anchor="b" anchorCtr="0"/>
           <a:lstStyle>
             <a:lvl1pPr lvl="0" algn="ctr">
               <a:spcBef>
@@ -1860,15 +1902,19 @@
               <a:defRPr/>
             </a:lvl9pPr>
           </a:lstStyle>
-          <a:p/>
+          <a:p>
+            <a:endParaRPr/>
+          </a:p>
         </p:txBody>
       </p:sp>
       <p:sp>
         <p:nvSpPr>
           <p:cNvPr id="14" name="Google Shape;14;p2"/>
-          <p:cNvSpPr txBox="1"/>
+          <p:cNvSpPr txBox="1">
+            <a:spLocks noGrp="1"/>
+          </p:cNvSpPr>
           <p:nvPr>
-            <p:ph idx="1" type="body"/>
+            <p:ph type="body" idx="1"/>
           </p:nvPr>
         </p:nvSpPr>
         <p:spPr>
@@ -1885,9 +1931,9 @@
           </a:ln>
         </p:spPr>
         <p:txBody>
-          <a:bodyPr anchorCtr="0" anchor="t" bIns="45700" lIns="91425" spcFirstLastPara="1" rIns="91425" wrap="square" tIns="45700"/>
+          <a:bodyPr spcFirstLastPara="1" wrap="square" lIns="91425" tIns="45700" rIns="91425" bIns="45700" anchor="t" anchorCtr="0"/>
           <a:lstStyle>
-            <a:lvl1pPr indent="-354330" lvl="0" marL="457200" algn="l">
+            <a:lvl1pPr marL="457200" lvl="0" indent="-354330" algn="l">
               <a:spcBef>
                 <a:spcPts val="2000"/>
               </a:spcBef>
@@ -1898,7 +1944,7 @@
               <a:buChar char="⚫"/>
               <a:defRPr/>
             </a:lvl1pPr>
-            <a:lvl2pPr indent="-354330" lvl="1" marL="914400" algn="l">
+            <a:lvl2pPr marL="914400" lvl="1" indent="-354330" algn="l">
               <a:spcBef>
                 <a:spcPts val="600"/>
               </a:spcBef>
@@ -1909,7 +1955,7 @@
               <a:buChar char="⚫"/>
               <a:defRPr/>
             </a:lvl2pPr>
-            <a:lvl3pPr indent="-354330" lvl="2" marL="1371600" algn="l">
+            <a:lvl3pPr marL="1371600" lvl="2" indent="-354330" algn="l">
               <a:spcBef>
                 <a:spcPts val="600"/>
               </a:spcBef>
@@ -1920,7 +1966,7 @@
               <a:buChar char="⚫"/>
               <a:defRPr/>
             </a:lvl3pPr>
-            <a:lvl4pPr indent="-354330" lvl="3" marL="1828800" algn="l">
+            <a:lvl4pPr marL="1828800" lvl="3" indent="-354330" algn="l">
               <a:spcBef>
                 <a:spcPts val="600"/>
               </a:spcBef>
@@ -1931,7 +1977,7 @@
               <a:buChar char="⚫"/>
               <a:defRPr/>
             </a:lvl4pPr>
-            <a:lvl5pPr indent="-354329" lvl="4" marL="2286000" algn="l">
+            <a:lvl5pPr marL="2286000" lvl="4" indent="-354329" algn="l">
               <a:spcBef>
                 <a:spcPts val="600"/>
               </a:spcBef>
@@ -1942,7 +1988,7 @@
               <a:buChar char="⚫"/>
               <a:defRPr/>
             </a:lvl5pPr>
-            <a:lvl6pPr indent="-354329" lvl="5" marL="2743200" algn="l">
+            <a:lvl6pPr marL="2743200" lvl="5" indent="-354329" algn="l">
               <a:spcBef>
                 <a:spcPts val="360"/>
               </a:spcBef>
@@ -1953,7 +1999,7 @@
               <a:buChar char="⚫"/>
               <a:defRPr/>
             </a:lvl6pPr>
-            <a:lvl7pPr indent="-354329" lvl="6" marL="3200400" algn="l">
+            <a:lvl7pPr marL="3200400" lvl="6" indent="-354329" algn="l">
               <a:spcBef>
                 <a:spcPts val="360"/>
               </a:spcBef>
@@ -1964,7 +2010,7 @@
               <a:buChar char="⚫"/>
               <a:defRPr/>
             </a:lvl7pPr>
-            <a:lvl8pPr indent="-354329" lvl="7" marL="3657600" algn="l">
+            <a:lvl8pPr marL="3657600" lvl="7" indent="-354329" algn="l">
               <a:spcBef>
                 <a:spcPts val="360"/>
               </a:spcBef>
@@ -1975,7 +2021,7 @@
               <a:buChar char="⚫"/>
               <a:defRPr/>
             </a:lvl8pPr>
-            <a:lvl9pPr indent="-354329" lvl="8" marL="4114800" algn="l">
+            <a:lvl9pPr marL="4114800" lvl="8" indent="-354329" algn="l">
               <a:spcBef>
                 <a:spcPts val="360"/>
               </a:spcBef>
@@ -1987,7 +2033,9 @@
               <a:defRPr/>
             </a:lvl9pPr>
           </a:lstStyle>
-          <a:p/>
+          <a:p>
+            <a:endParaRPr/>
+          </a:p>
         </p:txBody>
       </p:sp>
     </p:spTree>
@@ -1999,11 +2047,11 @@
 </file>
 
 <file path=ppt/slideLayouts/slideLayout10.xml><?xml version="1.0" encoding="utf-8"?>
-<p:sldLayout xmlns:a="http://schemas.openxmlformats.org/drawingml/2006/main" xmlns:r="http://schemas.openxmlformats.org/officeDocument/2006/relationships" xmlns:mc="http://schemas.openxmlformats.org/markup-compatibility/2006" xmlns:mv="urn:schemas-microsoft-com:mac:vml" xmlns:p="http://schemas.openxmlformats.org/presentationml/2006/main" xmlns:c="http://schemas.openxmlformats.org/drawingml/2006/chart" xmlns:dgm="http://schemas.openxmlformats.org/drawingml/2006/diagram" xmlns:o="urn:schemas-microsoft-com:office:office" xmlns:v="urn:schemas-microsoft-com:vml" xmlns:pvml="urn:schemas-microsoft-com:office:powerpoint" xmlns:com="http://schemas.openxmlformats.org/drawingml/2006/compatibility" xmlns:p14="http://schemas.microsoft.com/office/powerpoint/2010/main" xmlns:p15="http://schemas.microsoft.com/office/powerpoint/2012/main" matchingName="Picture with Caption">
+<p:sldLayout xmlns:a="http://schemas.openxmlformats.org/drawingml/2006/main" xmlns:r="http://schemas.openxmlformats.org/officeDocument/2006/relationships" xmlns:p="http://schemas.openxmlformats.org/presentationml/2006/main" matchingName="Picture with Caption">
   <p:cSld name="Picture with Caption">
     <p:spTree>
       <p:nvGrpSpPr>
-        <p:cNvPr id="43" name="Shape 43"/>
+        <p:cNvPr id="1" name="Shape 43"/>
         <p:cNvGrpSpPr/>
         <p:nvPr/>
       </p:nvGrpSpPr>
@@ -2018,7 +2066,9 @@
       <p:sp>
         <p:nvSpPr>
           <p:cNvPr id="44" name="Google Shape;44;p11"/>
-          <p:cNvSpPr txBox="1"/>
+          <p:cNvSpPr txBox="1">
+            <a:spLocks noGrp="1"/>
+          </p:cNvSpPr>
           <p:nvPr>
             <p:ph type="title"/>
           </p:nvPr>
@@ -2037,7 +2087,7 @@
           </a:ln>
         </p:spPr>
         <p:txBody>
-          <a:bodyPr anchorCtr="0" anchor="b" bIns="45700" lIns="91425" spcFirstLastPara="1" rIns="91425" wrap="square" tIns="45700"/>
+          <a:bodyPr spcFirstLastPara="1" wrap="square" lIns="91425" tIns="45700" rIns="91425" bIns="45700" anchor="b" anchorCtr="0"/>
           <a:lstStyle>
             <a:lvl1pPr lvl="0" algn="ctr">
               <a:spcBef>
@@ -2048,7 +2098,7 @@
               </a:spcAft>
               <a:buSzPts val="1400"/>
               <a:buNone/>
-              <a:defRPr b="0" sz="3600"/>
+              <a:defRPr sz="3600" b="0"/>
             </a:lvl1pPr>
             <a:lvl2pPr lvl="1" algn="ctr">
               <a:spcBef>
@@ -2139,15 +2189,19 @@
               <a:defRPr/>
             </a:lvl9pPr>
           </a:lstStyle>
-          <a:p/>
+          <a:p>
+            <a:endParaRPr/>
+          </a:p>
         </p:txBody>
       </p:sp>
       <p:sp>
         <p:nvSpPr>
           <p:cNvPr id="45" name="Google Shape;45;p11"/>
-          <p:cNvSpPr txBox="1"/>
+          <p:cNvSpPr txBox="1">
+            <a:spLocks noGrp="1"/>
+          </p:cNvSpPr>
           <p:nvPr>
-            <p:ph idx="1" type="body"/>
+            <p:ph type="body" idx="1"/>
           </p:nvPr>
         </p:nvSpPr>
         <p:spPr>
@@ -2164,9 +2218,9 @@
           </a:ln>
         </p:spPr>
         <p:txBody>
-          <a:bodyPr anchorCtr="0" anchor="t" bIns="45700" lIns="91425" spcFirstLastPara="1" rIns="91425" wrap="square" tIns="45700"/>
+          <a:bodyPr spcFirstLastPara="1" wrap="square" lIns="91425" tIns="45700" rIns="91425" bIns="45700" anchor="t" anchorCtr="0"/>
           <a:lstStyle>
-            <a:lvl1pPr indent="-228600" lvl="0" marL="457200" algn="ctr">
+            <a:lvl1pPr marL="457200" lvl="0" indent="-228600" algn="ctr">
               <a:spcBef>
                 <a:spcPts val="600"/>
               </a:spcBef>
@@ -2177,7 +2231,7 @@
               <a:buNone/>
               <a:defRPr sz="1800"/>
             </a:lvl1pPr>
-            <a:lvl2pPr indent="-228600" lvl="1" marL="914400" algn="l">
+            <a:lvl2pPr marL="914400" lvl="1" indent="-228600" algn="l">
               <a:spcBef>
                 <a:spcPts val="600"/>
               </a:spcBef>
@@ -2188,7 +2242,7 @@
               <a:buNone/>
               <a:defRPr sz="1200"/>
             </a:lvl2pPr>
-            <a:lvl3pPr indent="-228600" lvl="2" marL="1371600" algn="l">
+            <a:lvl3pPr marL="1371600" lvl="2" indent="-228600" algn="l">
               <a:spcBef>
                 <a:spcPts val="600"/>
               </a:spcBef>
@@ -2199,7 +2253,7 @@
               <a:buNone/>
               <a:defRPr sz="1000"/>
             </a:lvl3pPr>
-            <a:lvl4pPr indent="-228600" lvl="3" marL="1828800" algn="l">
+            <a:lvl4pPr marL="1828800" lvl="3" indent="-228600" algn="l">
               <a:spcBef>
                 <a:spcPts val="600"/>
               </a:spcBef>
@@ -2210,7 +2264,7 @@
               <a:buNone/>
               <a:defRPr sz="900"/>
             </a:lvl4pPr>
-            <a:lvl5pPr indent="-228600" lvl="4" marL="2286000" algn="l">
+            <a:lvl5pPr marL="2286000" lvl="4" indent="-228600" algn="l">
               <a:spcBef>
                 <a:spcPts val="600"/>
               </a:spcBef>
@@ -2221,7 +2275,7 @@
               <a:buNone/>
               <a:defRPr sz="900"/>
             </a:lvl5pPr>
-            <a:lvl6pPr indent="-228600" lvl="5" marL="2743200" algn="l">
+            <a:lvl6pPr marL="2743200" lvl="5" indent="-228600" algn="l">
               <a:spcBef>
                 <a:spcPts val="180"/>
               </a:spcBef>
@@ -2232,7 +2286,7 @@
               <a:buNone/>
               <a:defRPr sz="900"/>
             </a:lvl6pPr>
-            <a:lvl7pPr indent="-228600" lvl="6" marL="3200400" algn="l">
+            <a:lvl7pPr marL="3200400" lvl="6" indent="-228600" algn="l">
               <a:spcBef>
                 <a:spcPts val="180"/>
               </a:spcBef>
@@ -2243,7 +2297,7 @@
               <a:buNone/>
               <a:defRPr sz="900"/>
             </a:lvl7pPr>
-            <a:lvl8pPr indent="-228600" lvl="7" marL="3657600" algn="l">
+            <a:lvl8pPr marL="3657600" lvl="7" indent="-228600" algn="l">
               <a:spcBef>
                 <a:spcPts val="180"/>
               </a:spcBef>
@@ -2254,7 +2308,7 @@
               <a:buNone/>
               <a:defRPr sz="900"/>
             </a:lvl8pPr>
-            <a:lvl9pPr indent="-228600" lvl="8" marL="4114800" algn="l">
+            <a:lvl9pPr marL="4114800" lvl="8" indent="-228600" algn="l">
               <a:spcBef>
                 <a:spcPts val="180"/>
               </a:spcBef>
@@ -2266,15 +2320,19 @@
               <a:defRPr sz="900"/>
             </a:lvl9pPr>
           </a:lstStyle>
-          <a:p/>
+          <a:p>
+            <a:endParaRPr/>
+          </a:p>
         </p:txBody>
       </p:sp>
       <p:sp>
         <p:nvSpPr>
           <p:cNvPr id="46" name="Google Shape;46;p11"/>
-          <p:cNvSpPr/>
+          <p:cNvSpPr>
+            <a:spLocks noGrp="1"/>
+          </p:cNvSpPr>
           <p:nvPr>
-            <p:ph idx="2" type="pic"/>
+            <p:ph type="pic" idx="2"/>
           </p:nvPr>
         </p:nvSpPr>
         <p:spPr>
@@ -2286,17 +2344,17 @@
             <a:avLst/>
           </a:prstGeom>
           <a:noFill/>
-          <a:ln cap="flat" cmpd="sng" w="9525">
+          <a:ln w="9525" cap="flat" cmpd="sng">
             <a:solidFill>
               <a:schemeClr val="lt1"/>
             </a:solidFill>
             <a:prstDash val="solid"/>
             <a:round/>
-            <a:headEnd len="sm" w="sm" type="none"/>
-            <a:tailEnd len="sm" w="sm" type="none"/>
+            <a:headEnd type="none" w="sm" len="sm"/>
+            <a:tailEnd type="none" w="sm" len="sm"/>
           </a:ln>
           <a:effectLst>
-            <a:outerShdw blurRad="63500" sx="100500" rotWithShape="0" algn="ctr" sy="100500">
+            <a:outerShdw blurRad="63500" sx="100500" sy="100500" algn="ctr" rotWithShape="0">
               <a:srgbClr val="000000">
                 <a:alpha val="49803"/>
               </a:srgbClr>
@@ -2304,9 +2362,9 @@
           </a:effectLst>
         </p:spPr>
         <p:txBody>
-          <a:bodyPr anchorCtr="0" anchor="t" bIns="45700" lIns="91425" spcFirstLastPara="1" rIns="91425" wrap="square" tIns="45700"/>
+          <a:bodyPr spcFirstLastPara="1" wrap="square" lIns="91425" tIns="45700" rIns="91425" bIns="45700" anchor="t" anchorCtr="0"/>
           <a:lstStyle>
-            <a:lvl1pPr lvl="0" marR="0" rtl="0" algn="l">
+            <a:lvl1pPr marR="0" lvl="0" algn="l" rtl="0">
               <a:spcBef>
                 <a:spcPts val="2000"/>
               </a:spcBef>
@@ -2319,7 +2377,7 @@
               <a:buSzPts val="3520"/>
               <a:buFont typeface="Noto Sans Symbols"/>
               <a:buNone/>
-              <a:defRPr b="0" i="0" sz="3200" u="none" cap="none" strike="noStrike">
+              <a:defRPr sz="3200" b="0" i="0" u="none" strike="noStrike" cap="none">
                 <a:solidFill>
                   <a:srgbClr val="595959"/>
                 </a:solidFill>
@@ -2329,7 +2387,7 @@
                 <a:sym typeface="Calibri"/>
               </a:defRPr>
             </a:lvl1pPr>
-            <a:lvl2pPr lvl="1" marR="0" rtl="0" algn="l">
+            <a:lvl2pPr marR="0" lvl="1" algn="l" rtl="0">
               <a:spcBef>
                 <a:spcPts val="600"/>
               </a:spcBef>
@@ -2342,7 +2400,7 @@
               <a:buSzPts val="3080"/>
               <a:buFont typeface="Noto Sans Symbols"/>
               <a:buNone/>
-              <a:defRPr b="0" i="0" sz="2800" u="none" cap="none" strike="noStrike">
+              <a:defRPr sz="2800" b="0" i="0" u="none" strike="noStrike" cap="none">
                 <a:solidFill>
                   <a:srgbClr val="595959"/>
                 </a:solidFill>
@@ -2352,7 +2410,7 @@
                 <a:sym typeface="Calibri"/>
               </a:defRPr>
             </a:lvl2pPr>
-            <a:lvl3pPr lvl="2" marR="0" rtl="0" algn="l">
+            <a:lvl3pPr marR="0" lvl="2" algn="l" rtl="0">
               <a:spcBef>
                 <a:spcPts val="600"/>
               </a:spcBef>
@@ -2365,7 +2423,7 @@
               <a:buSzPts val="2640"/>
               <a:buFont typeface="Noto Sans Symbols"/>
               <a:buNone/>
-              <a:defRPr b="0" i="0" sz="2400" u="none" cap="none" strike="noStrike">
+              <a:defRPr sz="2400" b="0" i="0" u="none" strike="noStrike" cap="none">
                 <a:solidFill>
                   <a:srgbClr val="595959"/>
                 </a:solidFill>
@@ -2375,7 +2433,7 @@
                 <a:sym typeface="Calibri"/>
               </a:defRPr>
             </a:lvl3pPr>
-            <a:lvl4pPr lvl="3" marR="0" rtl="0" algn="l">
+            <a:lvl4pPr marR="0" lvl="3" algn="l" rtl="0">
               <a:spcBef>
                 <a:spcPts val="600"/>
               </a:spcBef>
@@ -2388,7 +2446,7 @@
               <a:buSzPts val="2200"/>
               <a:buFont typeface="Noto Sans Symbols"/>
               <a:buNone/>
-              <a:defRPr b="0" i="0" sz="2000" u="none" cap="none" strike="noStrike">
+              <a:defRPr sz="2000" b="0" i="0" u="none" strike="noStrike" cap="none">
                 <a:solidFill>
                   <a:srgbClr val="595959"/>
                 </a:solidFill>
@@ -2398,7 +2456,7 @@
                 <a:sym typeface="Calibri"/>
               </a:defRPr>
             </a:lvl4pPr>
-            <a:lvl5pPr lvl="4" marR="0" rtl="0" algn="l">
+            <a:lvl5pPr marR="0" lvl="4" algn="l" rtl="0">
               <a:spcBef>
                 <a:spcPts val="600"/>
               </a:spcBef>
@@ -2411,7 +2469,7 @@
               <a:buSzPts val="2200"/>
               <a:buFont typeface="Noto Sans Symbols"/>
               <a:buNone/>
-              <a:defRPr b="0" i="0" sz="2000" u="none" cap="none" strike="noStrike">
+              <a:defRPr sz="2000" b="0" i="0" u="none" strike="noStrike" cap="none">
                 <a:solidFill>
                   <a:srgbClr val="595959"/>
                 </a:solidFill>
@@ -2421,7 +2479,7 @@
                 <a:sym typeface="Calibri"/>
               </a:defRPr>
             </a:lvl5pPr>
-            <a:lvl6pPr lvl="5" marR="0" rtl="0" algn="l">
+            <a:lvl6pPr marR="0" lvl="5" algn="l" rtl="0">
               <a:spcBef>
                 <a:spcPts val="400"/>
               </a:spcBef>
@@ -2434,7 +2492,7 @@
               <a:buSzPts val="2200"/>
               <a:buFont typeface="Noto Sans Symbols"/>
               <a:buNone/>
-              <a:defRPr b="0" i="0" sz="2000" u="none" cap="none" strike="noStrike">
+              <a:defRPr sz="2000" b="0" i="0" u="none" strike="noStrike" cap="none">
                 <a:solidFill>
                   <a:srgbClr val="595959"/>
                 </a:solidFill>
@@ -2444,7 +2502,7 @@
                 <a:sym typeface="Calibri"/>
               </a:defRPr>
             </a:lvl6pPr>
-            <a:lvl7pPr lvl="6" marR="0" rtl="0" algn="l">
+            <a:lvl7pPr marR="0" lvl="6" algn="l" rtl="0">
               <a:spcBef>
                 <a:spcPts val="400"/>
               </a:spcBef>
@@ -2457,7 +2515,7 @@
               <a:buSzPts val="2200"/>
               <a:buFont typeface="Noto Sans Symbols"/>
               <a:buNone/>
-              <a:defRPr b="0" i="0" sz="2000" u="none" cap="none" strike="noStrike">
+              <a:defRPr sz="2000" b="0" i="0" u="none" strike="noStrike" cap="none">
                 <a:solidFill>
                   <a:srgbClr val="595959"/>
                 </a:solidFill>
@@ -2467,7 +2525,7 @@
                 <a:sym typeface="Calibri"/>
               </a:defRPr>
             </a:lvl7pPr>
-            <a:lvl8pPr lvl="7" marR="0" rtl="0" algn="l">
+            <a:lvl8pPr marR="0" lvl="7" algn="l" rtl="0">
               <a:spcBef>
                 <a:spcPts val="400"/>
               </a:spcBef>
@@ -2480,7 +2538,7 @@
               <a:buSzPts val="2200"/>
               <a:buFont typeface="Noto Sans Symbols"/>
               <a:buNone/>
-              <a:defRPr b="0" i="0" sz="2000" u="none" cap="none" strike="noStrike">
+              <a:defRPr sz="2000" b="0" i="0" u="none" strike="noStrike" cap="none">
                 <a:solidFill>
                   <a:srgbClr val="595959"/>
                 </a:solidFill>
@@ -2490,7 +2548,7 @@
                 <a:sym typeface="Calibri"/>
               </a:defRPr>
             </a:lvl8pPr>
-            <a:lvl9pPr lvl="8" marR="0" rtl="0" algn="l">
+            <a:lvl9pPr marR="0" lvl="8" algn="l" rtl="0">
               <a:spcBef>
                 <a:spcPts val="400"/>
               </a:spcBef>
@@ -2503,7 +2561,7 @@
               <a:buSzPts val="2200"/>
               <a:buFont typeface="Noto Sans Symbols"/>
               <a:buNone/>
-              <a:defRPr b="0" i="0" sz="2000" u="none" cap="none" strike="noStrike">
+              <a:defRPr sz="2000" b="0" i="0" u="none" strike="noStrike" cap="none">
                 <a:solidFill>
                   <a:srgbClr val="595959"/>
                 </a:solidFill>
@@ -2514,7 +2572,9 @@
               </a:defRPr>
             </a:lvl9pPr>
           </a:lstStyle>
-          <a:p/>
+          <a:p>
+            <a:endParaRPr/>
+          </a:p>
         </p:txBody>
       </p:sp>
     </p:spTree>
@@ -2526,11 +2586,11 @@
 </file>
 
 <file path=ppt/slideLayouts/slideLayout11.xml><?xml version="1.0" encoding="utf-8"?>
-<p:sldLayout xmlns:a="http://schemas.openxmlformats.org/drawingml/2006/main" xmlns:r="http://schemas.openxmlformats.org/officeDocument/2006/relationships" xmlns:mc="http://schemas.openxmlformats.org/markup-compatibility/2006" xmlns:mv="urn:schemas-microsoft-com:mac:vml" xmlns:p="http://schemas.openxmlformats.org/presentationml/2006/main" xmlns:c="http://schemas.openxmlformats.org/drawingml/2006/chart" xmlns:dgm="http://schemas.openxmlformats.org/drawingml/2006/diagram" xmlns:o="urn:schemas-microsoft-com:office:office" xmlns:v="urn:schemas-microsoft-com:vml" xmlns:pvml="urn:schemas-microsoft-com:office:powerpoint" xmlns:com="http://schemas.openxmlformats.org/drawingml/2006/compatibility" xmlns:p14="http://schemas.microsoft.com/office/powerpoint/2010/main" xmlns:p15="http://schemas.microsoft.com/office/powerpoint/2012/main" matchingName="Title and Vertical Text" type="vertTx">
+<p:sldLayout xmlns:a="http://schemas.openxmlformats.org/drawingml/2006/main" xmlns:r="http://schemas.openxmlformats.org/officeDocument/2006/relationships" xmlns:p="http://schemas.openxmlformats.org/presentationml/2006/main" matchingName="Title and Vertical Text" type="vertTx">
   <p:cSld name="VERTICAL_TEXT">
     <p:spTree>
       <p:nvGrpSpPr>
-        <p:cNvPr id="47" name="Shape 47"/>
+        <p:cNvPr id="1" name="Shape 47"/>
         <p:cNvGrpSpPr/>
         <p:nvPr/>
       </p:nvGrpSpPr>
@@ -2545,7 +2605,9 @@
       <p:sp>
         <p:nvSpPr>
           <p:cNvPr id="48" name="Google Shape;48;p12"/>
-          <p:cNvSpPr txBox="1"/>
+          <p:cNvSpPr txBox="1">
+            <a:spLocks noGrp="1"/>
+          </p:cNvSpPr>
           <p:nvPr>
             <p:ph type="title"/>
           </p:nvPr>
@@ -2564,7 +2626,7 @@
           </a:ln>
         </p:spPr>
         <p:txBody>
-          <a:bodyPr anchorCtr="0" anchor="b" bIns="45700" lIns="91425" spcFirstLastPara="1" rIns="91425" wrap="square" tIns="45700"/>
+          <a:bodyPr spcFirstLastPara="1" wrap="square" lIns="91425" tIns="45700" rIns="91425" bIns="45700" anchor="b" anchorCtr="0"/>
           <a:lstStyle>
             <a:lvl1pPr lvl="0" algn="ctr">
               <a:spcBef>
@@ -2666,15 +2728,19 @@
               <a:defRPr/>
             </a:lvl9pPr>
           </a:lstStyle>
-          <a:p/>
+          <a:p>
+            <a:endParaRPr/>
+          </a:p>
         </p:txBody>
       </p:sp>
       <p:sp>
         <p:nvSpPr>
           <p:cNvPr id="49" name="Google Shape;49;p12"/>
-          <p:cNvSpPr txBox="1"/>
+          <p:cNvSpPr txBox="1">
+            <a:spLocks noGrp="1"/>
+          </p:cNvSpPr>
           <p:nvPr>
-            <p:ph idx="1" type="body"/>
+            <p:ph type="body" idx="1"/>
           </p:nvPr>
         </p:nvSpPr>
         <p:spPr>
@@ -2691,9 +2757,9 @@
           </a:ln>
         </p:spPr>
         <p:txBody>
-          <a:bodyPr anchorCtr="0" anchor="t" bIns="45700" lIns="91425" spcFirstLastPara="1" rIns="91425" wrap="square" tIns="45700"/>
+          <a:bodyPr spcFirstLastPara="1" wrap="square" lIns="91425" tIns="45700" rIns="91425" bIns="45700" anchor="t" anchorCtr="0"/>
           <a:lstStyle>
-            <a:lvl1pPr indent="-354330" lvl="0" marL="457200" algn="l">
+            <a:lvl1pPr marL="457200" lvl="0" indent="-354330" algn="l">
               <a:spcBef>
                 <a:spcPts val="2000"/>
               </a:spcBef>
@@ -2704,7 +2770,7 @@
               <a:buChar char="⚫"/>
               <a:defRPr/>
             </a:lvl1pPr>
-            <a:lvl2pPr indent="-354330" lvl="1" marL="914400" algn="l">
+            <a:lvl2pPr marL="914400" lvl="1" indent="-354330" algn="l">
               <a:spcBef>
                 <a:spcPts val="600"/>
               </a:spcBef>
@@ -2715,7 +2781,7 @@
               <a:buChar char="⚫"/>
               <a:defRPr/>
             </a:lvl2pPr>
-            <a:lvl3pPr indent="-354330" lvl="2" marL="1371600" algn="l">
+            <a:lvl3pPr marL="1371600" lvl="2" indent="-354330" algn="l">
               <a:spcBef>
                 <a:spcPts val="600"/>
               </a:spcBef>
@@ -2726,7 +2792,7 @@
               <a:buChar char="⚫"/>
               <a:defRPr/>
             </a:lvl3pPr>
-            <a:lvl4pPr indent="-354330" lvl="3" marL="1828800" algn="l">
+            <a:lvl4pPr marL="1828800" lvl="3" indent="-354330" algn="l">
               <a:spcBef>
                 <a:spcPts val="600"/>
               </a:spcBef>
@@ -2737,7 +2803,7 @@
               <a:buChar char="⚫"/>
               <a:defRPr/>
             </a:lvl4pPr>
-            <a:lvl5pPr indent="-354329" lvl="4" marL="2286000" algn="l">
+            <a:lvl5pPr marL="2286000" lvl="4" indent="-354329" algn="l">
               <a:spcBef>
                 <a:spcPts val="600"/>
               </a:spcBef>
@@ -2748,7 +2814,7 @@
               <a:buChar char="⚫"/>
               <a:defRPr/>
             </a:lvl5pPr>
-            <a:lvl6pPr indent="-354329" lvl="5" marL="2743200" algn="l">
+            <a:lvl6pPr marL="2743200" lvl="5" indent="-354329" algn="l">
               <a:spcBef>
                 <a:spcPts val="360"/>
               </a:spcBef>
@@ -2759,7 +2825,7 @@
               <a:buChar char="⚫"/>
               <a:defRPr/>
             </a:lvl6pPr>
-            <a:lvl7pPr indent="-354329" lvl="6" marL="3200400" algn="l">
+            <a:lvl7pPr marL="3200400" lvl="6" indent="-354329" algn="l">
               <a:spcBef>
                 <a:spcPts val="360"/>
               </a:spcBef>
@@ -2770,7 +2836,7 @@
               <a:buChar char="⚫"/>
               <a:defRPr/>
             </a:lvl7pPr>
-            <a:lvl8pPr indent="-354329" lvl="7" marL="3657600" algn="l">
+            <a:lvl8pPr marL="3657600" lvl="7" indent="-354329" algn="l">
               <a:spcBef>
                 <a:spcPts val="360"/>
               </a:spcBef>
@@ -2781,7 +2847,7 @@
               <a:buChar char="⚫"/>
               <a:defRPr/>
             </a:lvl8pPr>
-            <a:lvl9pPr indent="-354329" lvl="8" marL="4114800" algn="l">
+            <a:lvl9pPr marL="4114800" lvl="8" indent="-354329" algn="l">
               <a:spcBef>
                 <a:spcPts val="360"/>
               </a:spcBef>
@@ -2793,7 +2859,9 @@
               <a:defRPr/>
             </a:lvl9pPr>
           </a:lstStyle>
-          <a:p/>
+          <a:p>
+            <a:endParaRPr/>
+          </a:p>
         </p:txBody>
       </p:sp>
     </p:spTree>
@@ -2805,11 +2873,11 @@
 </file>
 
 <file path=ppt/slideLayouts/slideLayout12.xml><?xml version="1.0" encoding="utf-8"?>
-<p:sldLayout xmlns:a="http://schemas.openxmlformats.org/drawingml/2006/main" xmlns:r="http://schemas.openxmlformats.org/officeDocument/2006/relationships" xmlns:mc="http://schemas.openxmlformats.org/markup-compatibility/2006" xmlns:mv="urn:schemas-microsoft-com:mac:vml" xmlns:p="http://schemas.openxmlformats.org/presentationml/2006/main" xmlns:c="http://schemas.openxmlformats.org/drawingml/2006/chart" xmlns:dgm="http://schemas.openxmlformats.org/drawingml/2006/diagram" xmlns:o="urn:schemas-microsoft-com:office:office" xmlns:v="urn:schemas-microsoft-com:vml" xmlns:pvml="urn:schemas-microsoft-com:office:powerpoint" xmlns:com="http://schemas.openxmlformats.org/drawingml/2006/compatibility" xmlns:p14="http://schemas.microsoft.com/office/powerpoint/2010/main" xmlns:p15="http://schemas.microsoft.com/office/powerpoint/2012/main" matchingName="Vertical Title and Text" type="vertTitleAndTx">
+<p:sldLayout xmlns:a="http://schemas.openxmlformats.org/drawingml/2006/main" xmlns:r="http://schemas.openxmlformats.org/officeDocument/2006/relationships" xmlns:p="http://schemas.openxmlformats.org/presentationml/2006/main" matchingName="Vertical Title and Text" type="vertTitleAndTx">
   <p:cSld name="VERTICAL_TITLE_AND_VERTICAL_TEXT">
     <p:spTree>
       <p:nvGrpSpPr>
-        <p:cNvPr id="50" name="Shape 50"/>
+        <p:cNvPr id="1" name="Shape 50"/>
         <p:cNvGrpSpPr/>
         <p:nvPr/>
       </p:nvGrpSpPr>
@@ -2824,7 +2892,9 @@
       <p:sp>
         <p:nvSpPr>
           <p:cNvPr id="51" name="Google Shape;51;p13"/>
-          <p:cNvSpPr txBox="1"/>
+          <p:cNvSpPr txBox="1">
+            <a:spLocks noGrp="1"/>
+          </p:cNvSpPr>
           <p:nvPr>
             <p:ph type="title"/>
           </p:nvPr>
@@ -2843,7 +2913,7 @@
           </a:ln>
         </p:spPr>
         <p:txBody>
-          <a:bodyPr anchorCtr="0" anchor="b" bIns="45700" lIns="91425" spcFirstLastPara="1" rIns="91425" wrap="square" tIns="45700"/>
+          <a:bodyPr spcFirstLastPara="1" wrap="square" lIns="91425" tIns="45700" rIns="91425" bIns="45700" anchor="b" anchorCtr="0"/>
           <a:lstStyle>
             <a:lvl1pPr lvl="0" algn="ctr">
               <a:spcBef>
@@ -2945,15 +3015,19 @@
               <a:defRPr/>
             </a:lvl9pPr>
           </a:lstStyle>
-          <a:p/>
+          <a:p>
+            <a:endParaRPr/>
+          </a:p>
         </p:txBody>
       </p:sp>
       <p:sp>
         <p:nvSpPr>
           <p:cNvPr id="52" name="Google Shape;52;p13"/>
-          <p:cNvSpPr txBox="1"/>
+          <p:cNvSpPr txBox="1">
+            <a:spLocks noGrp="1"/>
+          </p:cNvSpPr>
           <p:nvPr>
-            <p:ph idx="1" type="body"/>
+            <p:ph type="body" idx="1"/>
           </p:nvPr>
         </p:nvSpPr>
         <p:spPr>
@@ -2970,9 +3044,9 @@
           </a:ln>
         </p:spPr>
         <p:txBody>
-          <a:bodyPr anchorCtr="0" anchor="t" bIns="45700" lIns="91425" spcFirstLastPara="1" rIns="91425" wrap="square" tIns="45700"/>
+          <a:bodyPr spcFirstLastPara="1" wrap="square" lIns="91425" tIns="45700" rIns="91425" bIns="45700" anchor="t" anchorCtr="0"/>
           <a:lstStyle>
-            <a:lvl1pPr indent="-354330" lvl="0" marL="457200" algn="l">
+            <a:lvl1pPr marL="457200" lvl="0" indent="-354330" algn="l">
               <a:spcBef>
                 <a:spcPts val="2000"/>
               </a:spcBef>
@@ -2983,7 +3057,7 @@
               <a:buChar char="⚫"/>
               <a:defRPr/>
             </a:lvl1pPr>
-            <a:lvl2pPr indent="-354330" lvl="1" marL="914400" algn="l">
+            <a:lvl2pPr marL="914400" lvl="1" indent="-354330" algn="l">
               <a:spcBef>
                 <a:spcPts val="600"/>
               </a:spcBef>
@@ -2994,7 +3068,7 @@
               <a:buChar char="⚫"/>
               <a:defRPr/>
             </a:lvl2pPr>
-            <a:lvl3pPr indent="-354330" lvl="2" marL="1371600" algn="l">
+            <a:lvl3pPr marL="1371600" lvl="2" indent="-354330" algn="l">
               <a:spcBef>
                 <a:spcPts val="600"/>
               </a:spcBef>
@@ -3005,7 +3079,7 @@
               <a:buChar char="⚫"/>
               <a:defRPr/>
             </a:lvl3pPr>
-            <a:lvl4pPr indent="-354330" lvl="3" marL="1828800" algn="l">
+            <a:lvl4pPr marL="1828800" lvl="3" indent="-354330" algn="l">
               <a:spcBef>
                 <a:spcPts val="600"/>
               </a:spcBef>
@@ -3016,7 +3090,7 @@
               <a:buChar char="⚫"/>
               <a:defRPr/>
             </a:lvl4pPr>
-            <a:lvl5pPr indent="-354329" lvl="4" marL="2286000" algn="l">
+            <a:lvl5pPr marL="2286000" lvl="4" indent="-354329" algn="l">
               <a:spcBef>
                 <a:spcPts val="600"/>
               </a:spcBef>
@@ -3027,7 +3101,7 @@
               <a:buChar char="⚫"/>
               <a:defRPr/>
             </a:lvl5pPr>
-            <a:lvl6pPr indent="-354329" lvl="5" marL="2743200" algn="l">
+            <a:lvl6pPr marL="2743200" lvl="5" indent="-354329" algn="l">
               <a:spcBef>
                 <a:spcPts val="360"/>
               </a:spcBef>
@@ -3038,7 +3112,7 @@
               <a:buChar char="⚫"/>
               <a:defRPr/>
             </a:lvl6pPr>
-            <a:lvl7pPr indent="-354329" lvl="6" marL="3200400" algn="l">
+            <a:lvl7pPr marL="3200400" lvl="6" indent="-354329" algn="l">
               <a:spcBef>
                 <a:spcPts val="360"/>
               </a:spcBef>
@@ -3049,7 +3123,7 @@
               <a:buChar char="⚫"/>
               <a:defRPr/>
             </a:lvl7pPr>
-            <a:lvl8pPr indent="-354329" lvl="7" marL="3657600" algn="l">
+            <a:lvl8pPr marL="3657600" lvl="7" indent="-354329" algn="l">
               <a:spcBef>
                 <a:spcPts val="360"/>
               </a:spcBef>
@@ -3060,7 +3134,7 @@
               <a:buChar char="⚫"/>
               <a:defRPr/>
             </a:lvl8pPr>
-            <a:lvl9pPr indent="-354329" lvl="8" marL="4114800" algn="l">
+            <a:lvl9pPr marL="4114800" lvl="8" indent="-354329" algn="l">
               <a:spcBef>
                 <a:spcPts val="360"/>
               </a:spcBef>
@@ -3072,7 +3146,9 @@
               <a:defRPr/>
             </a:lvl9pPr>
           </a:lstStyle>
-          <a:p/>
+          <a:p>
+            <a:endParaRPr/>
+          </a:p>
         </p:txBody>
       </p:sp>
     </p:spTree>
@@ -3084,11 +3160,11 @@
 </file>
 
 <file path=ppt/slideLayouts/slideLayout13.xml><?xml version="1.0" encoding="utf-8"?>
-<p:sldLayout xmlns:a="http://schemas.openxmlformats.org/drawingml/2006/main" xmlns:r="http://schemas.openxmlformats.org/officeDocument/2006/relationships" xmlns:mc="http://schemas.openxmlformats.org/markup-compatibility/2006" xmlns:mv="urn:schemas-microsoft-com:mac:vml" xmlns:p="http://schemas.openxmlformats.org/presentationml/2006/main" xmlns:c="http://schemas.openxmlformats.org/drawingml/2006/chart" xmlns:dgm="http://schemas.openxmlformats.org/drawingml/2006/diagram" xmlns:o="urn:schemas-microsoft-com:office:office" xmlns:v="urn:schemas-microsoft-com:vml" xmlns:pvml="urn:schemas-microsoft-com:office:powerpoint" xmlns:com="http://schemas.openxmlformats.org/drawingml/2006/compatibility" xmlns:p14="http://schemas.microsoft.com/office/powerpoint/2010/main" xmlns:p15="http://schemas.microsoft.com/office/powerpoint/2012/main" matchingName="Custom Layout">
+<p:sldLayout xmlns:a="http://schemas.openxmlformats.org/drawingml/2006/main" xmlns:r="http://schemas.openxmlformats.org/officeDocument/2006/relationships" xmlns:p="http://schemas.openxmlformats.org/presentationml/2006/main" matchingName="Custom Layout">
   <p:cSld name="Custom Layout">
     <p:spTree>
       <p:nvGrpSpPr>
-        <p:cNvPr id="53" name="Shape 53"/>
+        <p:cNvPr id="1" name="Shape 53"/>
         <p:cNvGrpSpPr/>
         <p:nvPr/>
       </p:nvGrpSpPr>
@@ -3103,7 +3179,9 @@
       <p:sp>
         <p:nvSpPr>
           <p:cNvPr id="54" name="Google Shape;54;p14"/>
-          <p:cNvSpPr txBox="1"/>
+          <p:cNvSpPr txBox="1">
+            <a:spLocks noGrp="1"/>
+          </p:cNvSpPr>
           <p:nvPr>
             <p:ph type="title"/>
           </p:nvPr>
@@ -3122,7 +3200,7 @@
           </a:ln>
         </p:spPr>
         <p:txBody>
-          <a:bodyPr anchorCtr="0" anchor="b" bIns="45700" lIns="91425" spcFirstLastPara="1" rIns="91425" wrap="square" tIns="45700"/>
+          <a:bodyPr spcFirstLastPara="1" wrap="square" lIns="91425" tIns="45700" rIns="91425" bIns="45700" anchor="b" anchorCtr="0"/>
           <a:lstStyle>
             <a:lvl1pPr lvl="0" algn="ctr">
               <a:spcBef>
@@ -3224,7 +3302,9 @@
               <a:defRPr/>
             </a:lvl9pPr>
           </a:lstStyle>
-          <a:p/>
+          <a:p>
+            <a:endParaRPr/>
+          </a:p>
         </p:txBody>
       </p:sp>
     </p:spTree>
@@ -3236,11 +3316,11 @@
 </file>
 
 <file path=ppt/slideLayouts/slideLayout2.xml><?xml version="1.0" encoding="utf-8"?>
-<p:sldLayout xmlns:a="http://schemas.openxmlformats.org/drawingml/2006/main" xmlns:r="http://schemas.openxmlformats.org/officeDocument/2006/relationships" xmlns:mc="http://schemas.openxmlformats.org/markup-compatibility/2006" xmlns:mv="urn:schemas-microsoft-com:mac:vml" xmlns:p="http://schemas.openxmlformats.org/presentationml/2006/main" xmlns:c="http://schemas.openxmlformats.org/drawingml/2006/chart" xmlns:dgm="http://schemas.openxmlformats.org/drawingml/2006/diagram" xmlns:o="urn:schemas-microsoft-com:office:office" xmlns:v="urn:schemas-microsoft-com:vml" xmlns:pvml="urn:schemas-microsoft-com:office:powerpoint" xmlns:com="http://schemas.openxmlformats.org/drawingml/2006/compatibility" xmlns:p14="http://schemas.microsoft.com/office/powerpoint/2010/main" xmlns:p15="http://schemas.microsoft.com/office/powerpoint/2012/main" matchingName="Title Slide" type="title">
+<p:sldLayout xmlns:a="http://schemas.openxmlformats.org/drawingml/2006/main" xmlns:r="http://schemas.openxmlformats.org/officeDocument/2006/relationships" xmlns:p="http://schemas.openxmlformats.org/presentationml/2006/main" matchingName="Title Slide" type="title">
   <p:cSld name="TITLE">
     <p:spTree>
       <p:nvGrpSpPr>
-        <p:cNvPr id="15" name="Shape 15"/>
+        <p:cNvPr id="1" name="Shape 15"/>
         <p:cNvGrpSpPr/>
         <p:nvPr/>
       </p:nvGrpSpPr>
@@ -3267,17 +3347,17 @@
             <a:avLst/>
           </a:prstGeom>
           <a:noFill/>
-          <a:ln cap="flat" cmpd="sng" w="9525">
+          <a:ln w="9525" cap="flat" cmpd="sng">
             <a:solidFill>
               <a:schemeClr val="lt1"/>
             </a:solidFill>
             <a:prstDash val="solid"/>
             <a:round/>
-            <a:headEnd len="sm" w="sm" type="none"/>
-            <a:tailEnd len="sm" w="sm" type="none"/>
+            <a:headEnd type="none" w="sm" len="sm"/>
+            <a:tailEnd type="none" w="sm" len="sm"/>
           </a:ln>
           <a:effectLst>
-            <a:outerShdw blurRad="63500" sx="100500" rotWithShape="0" algn="ctr" sy="100500">
+            <a:outerShdw blurRad="63500" sx="100500" sy="100500" algn="ctr" rotWithShape="0">
               <a:srgbClr val="000000">
                 <a:alpha val="49803"/>
               </a:srgbClr>
@@ -3285,12 +3365,12 @@
           </a:effectLst>
         </p:spPr>
         <p:txBody>
-          <a:bodyPr anchorCtr="0" anchor="t" bIns="45700" lIns="91425" spcFirstLastPara="1" rIns="91425" wrap="square" tIns="45700">
+          <a:bodyPr spcFirstLastPara="1" wrap="square" lIns="91425" tIns="45700" rIns="91425" bIns="45700" anchor="t" anchorCtr="0">
             <a:noAutofit/>
           </a:bodyPr>
           <a:lstStyle/>
           <a:p>
-            <a:pPr indent="0" lvl="0" marL="0" marR="0" rtl="0" algn="l">
+            <a:pPr marL="0" marR="0" lvl="0" indent="0" algn="l" rtl="0">
               <a:spcBef>
                 <a:spcPts val="0"/>
               </a:spcBef>
@@ -3304,10 +3384,7 @@
               <a:buFont typeface="Noto Sans Symbols"/>
               <a:buNone/>
             </a:pPr>
-            <a:r>
-              <a:t/>
-            </a:r>
-            <a:endParaRPr b="0" i="0" sz="3200" u="none" cap="none" strike="noStrike">
+            <a:endParaRPr sz="3200" b="0" i="0" u="none" strike="noStrike" cap="none">
               <a:solidFill>
                 <a:srgbClr val="595959"/>
               </a:solidFill>
@@ -3322,7 +3399,9 @@
       <p:sp>
         <p:nvSpPr>
           <p:cNvPr id="17" name="Google Shape;17;p3"/>
-          <p:cNvSpPr txBox="1"/>
+          <p:cNvSpPr txBox="1">
+            <a:spLocks noGrp="1"/>
+          </p:cNvSpPr>
           <p:nvPr>
             <p:ph type="ctrTitle"/>
           </p:nvPr>
@@ -3341,7 +3420,7 @@
           </a:ln>
         </p:spPr>
         <p:txBody>
-          <a:bodyPr anchorCtr="0" anchor="b" bIns="45700" lIns="91425" spcFirstLastPara="1" rIns="91425" wrap="square" tIns="45700"/>
+          <a:bodyPr spcFirstLastPara="1" wrap="square" lIns="91425" tIns="45700" rIns="91425" bIns="45700" anchor="b" anchorCtr="0"/>
           <a:lstStyle>
             <a:lvl1pPr lvl="0" algn="ctr">
               <a:spcBef>
@@ -3455,15 +3534,19 @@
               <a:defRPr/>
             </a:lvl9pPr>
           </a:lstStyle>
-          <a:p/>
+          <a:p>
+            <a:endParaRPr/>
+          </a:p>
         </p:txBody>
       </p:sp>
       <p:sp>
         <p:nvSpPr>
           <p:cNvPr id="18" name="Google Shape;18;p3"/>
-          <p:cNvSpPr txBox="1"/>
+          <p:cNvSpPr txBox="1">
+            <a:spLocks noGrp="1"/>
+          </p:cNvSpPr>
           <p:nvPr>
-            <p:ph idx="1" type="subTitle"/>
+            <p:ph type="subTitle" idx="1"/>
           </p:nvPr>
         </p:nvSpPr>
         <p:spPr>
@@ -3480,7 +3563,7 @@
           </a:ln>
         </p:spPr>
         <p:txBody>
-          <a:bodyPr anchorCtr="0" anchor="t" bIns="45700" lIns="91425" spcFirstLastPara="1" rIns="91425" wrap="square" tIns="45700"/>
+          <a:bodyPr spcFirstLastPara="1" wrap="square" lIns="91425" tIns="45700" rIns="91425" bIns="45700" anchor="t" anchorCtr="0"/>
           <a:lstStyle>
             <a:lvl1pPr lvl="0" algn="ctr">
               <a:spcBef>
@@ -3626,7 +3709,9 @@
               </a:defRPr>
             </a:lvl9pPr>
           </a:lstStyle>
-          <a:p/>
+          <a:p>
+            <a:endParaRPr/>
+          </a:p>
         </p:txBody>
       </p:sp>
     </p:spTree>
@@ -3638,11 +3723,11 @@
 </file>
 
 <file path=ppt/slideLayouts/slideLayout3.xml><?xml version="1.0" encoding="utf-8"?>
-<p:sldLayout xmlns:a="http://schemas.openxmlformats.org/drawingml/2006/main" xmlns:r="http://schemas.openxmlformats.org/officeDocument/2006/relationships" xmlns:mc="http://schemas.openxmlformats.org/markup-compatibility/2006" xmlns:mv="urn:schemas-microsoft-com:mac:vml" xmlns:p="http://schemas.openxmlformats.org/presentationml/2006/main" xmlns:c="http://schemas.openxmlformats.org/drawingml/2006/chart" xmlns:dgm="http://schemas.openxmlformats.org/drawingml/2006/diagram" xmlns:o="urn:schemas-microsoft-com:office:office" xmlns:v="urn:schemas-microsoft-com:vml" xmlns:pvml="urn:schemas-microsoft-com:office:powerpoint" xmlns:com="http://schemas.openxmlformats.org/drawingml/2006/compatibility" xmlns:p14="http://schemas.microsoft.com/office/powerpoint/2010/main" xmlns:p15="http://schemas.microsoft.com/office/powerpoint/2012/main" matchingName="Title Slide with Picture">
+<p:sldLayout xmlns:a="http://schemas.openxmlformats.org/drawingml/2006/main" xmlns:r="http://schemas.openxmlformats.org/officeDocument/2006/relationships" xmlns:p="http://schemas.openxmlformats.org/presentationml/2006/main" matchingName="Title Slide with Picture">
   <p:cSld name="Title Slide with Picture">
     <p:spTree>
       <p:nvGrpSpPr>
-        <p:cNvPr id="19" name="Shape 19"/>
+        <p:cNvPr id="1" name="Shape 19"/>
         <p:cNvGrpSpPr/>
         <p:nvPr/>
       </p:nvGrpSpPr>
@@ -3657,7 +3742,9 @@
       <p:sp>
         <p:nvSpPr>
           <p:cNvPr id="20" name="Google Shape;20;p4"/>
-          <p:cNvSpPr txBox="1"/>
+          <p:cNvSpPr txBox="1">
+            <a:spLocks noGrp="1"/>
+          </p:cNvSpPr>
           <p:nvPr>
             <p:ph type="ctrTitle"/>
           </p:nvPr>
@@ -3676,7 +3763,7 @@
           </a:ln>
         </p:spPr>
         <p:txBody>
-          <a:bodyPr anchorCtr="0" anchor="b" bIns="45700" lIns="91425" spcFirstLastPara="1" rIns="91425" wrap="square" tIns="45700"/>
+          <a:bodyPr spcFirstLastPara="1" wrap="square" lIns="91425" tIns="45700" rIns="91425" bIns="45700" anchor="b" anchorCtr="0"/>
           <a:lstStyle>
             <a:lvl1pPr lvl="0" algn="ctr">
               <a:spcBef>
@@ -3778,15 +3865,19 @@
               <a:defRPr/>
             </a:lvl9pPr>
           </a:lstStyle>
-          <a:p/>
+          <a:p>
+            <a:endParaRPr/>
+          </a:p>
         </p:txBody>
       </p:sp>
       <p:sp>
         <p:nvSpPr>
           <p:cNvPr id="21" name="Google Shape;21;p4"/>
-          <p:cNvSpPr txBox="1"/>
+          <p:cNvSpPr txBox="1">
+            <a:spLocks noGrp="1"/>
+          </p:cNvSpPr>
           <p:nvPr>
-            <p:ph idx="1" type="subTitle"/>
+            <p:ph type="subTitle" idx="1"/>
           </p:nvPr>
         </p:nvSpPr>
         <p:spPr>
@@ -3803,7 +3894,7 @@
           </a:ln>
         </p:spPr>
         <p:txBody>
-          <a:bodyPr anchorCtr="0" anchor="t" bIns="45700" lIns="91425" spcFirstLastPara="1" rIns="91425" wrap="square" tIns="45700"/>
+          <a:bodyPr spcFirstLastPara="1" wrap="square" lIns="91425" tIns="45700" rIns="91425" bIns="45700" anchor="t" anchorCtr="0"/>
           <a:lstStyle>
             <a:lvl1pPr lvl="0" algn="ctr">
               <a:spcBef>
@@ -3941,15 +4032,19 @@
               </a:defRPr>
             </a:lvl9pPr>
           </a:lstStyle>
-          <a:p/>
+          <a:p>
+            <a:endParaRPr/>
+          </a:p>
         </p:txBody>
       </p:sp>
       <p:sp>
         <p:nvSpPr>
           <p:cNvPr id="22" name="Google Shape;22;p4"/>
-          <p:cNvSpPr/>
+          <p:cNvSpPr>
+            <a:spLocks noGrp="1"/>
+          </p:cNvSpPr>
           <p:nvPr>
-            <p:ph idx="2" type="pic"/>
+            <p:ph type="pic" idx="2"/>
           </p:nvPr>
         </p:nvSpPr>
         <p:spPr>
@@ -3961,17 +4056,17 @@
             <a:avLst/>
           </a:prstGeom>
           <a:noFill/>
-          <a:ln cap="flat" cmpd="sng" w="9525">
+          <a:ln w="9525" cap="flat" cmpd="sng">
             <a:solidFill>
               <a:schemeClr val="lt1"/>
             </a:solidFill>
             <a:prstDash val="solid"/>
             <a:round/>
-            <a:headEnd len="sm" w="sm" type="none"/>
-            <a:tailEnd len="sm" w="sm" type="none"/>
+            <a:headEnd type="none" w="sm" len="sm"/>
+            <a:tailEnd type="none" w="sm" len="sm"/>
           </a:ln>
           <a:effectLst>
-            <a:outerShdw blurRad="63500" sx="100500" rotWithShape="0" algn="ctr" sy="100500">
+            <a:outerShdw blurRad="63500" sx="100500" sy="100500" algn="ctr" rotWithShape="0">
               <a:srgbClr val="000000">
                 <a:alpha val="49803"/>
               </a:srgbClr>
@@ -3979,9 +4074,9 @@
           </a:effectLst>
         </p:spPr>
         <p:txBody>
-          <a:bodyPr anchorCtr="0" anchor="t" bIns="45700" lIns="91425" spcFirstLastPara="1" rIns="91425" wrap="square" tIns="45700"/>
+          <a:bodyPr spcFirstLastPara="1" wrap="square" lIns="91425" tIns="45700" rIns="91425" bIns="45700" anchor="t" anchorCtr="0"/>
           <a:lstStyle>
-            <a:lvl1pPr lvl="0" marR="0" rtl="0" algn="l">
+            <a:lvl1pPr marR="0" lvl="0" algn="l" rtl="0">
               <a:spcBef>
                 <a:spcPts val="2000"/>
               </a:spcBef>
@@ -3994,7 +4089,7 @@
               <a:buSzPts val="3520"/>
               <a:buFont typeface="Noto Sans Symbols"/>
               <a:buNone/>
-              <a:defRPr b="0" i="0" sz="3200" u="none" cap="none" strike="noStrike">
+              <a:defRPr sz="3200" b="0" i="0" u="none" strike="noStrike" cap="none">
                 <a:solidFill>
                   <a:srgbClr val="595959"/>
                 </a:solidFill>
@@ -4004,7 +4099,7 @@
                 <a:sym typeface="Calibri"/>
               </a:defRPr>
             </a:lvl1pPr>
-            <a:lvl2pPr lvl="1" marR="0" rtl="0" algn="l">
+            <a:lvl2pPr marR="0" lvl="1" algn="l" rtl="0">
               <a:spcBef>
                 <a:spcPts val="600"/>
               </a:spcBef>
@@ -4017,7 +4112,7 @@
               <a:buSzPts val="3080"/>
               <a:buFont typeface="Noto Sans Symbols"/>
               <a:buNone/>
-              <a:defRPr b="0" i="0" sz="2800" u="none" cap="none" strike="noStrike">
+              <a:defRPr sz="2800" b="0" i="0" u="none" strike="noStrike" cap="none">
                 <a:solidFill>
                   <a:srgbClr val="595959"/>
                 </a:solidFill>
@@ -4027,7 +4122,7 @@
                 <a:sym typeface="Calibri"/>
               </a:defRPr>
             </a:lvl2pPr>
-            <a:lvl3pPr lvl="2" marR="0" rtl="0" algn="l">
+            <a:lvl3pPr marR="0" lvl="2" algn="l" rtl="0">
               <a:spcBef>
                 <a:spcPts val="600"/>
               </a:spcBef>
@@ -4040,7 +4135,7 @@
               <a:buSzPts val="2640"/>
               <a:buFont typeface="Noto Sans Symbols"/>
               <a:buNone/>
-              <a:defRPr b="0" i="0" sz="2400" u="none" cap="none" strike="noStrike">
+              <a:defRPr sz="2400" b="0" i="0" u="none" strike="noStrike" cap="none">
                 <a:solidFill>
                   <a:srgbClr val="595959"/>
                 </a:solidFill>
@@ -4050,7 +4145,7 @@
                 <a:sym typeface="Calibri"/>
               </a:defRPr>
             </a:lvl3pPr>
-            <a:lvl4pPr lvl="3" marR="0" rtl="0" algn="l">
+            <a:lvl4pPr marR="0" lvl="3" algn="l" rtl="0">
               <a:spcBef>
                 <a:spcPts val="600"/>
               </a:spcBef>
@@ -4063,7 +4158,7 @@
               <a:buSzPts val="2200"/>
               <a:buFont typeface="Noto Sans Symbols"/>
               <a:buNone/>
-              <a:defRPr b="0" i="0" sz="2000" u="none" cap="none" strike="noStrike">
+              <a:defRPr sz="2000" b="0" i="0" u="none" strike="noStrike" cap="none">
                 <a:solidFill>
                   <a:srgbClr val="595959"/>
                 </a:solidFill>
@@ -4073,7 +4168,7 @@
                 <a:sym typeface="Calibri"/>
               </a:defRPr>
             </a:lvl4pPr>
-            <a:lvl5pPr lvl="4" marR="0" rtl="0" algn="l">
+            <a:lvl5pPr marR="0" lvl="4" algn="l" rtl="0">
               <a:spcBef>
                 <a:spcPts val="600"/>
               </a:spcBef>
@@ -4086,7 +4181,7 @@
               <a:buSzPts val="2200"/>
               <a:buFont typeface="Noto Sans Symbols"/>
               <a:buNone/>
-              <a:defRPr b="0" i="0" sz="2000" u="none" cap="none" strike="noStrike">
+              <a:defRPr sz="2000" b="0" i="0" u="none" strike="noStrike" cap="none">
                 <a:solidFill>
                   <a:srgbClr val="595959"/>
                 </a:solidFill>
@@ -4096,7 +4191,7 @@
                 <a:sym typeface="Calibri"/>
               </a:defRPr>
             </a:lvl5pPr>
-            <a:lvl6pPr lvl="5" marR="0" rtl="0" algn="l">
+            <a:lvl6pPr marR="0" lvl="5" algn="l" rtl="0">
               <a:spcBef>
                 <a:spcPts val="400"/>
               </a:spcBef>
@@ -4109,7 +4204,7 @@
               <a:buSzPts val="2200"/>
               <a:buFont typeface="Noto Sans Symbols"/>
               <a:buNone/>
-              <a:defRPr b="0" i="0" sz="2000" u="none" cap="none" strike="noStrike">
+              <a:defRPr sz="2000" b="0" i="0" u="none" strike="noStrike" cap="none">
                 <a:solidFill>
                   <a:srgbClr val="595959"/>
                 </a:solidFill>
@@ -4119,7 +4214,7 @@
                 <a:sym typeface="Calibri"/>
               </a:defRPr>
             </a:lvl6pPr>
-            <a:lvl7pPr lvl="6" marR="0" rtl="0" algn="l">
+            <a:lvl7pPr marR="0" lvl="6" algn="l" rtl="0">
               <a:spcBef>
                 <a:spcPts val="400"/>
               </a:spcBef>
@@ -4132,7 +4227,7 @@
               <a:buSzPts val="2200"/>
               <a:buFont typeface="Noto Sans Symbols"/>
               <a:buNone/>
-              <a:defRPr b="0" i="0" sz="2000" u="none" cap="none" strike="noStrike">
+              <a:defRPr sz="2000" b="0" i="0" u="none" strike="noStrike" cap="none">
                 <a:solidFill>
                   <a:srgbClr val="595959"/>
                 </a:solidFill>
@@ -4142,7 +4237,7 @@
                 <a:sym typeface="Calibri"/>
               </a:defRPr>
             </a:lvl7pPr>
-            <a:lvl8pPr lvl="7" marR="0" rtl="0" algn="l">
+            <a:lvl8pPr marR="0" lvl="7" algn="l" rtl="0">
               <a:spcBef>
                 <a:spcPts val="400"/>
               </a:spcBef>
@@ -4155,7 +4250,7 @@
               <a:buSzPts val="2200"/>
               <a:buFont typeface="Noto Sans Symbols"/>
               <a:buNone/>
-              <a:defRPr b="0" i="0" sz="2000" u="none" cap="none" strike="noStrike">
+              <a:defRPr sz="2000" b="0" i="0" u="none" strike="noStrike" cap="none">
                 <a:solidFill>
                   <a:srgbClr val="595959"/>
                 </a:solidFill>
@@ -4165,7 +4260,7 @@
                 <a:sym typeface="Calibri"/>
               </a:defRPr>
             </a:lvl8pPr>
-            <a:lvl9pPr lvl="8" marR="0" rtl="0" algn="l">
+            <a:lvl9pPr marR="0" lvl="8" algn="l" rtl="0">
               <a:spcBef>
                 <a:spcPts val="400"/>
               </a:spcBef>
@@ -4178,7 +4273,7 @@
               <a:buSzPts val="2200"/>
               <a:buFont typeface="Noto Sans Symbols"/>
               <a:buNone/>
-              <a:defRPr b="0" i="0" sz="2000" u="none" cap="none" strike="noStrike">
+              <a:defRPr sz="2000" b="0" i="0" u="none" strike="noStrike" cap="none">
                 <a:solidFill>
                   <a:srgbClr val="595959"/>
                 </a:solidFill>
@@ -4189,7 +4284,9 @@
               </a:defRPr>
             </a:lvl9pPr>
           </a:lstStyle>
-          <a:p/>
+          <a:p>
+            <a:endParaRPr/>
+          </a:p>
         </p:txBody>
       </p:sp>
     </p:spTree>
@@ -4201,11 +4298,11 @@
 </file>
 
 <file path=ppt/slideLayouts/slideLayout4.xml><?xml version="1.0" encoding="utf-8"?>
-<p:sldLayout xmlns:a="http://schemas.openxmlformats.org/drawingml/2006/main" xmlns:r="http://schemas.openxmlformats.org/officeDocument/2006/relationships" xmlns:mc="http://schemas.openxmlformats.org/markup-compatibility/2006" xmlns:mv="urn:schemas-microsoft-com:mac:vml" xmlns:p="http://schemas.openxmlformats.org/presentationml/2006/main" xmlns:c="http://schemas.openxmlformats.org/drawingml/2006/chart" xmlns:dgm="http://schemas.openxmlformats.org/drawingml/2006/diagram" xmlns:o="urn:schemas-microsoft-com:office:office" xmlns:v="urn:schemas-microsoft-com:vml" xmlns:pvml="urn:schemas-microsoft-com:office:powerpoint" xmlns:com="http://schemas.openxmlformats.org/drawingml/2006/compatibility" xmlns:p14="http://schemas.microsoft.com/office/powerpoint/2010/main" xmlns:p15="http://schemas.microsoft.com/office/powerpoint/2012/main" matchingName="Section Header" type="secHead">
+<p:sldLayout xmlns:a="http://schemas.openxmlformats.org/drawingml/2006/main" xmlns:r="http://schemas.openxmlformats.org/officeDocument/2006/relationships" xmlns:p="http://schemas.openxmlformats.org/presentationml/2006/main" matchingName="Section Header" type="secHead">
   <p:cSld name="SECTION_HEADER">
     <p:spTree>
       <p:nvGrpSpPr>
-        <p:cNvPr id="23" name="Shape 23"/>
+        <p:cNvPr id="1" name="Shape 23"/>
         <p:cNvGrpSpPr/>
         <p:nvPr/>
       </p:nvGrpSpPr>
@@ -4220,7 +4317,9 @@
       <p:sp>
         <p:nvSpPr>
           <p:cNvPr id="24" name="Google Shape;24;p5"/>
-          <p:cNvSpPr txBox="1"/>
+          <p:cNvSpPr txBox="1">
+            <a:spLocks noGrp="1"/>
+          </p:cNvSpPr>
           <p:nvPr>
             <p:ph type="title"/>
           </p:nvPr>
@@ -4239,7 +4338,7 @@
           </a:ln>
         </p:spPr>
         <p:txBody>
-          <a:bodyPr anchorCtr="0" anchor="b" bIns="45700" lIns="91425" spcFirstLastPara="1" rIns="91425" wrap="square" tIns="45700"/>
+          <a:bodyPr spcFirstLastPara="1" wrap="square" lIns="91425" tIns="45700" rIns="91425" bIns="45700" anchor="b" anchorCtr="0"/>
           <a:lstStyle>
             <a:lvl1pPr lvl="0" algn="ctr">
               <a:spcBef>
@@ -4250,7 +4349,7 @@
               </a:spcAft>
               <a:buSzPts val="1400"/>
               <a:buNone/>
-              <a:defRPr b="0" sz="4600" cap="none"/>
+              <a:defRPr sz="4600" b="0" cap="none"/>
             </a:lvl1pPr>
             <a:lvl2pPr lvl="1" algn="ctr">
               <a:spcBef>
@@ -4341,15 +4440,19 @@
               <a:defRPr/>
             </a:lvl9pPr>
           </a:lstStyle>
-          <a:p/>
+          <a:p>
+            <a:endParaRPr/>
+          </a:p>
         </p:txBody>
       </p:sp>
       <p:sp>
         <p:nvSpPr>
           <p:cNvPr id="25" name="Google Shape;25;p5"/>
-          <p:cNvSpPr txBox="1"/>
+          <p:cNvSpPr txBox="1">
+            <a:spLocks noGrp="1"/>
+          </p:cNvSpPr>
           <p:nvPr>
-            <p:ph idx="1" type="body"/>
+            <p:ph type="body" idx="1"/>
           </p:nvPr>
         </p:nvSpPr>
         <p:spPr>
@@ -4366,9 +4469,9 @@
           </a:ln>
         </p:spPr>
         <p:txBody>
-          <a:bodyPr anchorCtr="0" anchor="t" bIns="45700" lIns="91425" spcFirstLastPara="1" rIns="91425" wrap="square" tIns="45700"/>
+          <a:bodyPr spcFirstLastPara="1" wrap="square" lIns="91425" tIns="45700" rIns="91425" bIns="45700" anchor="t" anchorCtr="0"/>
           <a:lstStyle>
-            <a:lvl1pPr indent="-228600" lvl="0" marL="457200" algn="ctr">
+            <a:lvl1pPr marL="457200" lvl="0" indent="-228600" algn="ctr">
               <a:spcBef>
                 <a:spcPts val="300"/>
               </a:spcBef>
@@ -4383,7 +4486,7 @@
                 </a:solidFill>
               </a:defRPr>
             </a:lvl1pPr>
-            <a:lvl2pPr indent="-228600" lvl="1" marL="914400" algn="l">
+            <a:lvl2pPr marL="914400" lvl="1" indent="-228600" algn="l">
               <a:spcBef>
                 <a:spcPts val="600"/>
               </a:spcBef>
@@ -4398,7 +4501,7 @@
                 </a:solidFill>
               </a:defRPr>
             </a:lvl2pPr>
-            <a:lvl3pPr indent="-228600" lvl="2" marL="1371600" algn="l">
+            <a:lvl3pPr marL="1371600" lvl="2" indent="-228600" algn="l">
               <a:spcBef>
                 <a:spcPts val="600"/>
               </a:spcBef>
@@ -4413,7 +4516,7 @@
                 </a:solidFill>
               </a:defRPr>
             </a:lvl3pPr>
-            <a:lvl4pPr indent="-228600" lvl="3" marL="1828800" algn="l">
+            <a:lvl4pPr marL="1828800" lvl="3" indent="-228600" algn="l">
               <a:spcBef>
                 <a:spcPts val="600"/>
               </a:spcBef>
@@ -4428,7 +4531,7 @@
                 </a:solidFill>
               </a:defRPr>
             </a:lvl4pPr>
-            <a:lvl5pPr indent="-228600" lvl="4" marL="2286000" algn="l">
+            <a:lvl5pPr marL="2286000" lvl="4" indent="-228600" algn="l">
               <a:spcBef>
                 <a:spcPts val="600"/>
               </a:spcBef>
@@ -4443,7 +4546,7 @@
                 </a:solidFill>
               </a:defRPr>
             </a:lvl5pPr>
-            <a:lvl6pPr indent="-228600" lvl="5" marL="2743200" algn="l">
+            <a:lvl6pPr marL="2743200" lvl="5" indent="-228600" algn="l">
               <a:spcBef>
                 <a:spcPts val="280"/>
               </a:spcBef>
@@ -4458,7 +4561,7 @@
                 </a:solidFill>
               </a:defRPr>
             </a:lvl6pPr>
-            <a:lvl7pPr indent="-228600" lvl="6" marL="3200400" algn="l">
+            <a:lvl7pPr marL="3200400" lvl="6" indent="-228600" algn="l">
               <a:spcBef>
                 <a:spcPts val="280"/>
               </a:spcBef>
@@ -4473,7 +4576,7 @@
                 </a:solidFill>
               </a:defRPr>
             </a:lvl7pPr>
-            <a:lvl8pPr indent="-228600" lvl="7" marL="3657600" algn="l">
+            <a:lvl8pPr marL="3657600" lvl="7" indent="-228600" algn="l">
               <a:spcBef>
                 <a:spcPts val="280"/>
               </a:spcBef>
@@ -4488,7 +4591,7 @@
                 </a:solidFill>
               </a:defRPr>
             </a:lvl8pPr>
-            <a:lvl9pPr indent="-228600" lvl="8" marL="4114800" algn="l">
+            <a:lvl9pPr marL="4114800" lvl="8" indent="-228600" algn="l">
               <a:spcBef>
                 <a:spcPts val="280"/>
               </a:spcBef>
@@ -4504,7 +4607,9 @@
               </a:defRPr>
             </a:lvl9pPr>
           </a:lstStyle>
-          <a:p/>
+          <a:p>
+            <a:endParaRPr/>
+          </a:p>
         </p:txBody>
       </p:sp>
     </p:spTree>
@@ -4516,11 +4621,11 @@
 </file>
 
 <file path=ppt/slideLayouts/slideLayout5.xml><?xml version="1.0" encoding="utf-8"?>
-<p:sldLayout xmlns:a="http://schemas.openxmlformats.org/drawingml/2006/main" xmlns:r="http://schemas.openxmlformats.org/officeDocument/2006/relationships" xmlns:mc="http://schemas.openxmlformats.org/markup-compatibility/2006" xmlns:mv="urn:schemas-microsoft-com:mac:vml" xmlns:p="http://schemas.openxmlformats.org/presentationml/2006/main" xmlns:c="http://schemas.openxmlformats.org/drawingml/2006/chart" xmlns:dgm="http://schemas.openxmlformats.org/drawingml/2006/diagram" xmlns:o="urn:schemas-microsoft-com:office:office" xmlns:v="urn:schemas-microsoft-com:vml" xmlns:pvml="urn:schemas-microsoft-com:office:powerpoint" xmlns:com="http://schemas.openxmlformats.org/drawingml/2006/compatibility" xmlns:p14="http://schemas.microsoft.com/office/powerpoint/2010/main" xmlns:p15="http://schemas.microsoft.com/office/powerpoint/2012/main" matchingName="Two Content" type="twoObj">
+<p:sldLayout xmlns:a="http://schemas.openxmlformats.org/drawingml/2006/main" xmlns:r="http://schemas.openxmlformats.org/officeDocument/2006/relationships" xmlns:p="http://schemas.openxmlformats.org/presentationml/2006/main" matchingName="Two Content" type="twoObj">
   <p:cSld name="TWO_OBJECTS">
     <p:spTree>
       <p:nvGrpSpPr>
-        <p:cNvPr id="26" name="Shape 26"/>
+        <p:cNvPr id="1" name="Shape 26"/>
         <p:cNvGrpSpPr/>
         <p:nvPr/>
       </p:nvGrpSpPr>
@@ -4535,7 +4640,9 @@
       <p:sp>
         <p:nvSpPr>
           <p:cNvPr id="27" name="Google Shape;27;p6"/>
-          <p:cNvSpPr txBox="1"/>
+          <p:cNvSpPr txBox="1">
+            <a:spLocks noGrp="1"/>
+          </p:cNvSpPr>
           <p:nvPr>
             <p:ph type="title"/>
           </p:nvPr>
@@ -4554,7 +4661,7 @@
           </a:ln>
         </p:spPr>
         <p:txBody>
-          <a:bodyPr anchorCtr="0" anchor="b" bIns="45700" lIns="91425" spcFirstLastPara="1" rIns="91425" wrap="square" tIns="45700"/>
+          <a:bodyPr spcFirstLastPara="1" wrap="square" lIns="91425" tIns="45700" rIns="91425" bIns="45700" anchor="b" anchorCtr="0"/>
           <a:lstStyle>
             <a:lvl1pPr lvl="0" algn="ctr">
               <a:spcBef>
@@ -4656,15 +4763,19 @@
               <a:defRPr/>
             </a:lvl9pPr>
           </a:lstStyle>
-          <a:p/>
+          <a:p>
+            <a:endParaRPr/>
+          </a:p>
         </p:txBody>
       </p:sp>
       <p:sp>
         <p:nvSpPr>
           <p:cNvPr id="28" name="Google Shape;28;p6"/>
-          <p:cNvSpPr txBox="1"/>
+          <p:cNvSpPr txBox="1">
+            <a:spLocks noGrp="1"/>
+          </p:cNvSpPr>
           <p:nvPr>
-            <p:ph idx="1" type="body"/>
+            <p:ph type="body" idx="1"/>
           </p:nvPr>
         </p:nvSpPr>
         <p:spPr>
@@ -4681,9 +4792,9 @@
           </a:ln>
         </p:spPr>
         <p:txBody>
-          <a:bodyPr anchorCtr="0" anchor="t" bIns="45700" lIns="91425" spcFirstLastPara="1" rIns="91425" wrap="square" tIns="45700"/>
+          <a:bodyPr spcFirstLastPara="1" wrap="square" lIns="91425" tIns="45700" rIns="91425" bIns="45700" anchor="t" anchorCtr="0"/>
           <a:lstStyle>
-            <a:lvl1pPr indent="-368300" lvl="0" marL="457200" algn="l">
+            <a:lvl1pPr marL="457200" lvl="0" indent="-368300" algn="l">
               <a:spcBef>
                 <a:spcPts val="1600"/>
               </a:spcBef>
@@ -4694,7 +4805,7 @@
               <a:buChar char="⚫"/>
               <a:defRPr sz="2000"/>
             </a:lvl1pPr>
-            <a:lvl2pPr indent="-354330" lvl="1" marL="914400" algn="l">
+            <a:lvl2pPr marL="914400" lvl="1" indent="-354330" algn="l">
               <a:spcBef>
                 <a:spcPts val="600"/>
               </a:spcBef>
@@ -4705,7 +4816,7 @@
               <a:buChar char="⚫"/>
               <a:defRPr sz="1800"/>
             </a:lvl2pPr>
-            <a:lvl3pPr indent="-354330" lvl="2" marL="1371600" algn="l">
+            <a:lvl3pPr marL="1371600" lvl="2" indent="-354330" algn="l">
               <a:spcBef>
                 <a:spcPts val="600"/>
               </a:spcBef>
@@ -4716,7 +4827,7 @@
               <a:buChar char="⚫"/>
               <a:defRPr sz="1800"/>
             </a:lvl3pPr>
-            <a:lvl4pPr indent="-354330" lvl="3" marL="1828800" algn="l">
+            <a:lvl4pPr marL="1828800" lvl="3" indent="-354330" algn="l">
               <a:spcBef>
                 <a:spcPts val="600"/>
               </a:spcBef>
@@ -4727,7 +4838,7 @@
               <a:buChar char="⚫"/>
               <a:defRPr sz="1800"/>
             </a:lvl4pPr>
-            <a:lvl5pPr indent="-354329" lvl="4" marL="2286000" algn="l">
+            <a:lvl5pPr marL="2286000" lvl="4" indent="-354329" algn="l">
               <a:spcBef>
                 <a:spcPts val="600"/>
               </a:spcBef>
@@ -4738,7 +4849,7 @@
               <a:buChar char="⚫"/>
               <a:defRPr sz="1800"/>
             </a:lvl5pPr>
-            <a:lvl6pPr indent="-354329" lvl="5" marL="2743200" algn="l">
+            <a:lvl6pPr marL="2743200" lvl="5" indent="-354329" algn="l">
               <a:spcBef>
                 <a:spcPts val="360"/>
               </a:spcBef>
@@ -4749,7 +4860,7 @@
               <a:buChar char="⚫"/>
               <a:defRPr sz="1800"/>
             </a:lvl6pPr>
-            <a:lvl7pPr indent="-354329" lvl="6" marL="3200400" algn="l">
+            <a:lvl7pPr marL="3200400" lvl="6" indent="-354329" algn="l">
               <a:spcBef>
                 <a:spcPts val="360"/>
               </a:spcBef>
@@ -4760,7 +4871,7 @@
               <a:buChar char="⚫"/>
               <a:defRPr sz="1800"/>
             </a:lvl7pPr>
-            <a:lvl8pPr indent="-354329" lvl="7" marL="3657600" algn="l">
+            <a:lvl8pPr marL="3657600" lvl="7" indent="-354329" algn="l">
               <a:spcBef>
                 <a:spcPts val="360"/>
               </a:spcBef>
@@ -4771,7 +4882,7 @@
               <a:buChar char="⚫"/>
               <a:defRPr sz="1800"/>
             </a:lvl8pPr>
-            <a:lvl9pPr indent="-354329" lvl="8" marL="4114800" algn="l">
+            <a:lvl9pPr marL="4114800" lvl="8" indent="-354329" algn="l">
               <a:spcBef>
                 <a:spcPts val="360"/>
               </a:spcBef>
@@ -4783,15 +4894,19 @@
               <a:defRPr sz="1800"/>
             </a:lvl9pPr>
           </a:lstStyle>
-          <a:p/>
+          <a:p>
+            <a:endParaRPr/>
+          </a:p>
         </p:txBody>
       </p:sp>
       <p:sp>
         <p:nvSpPr>
           <p:cNvPr id="29" name="Google Shape;29;p6"/>
-          <p:cNvSpPr txBox="1"/>
+          <p:cNvSpPr txBox="1">
+            <a:spLocks noGrp="1"/>
+          </p:cNvSpPr>
           <p:nvPr>
-            <p:ph idx="2" type="body"/>
+            <p:ph type="body" idx="2"/>
           </p:nvPr>
         </p:nvSpPr>
         <p:spPr>
@@ -4808,9 +4923,9 @@
           </a:ln>
         </p:spPr>
         <p:txBody>
-          <a:bodyPr anchorCtr="0" anchor="t" bIns="45700" lIns="91425" spcFirstLastPara="1" rIns="91425" wrap="square" tIns="45700"/>
+          <a:bodyPr spcFirstLastPara="1" wrap="square" lIns="91425" tIns="45700" rIns="91425" bIns="45700" anchor="t" anchorCtr="0"/>
           <a:lstStyle>
-            <a:lvl1pPr indent="-368300" lvl="0" marL="457200" algn="l">
+            <a:lvl1pPr marL="457200" lvl="0" indent="-368300" algn="l">
               <a:spcBef>
                 <a:spcPts val="1600"/>
               </a:spcBef>
@@ -4821,7 +4936,7 @@
               <a:buChar char="⚫"/>
               <a:defRPr sz="2000"/>
             </a:lvl1pPr>
-            <a:lvl2pPr indent="-354330" lvl="1" marL="914400" algn="l">
+            <a:lvl2pPr marL="914400" lvl="1" indent="-354330" algn="l">
               <a:spcBef>
                 <a:spcPts val="600"/>
               </a:spcBef>
@@ -4832,7 +4947,7 @@
               <a:buChar char="⚫"/>
               <a:defRPr sz="1800"/>
             </a:lvl2pPr>
-            <a:lvl3pPr indent="-354330" lvl="2" marL="1371600" algn="l">
+            <a:lvl3pPr marL="1371600" lvl="2" indent="-354330" algn="l">
               <a:spcBef>
                 <a:spcPts val="600"/>
               </a:spcBef>
@@ -4843,7 +4958,7 @@
               <a:buChar char="⚫"/>
               <a:defRPr sz="1800"/>
             </a:lvl3pPr>
-            <a:lvl4pPr indent="-354330" lvl="3" marL="1828800" algn="l">
+            <a:lvl4pPr marL="1828800" lvl="3" indent="-354330" algn="l">
               <a:spcBef>
                 <a:spcPts val="600"/>
               </a:spcBef>
@@ -4854,7 +4969,7 @@
               <a:buChar char="⚫"/>
               <a:defRPr sz="1800"/>
             </a:lvl4pPr>
-            <a:lvl5pPr indent="-354329" lvl="4" marL="2286000" algn="l">
+            <a:lvl5pPr marL="2286000" lvl="4" indent="-354329" algn="l">
               <a:spcBef>
                 <a:spcPts val="600"/>
               </a:spcBef>
@@ -4865,7 +4980,7 @@
               <a:buChar char="⚫"/>
               <a:defRPr sz="1800"/>
             </a:lvl5pPr>
-            <a:lvl6pPr indent="-354329" lvl="5" marL="2743200" algn="l">
+            <a:lvl6pPr marL="2743200" lvl="5" indent="-354329" algn="l">
               <a:spcBef>
                 <a:spcPts val="360"/>
               </a:spcBef>
@@ -4876,7 +4991,7 @@
               <a:buChar char="⚫"/>
               <a:defRPr sz="1800"/>
             </a:lvl6pPr>
-            <a:lvl7pPr indent="-354329" lvl="6" marL="3200400" algn="l">
+            <a:lvl7pPr marL="3200400" lvl="6" indent="-354329" algn="l">
               <a:spcBef>
                 <a:spcPts val="360"/>
               </a:spcBef>
@@ -4887,7 +5002,7 @@
               <a:buChar char="⚫"/>
               <a:defRPr sz="1800"/>
             </a:lvl7pPr>
-            <a:lvl8pPr indent="-354329" lvl="7" marL="3657600" algn="l">
+            <a:lvl8pPr marL="3657600" lvl="7" indent="-354329" algn="l">
               <a:spcBef>
                 <a:spcPts val="360"/>
               </a:spcBef>
@@ -4898,7 +5013,7 @@
               <a:buChar char="⚫"/>
               <a:defRPr sz="1800"/>
             </a:lvl8pPr>
-            <a:lvl9pPr indent="-354329" lvl="8" marL="4114800" algn="l">
+            <a:lvl9pPr marL="4114800" lvl="8" indent="-354329" algn="l">
               <a:spcBef>
                 <a:spcPts val="360"/>
               </a:spcBef>
@@ -4910,7 +5025,9 @@
               <a:defRPr sz="1800"/>
             </a:lvl9pPr>
           </a:lstStyle>
-          <a:p/>
+          <a:p>
+            <a:endParaRPr/>
+          </a:p>
         </p:txBody>
       </p:sp>
     </p:spTree>
@@ -4922,11 +5039,11 @@
 </file>
 
 <file path=ppt/slideLayouts/slideLayout6.xml><?xml version="1.0" encoding="utf-8"?>
-<p:sldLayout xmlns:a="http://schemas.openxmlformats.org/drawingml/2006/main" xmlns:r="http://schemas.openxmlformats.org/officeDocument/2006/relationships" xmlns:mc="http://schemas.openxmlformats.org/markup-compatibility/2006" xmlns:mv="urn:schemas-microsoft-com:mac:vml" xmlns:p="http://schemas.openxmlformats.org/presentationml/2006/main" xmlns:c="http://schemas.openxmlformats.org/drawingml/2006/chart" xmlns:dgm="http://schemas.openxmlformats.org/drawingml/2006/diagram" xmlns:o="urn:schemas-microsoft-com:office:office" xmlns:v="urn:schemas-microsoft-com:vml" xmlns:pvml="urn:schemas-microsoft-com:office:powerpoint" xmlns:com="http://schemas.openxmlformats.org/drawingml/2006/compatibility" xmlns:p14="http://schemas.microsoft.com/office/powerpoint/2010/main" xmlns:p15="http://schemas.microsoft.com/office/powerpoint/2012/main" matchingName="Comparison" type="twoTxTwoObj">
+<p:sldLayout xmlns:a="http://schemas.openxmlformats.org/drawingml/2006/main" xmlns:r="http://schemas.openxmlformats.org/officeDocument/2006/relationships" xmlns:p="http://schemas.openxmlformats.org/presentationml/2006/main" matchingName="Comparison" type="twoTxTwoObj">
   <p:cSld name="TWO_OBJECTS_WITH_TEXT">
     <p:spTree>
       <p:nvGrpSpPr>
-        <p:cNvPr id="30" name="Shape 30"/>
+        <p:cNvPr id="1" name="Shape 30"/>
         <p:cNvGrpSpPr/>
         <p:nvPr/>
       </p:nvGrpSpPr>
@@ -4941,7 +5058,9 @@
       <p:sp>
         <p:nvSpPr>
           <p:cNvPr id="31" name="Google Shape;31;p7"/>
-          <p:cNvSpPr txBox="1"/>
+          <p:cNvSpPr txBox="1">
+            <a:spLocks noGrp="1"/>
+          </p:cNvSpPr>
           <p:nvPr>
             <p:ph type="title"/>
           </p:nvPr>
@@ -4960,7 +5079,7 @@
           </a:ln>
         </p:spPr>
         <p:txBody>
-          <a:bodyPr anchorCtr="0" anchor="b" bIns="45700" lIns="91425" spcFirstLastPara="1" rIns="91425" wrap="square" tIns="45700"/>
+          <a:bodyPr spcFirstLastPara="1" wrap="square" lIns="91425" tIns="45700" rIns="91425" bIns="45700" anchor="b" anchorCtr="0"/>
           <a:lstStyle>
             <a:lvl1pPr lvl="0" algn="ctr">
               <a:spcBef>
@@ -5062,15 +5181,19 @@
               <a:defRPr/>
             </a:lvl9pPr>
           </a:lstStyle>
-          <a:p/>
+          <a:p>
+            <a:endParaRPr/>
+          </a:p>
         </p:txBody>
       </p:sp>
       <p:sp>
         <p:nvSpPr>
           <p:cNvPr id="32" name="Google Shape;32;p7"/>
-          <p:cNvSpPr txBox="1"/>
+          <p:cNvSpPr txBox="1">
+            <a:spLocks noGrp="1"/>
+          </p:cNvSpPr>
           <p:nvPr>
-            <p:ph idx="1" type="body"/>
+            <p:ph type="body" idx="1"/>
           </p:nvPr>
         </p:nvSpPr>
         <p:spPr>
@@ -5087,9 +5210,9 @@
           </a:ln>
         </p:spPr>
         <p:txBody>
-          <a:bodyPr anchorCtr="0" anchor="b" bIns="45700" lIns="91425" spcFirstLastPara="1" rIns="91425" wrap="square" tIns="45700"/>
+          <a:bodyPr spcFirstLastPara="1" wrap="square" lIns="91425" tIns="45700" rIns="91425" bIns="45700" anchor="b" anchorCtr="0"/>
           <a:lstStyle>
-            <a:lvl1pPr indent="-228600" lvl="0" marL="457200" algn="ctr">
+            <a:lvl1pPr marL="457200" lvl="0" indent="-228600" algn="ctr">
               <a:spcBef>
                 <a:spcPts val="0"/>
               </a:spcBef>
@@ -5098,13 +5221,13 @@
               </a:spcAft>
               <a:buSzPts val="2640"/>
               <a:buNone/>
-              <a:defRPr b="0" sz="2400">
+              <a:defRPr sz="2400" b="0">
                 <a:solidFill>
                   <a:srgbClr val="B86EB8"/>
                 </a:solidFill>
               </a:defRPr>
             </a:lvl1pPr>
-            <a:lvl2pPr indent="-228600" lvl="1" marL="914400" algn="l">
+            <a:lvl2pPr marL="914400" lvl="1" indent="-228600" algn="l">
               <a:spcBef>
                 <a:spcPts val="600"/>
               </a:spcBef>
@@ -5113,9 +5236,9 @@
               </a:spcAft>
               <a:buSzPts val="2200"/>
               <a:buNone/>
-              <a:defRPr b="1" sz="2000"/>
+              <a:defRPr sz="2000" b="1"/>
             </a:lvl2pPr>
-            <a:lvl3pPr indent="-228600" lvl="2" marL="1371600" algn="l">
+            <a:lvl3pPr marL="1371600" lvl="2" indent="-228600" algn="l">
               <a:spcBef>
                 <a:spcPts val="600"/>
               </a:spcBef>
@@ -5124,9 +5247,9 @@
               </a:spcAft>
               <a:buSzPts val="1980"/>
               <a:buNone/>
-              <a:defRPr b="1" sz="1800"/>
+              <a:defRPr sz="1800" b="1"/>
             </a:lvl3pPr>
-            <a:lvl4pPr indent="-228600" lvl="3" marL="1828800" algn="l">
+            <a:lvl4pPr marL="1828800" lvl="3" indent="-228600" algn="l">
               <a:spcBef>
                 <a:spcPts val="600"/>
               </a:spcBef>
@@ -5135,9 +5258,9 @@
               </a:spcAft>
               <a:buSzPts val="1760"/>
               <a:buNone/>
-              <a:defRPr b="1" sz="1600"/>
+              <a:defRPr sz="1600" b="1"/>
             </a:lvl4pPr>
-            <a:lvl5pPr indent="-228600" lvl="4" marL="2286000" algn="l">
+            <a:lvl5pPr marL="2286000" lvl="4" indent="-228600" algn="l">
               <a:spcBef>
                 <a:spcPts val="600"/>
               </a:spcBef>
@@ -5146,9 +5269,9 @@
               </a:spcAft>
               <a:buSzPts val="1760"/>
               <a:buNone/>
-              <a:defRPr b="1" sz="1600"/>
+              <a:defRPr sz="1600" b="1"/>
             </a:lvl5pPr>
-            <a:lvl6pPr indent="-228600" lvl="5" marL="2743200" algn="l">
+            <a:lvl6pPr marL="2743200" lvl="5" indent="-228600" algn="l">
               <a:spcBef>
                 <a:spcPts val="320"/>
               </a:spcBef>
@@ -5157,9 +5280,9 @@
               </a:spcAft>
               <a:buSzPts val="1760"/>
               <a:buNone/>
-              <a:defRPr b="1" sz="1600"/>
+              <a:defRPr sz="1600" b="1"/>
             </a:lvl6pPr>
-            <a:lvl7pPr indent="-228600" lvl="6" marL="3200400" algn="l">
+            <a:lvl7pPr marL="3200400" lvl="6" indent="-228600" algn="l">
               <a:spcBef>
                 <a:spcPts val="320"/>
               </a:spcBef>
@@ -5168,9 +5291,9 @@
               </a:spcAft>
               <a:buSzPts val="1760"/>
               <a:buNone/>
-              <a:defRPr b="1" sz="1600"/>
+              <a:defRPr sz="1600" b="1"/>
             </a:lvl7pPr>
-            <a:lvl8pPr indent="-228600" lvl="7" marL="3657600" algn="l">
+            <a:lvl8pPr marL="3657600" lvl="7" indent="-228600" algn="l">
               <a:spcBef>
                 <a:spcPts val="320"/>
               </a:spcBef>
@@ -5179,9 +5302,9 @@
               </a:spcAft>
               <a:buSzPts val="1760"/>
               <a:buNone/>
-              <a:defRPr b="1" sz="1600"/>
+              <a:defRPr sz="1600" b="1"/>
             </a:lvl8pPr>
-            <a:lvl9pPr indent="-228600" lvl="8" marL="4114800" algn="l">
+            <a:lvl9pPr marL="4114800" lvl="8" indent="-228600" algn="l">
               <a:spcBef>
                 <a:spcPts val="320"/>
               </a:spcBef>
@@ -5190,18 +5313,22 @@
               </a:spcAft>
               <a:buSzPts val="1760"/>
               <a:buNone/>
-              <a:defRPr b="1" sz="1600"/>
+              <a:defRPr sz="1600" b="1"/>
             </a:lvl9pPr>
           </a:lstStyle>
-          <a:p/>
+          <a:p>
+            <a:endParaRPr/>
+          </a:p>
         </p:txBody>
       </p:sp>
       <p:sp>
         <p:nvSpPr>
           <p:cNvPr id="33" name="Google Shape;33;p7"/>
-          <p:cNvSpPr txBox="1"/>
+          <p:cNvSpPr txBox="1">
+            <a:spLocks noGrp="1"/>
+          </p:cNvSpPr>
           <p:nvPr>
-            <p:ph idx="2" type="body"/>
+            <p:ph type="body" idx="2"/>
           </p:nvPr>
         </p:nvSpPr>
         <p:spPr>
@@ -5218,9 +5345,9 @@
           </a:ln>
         </p:spPr>
         <p:txBody>
-          <a:bodyPr anchorCtr="0" anchor="t" bIns="45700" lIns="91425" spcFirstLastPara="1" rIns="91425" wrap="square" tIns="45700"/>
+          <a:bodyPr spcFirstLastPara="1" wrap="square" lIns="91425" tIns="45700" rIns="91425" bIns="45700" anchor="t" anchorCtr="0"/>
           <a:lstStyle>
-            <a:lvl1pPr indent="-368300" lvl="0" marL="457200" algn="l">
+            <a:lvl1pPr marL="457200" lvl="0" indent="-368300" algn="l">
               <a:spcBef>
                 <a:spcPts val="1600"/>
               </a:spcBef>
@@ -5231,7 +5358,7 @@
               <a:buChar char="⚫"/>
               <a:defRPr sz="2000"/>
             </a:lvl1pPr>
-            <a:lvl2pPr indent="-354330" lvl="1" marL="914400" algn="l">
+            <a:lvl2pPr marL="914400" lvl="1" indent="-354330" algn="l">
               <a:spcBef>
                 <a:spcPts val="600"/>
               </a:spcBef>
@@ -5242,7 +5369,7 @@
               <a:buChar char="⚫"/>
               <a:defRPr sz="1800"/>
             </a:lvl2pPr>
-            <a:lvl3pPr indent="-354330" lvl="2" marL="1371600" algn="l">
+            <a:lvl3pPr marL="1371600" lvl="2" indent="-354330" algn="l">
               <a:spcBef>
                 <a:spcPts val="600"/>
               </a:spcBef>
@@ -5253,7 +5380,7 @@
               <a:buChar char="⚫"/>
               <a:defRPr sz="1800"/>
             </a:lvl3pPr>
-            <a:lvl4pPr indent="-354330" lvl="3" marL="1828800" algn="l">
+            <a:lvl4pPr marL="1828800" lvl="3" indent="-354330" algn="l">
               <a:spcBef>
                 <a:spcPts val="600"/>
               </a:spcBef>
@@ -5264,7 +5391,7 @@
               <a:buChar char="⚫"/>
               <a:defRPr sz="1800"/>
             </a:lvl4pPr>
-            <a:lvl5pPr indent="-354329" lvl="4" marL="2286000" algn="l">
+            <a:lvl5pPr marL="2286000" lvl="4" indent="-354329" algn="l">
               <a:spcBef>
                 <a:spcPts val="600"/>
               </a:spcBef>
@@ -5275,7 +5402,7 @@
               <a:buChar char="⚫"/>
               <a:defRPr sz="1800"/>
             </a:lvl5pPr>
-            <a:lvl6pPr indent="-340360" lvl="5" marL="2743200" algn="l">
+            <a:lvl6pPr marL="2743200" lvl="5" indent="-340360" algn="l">
               <a:spcBef>
                 <a:spcPts val="320"/>
               </a:spcBef>
@@ -5286,7 +5413,7 @@
               <a:buChar char="⚫"/>
               <a:defRPr sz="1600"/>
             </a:lvl6pPr>
-            <a:lvl7pPr indent="-340360" lvl="6" marL="3200400" algn="l">
+            <a:lvl7pPr marL="3200400" lvl="6" indent="-340360" algn="l">
               <a:spcBef>
                 <a:spcPts val="320"/>
               </a:spcBef>
@@ -5297,7 +5424,7 @@
               <a:buChar char="⚫"/>
               <a:defRPr sz="1600"/>
             </a:lvl7pPr>
-            <a:lvl8pPr indent="-340359" lvl="7" marL="3657600" algn="l">
+            <a:lvl8pPr marL="3657600" lvl="7" indent="-340359" algn="l">
               <a:spcBef>
                 <a:spcPts val="320"/>
               </a:spcBef>
@@ -5308,7 +5435,7 @@
               <a:buChar char="⚫"/>
               <a:defRPr sz="1600"/>
             </a:lvl8pPr>
-            <a:lvl9pPr indent="-340359" lvl="8" marL="4114800" algn="l">
+            <a:lvl9pPr marL="4114800" lvl="8" indent="-340359" algn="l">
               <a:spcBef>
                 <a:spcPts val="320"/>
               </a:spcBef>
@@ -5320,15 +5447,19 @@
               <a:defRPr sz="1600"/>
             </a:lvl9pPr>
           </a:lstStyle>
-          <a:p/>
+          <a:p>
+            <a:endParaRPr/>
+          </a:p>
         </p:txBody>
       </p:sp>
       <p:sp>
         <p:nvSpPr>
           <p:cNvPr id="34" name="Google Shape;34;p7"/>
-          <p:cNvSpPr txBox="1"/>
+          <p:cNvSpPr txBox="1">
+            <a:spLocks noGrp="1"/>
+          </p:cNvSpPr>
           <p:nvPr>
-            <p:ph idx="3" type="body"/>
+            <p:ph type="body" idx="3"/>
           </p:nvPr>
         </p:nvSpPr>
         <p:spPr>
@@ -5345,9 +5476,9 @@
           </a:ln>
         </p:spPr>
         <p:txBody>
-          <a:bodyPr anchorCtr="0" anchor="b" bIns="45700" lIns="91425" spcFirstLastPara="1" rIns="91425" wrap="square" tIns="45700"/>
+          <a:bodyPr spcFirstLastPara="1" wrap="square" lIns="91425" tIns="45700" rIns="91425" bIns="45700" anchor="b" anchorCtr="0"/>
           <a:lstStyle>
-            <a:lvl1pPr indent="-228600" lvl="0" marL="457200" algn="ctr">
+            <a:lvl1pPr marL="457200" lvl="0" indent="-228600" algn="ctr">
               <a:spcBef>
                 <a:spcPts val="0"/>
               </a:spcBef>
@@ -5356,13 +5487,13 @@
               </a:spcAft>
               <a:buSzPts val="2640"/>
               <a:buNone/>
-              <a:defRPr b="0" sz="2400">
+              <a:defRPr sz="2400" b="0">
                 <a:solidFill>
                   <a:srgbClr val="B86EB8"/>
                 </a:solidFill>
               </a:defRPr>
             </a:lvl1pPr>
-            <a:lvl2pPr indent="-228600" lvl="1" marL="914400" algn="l">
+            <a:lvl2pPr marL="914400" lvl="1" indent="-228600" algn="l">
               <a:spcBef>
                 <a:spcPts val="600"/>
               </a:spcBef>
@@ -5371,9 +5502,9 @@
               </a:spcAft>
               <a:buSzPts val="2200"/>
               <a:buNone/>
-              <a:defRPr b="1" sz="2000"/>
+              <a:defRPr sz="2000" b="1"/>
             </a:lvl2pPr>
-            <a:lvl3pPr indent="-228600" lvl="2" marL="1371600" algn="l">
+            <a:lvl3pPr marL="1371600" lvl="2" indent="-228600" algn="l">
               <a:spcBef>
                 <a:spcPts val="600"/>
               </a:spcBef>
@@ -5382,9 +5513,9 @@
               </a:spcAft>
               <a:buSzPts val="1980"/>
               <a:buNone/>
-              <a:defRPr b="1" sz="1800"/>
+              <a:defRPr sz="1800" b="1"/>
             </a:lvl3pPr>
-            <a:lvl4pPr indent="-228600" lvl="3" marL="1828800" algn="l">
+            <a:lvl4pPr marL="1828800" lvl="3" indent="-228600" algn="l">
               <a:spcBef>
                 <a:spcPts val="600"/>
               </a:spcBef>
@@ -5393,9 +5524,9 @@
               </a:spcAft>
               <a:buSzPts val="1760"/>
               <a:buNone/>
-              <a:defRPr b="1" sz="1600"/>
+              <a:defRPr sz="1600" b="1"/>
             </a:lvl4pPr>
-            <a:lvl5pPr indent="-228600" lvl="4" marL="2286000" algn="l">
+            <a:lvl5pPr marL="2286000" lvl="4" indent="-228600" algn="l">
               <a:spcBef>
                 <a:spcPts val="600"/>
               </a:spcBef>
@@ -5404,9 +5535,9 @@
               </a:spcAft>
               <a:buSzPts val="1760"/>
               <a:buNone/>
-              <a:defRPr b="1" sz="1600"/>
+              <a:defRPr sz="1600" b="1"/>
             </a:lvl5pPr>
-            <a:lvl6pPr indent="-228600" lvl="5" marL="2743200" algn="l">
+            <a:lvl6pPr marL="2743200" lvl="5" indent="-228600" algn="l">
               <a:spcBef>
                 <a:spcPts val="320"/>
               </a:spcBef>
@@ -5415,9 +5546,9 @@
               </a:spcAft>
               <a:buSzPts val="1760"/>
               <a:buNone/>
-              <a:defRPr b="1" sz="1600"/>
+              <a:defRPr sz="1600" b="1"/>
             </a:lvl6pPr>
-            <a:lvl7pPr indent="-228600" lvl="6" marL="3200400" algn="l">
+            <a:lvl7pPr marL="3200400" lvl="6" indent="-228600" algn="l">
               <a:spcBef>
                 <a:spcPts val="320"/>
               </a:spcBef>
@@ -5426,9 +5557,9 @@
               </a:spcAft>
               <a:buSzPts val="1760"/>
               <a:buNone/>
-              <a:defRPr b="1" sz="1600"/>
+              <a:defRPr sz="1600" b="1"/>
             </a:lvl7pPr>
-            <a:lvl8pPr indent="-228600" lvl="7" marL="3657600" algn="l">
+            <a:lvl8pPr marL="3657600" lvl="7" indent="-228600" algn="l">
               <a:spcBef>
                 <a:spcPts val="320"/>
               </a:spcBef>
@@ -5437,9 +5568,9 @@
               </a:spcAft>
               <a:buSzPts val="1760"/>
               <a:buNone/>
-              <a:defRPr b="1" sz="1600"/>
+              <a:defRPr sz="1600" b="1"/>
             </a:lvl8pPr>
-            <a:lvl9pPr indent="-228600" lvl="8" marL="4114800" algn="l">
+            <a:lvl9pPr marL="4114800" lvl="8" indent="-228600" algn="l">
               <a:spcBef>
                 <a:spcPts val="320"/>
               </a:spcBef>
@@ -5448,18 +5579,22 @@
               </a:spcAft>
               <a:buSzPts val="1760"/>
               <a:buNone/>
-              <a:defRPr b="1" sz="1600"/>
+              <a:defRPr sz="1600" b="1"/>
             </a:lvl9pPr>
           </a:lstStyle>
-          <a:p/>
+          <a:p>
+            <a:endParaRPr/>
+          </a:p>
         </p:txBody>
       </p:sp>
       <p:sp>
         <p:nvSpPr>
           <p:cNvPr id="35" name="Google Shape;35;p7"/>
-          <p:cNvSpPr txBox="1"/>
+          <p:cNvSpPr txBox="1">
+            <a:spLocks noGrp="1"/>
+          </p:cNvSpPr>
           <p:nvPr>
-            <p:ph idx="4" type="body"/>
+            <p:ph type="body" idx="4"/>
           </p:nvPr>
         </p:nvSpPr>
         <p:spPr>
@@ -5476,9 +5611,9 @@
           </a:ln>
         </p:spPr>
         <p:txBody>
-          <a:bodyPr anchorCtr="0" anchor="t" bIns="45700" lIns="91425" spcFirstLastPara="1" rIns="91425" wrap="square" tIns="45700"/>
+          <a:bodyPr spcFirstLastPara="1" wrap="square" lIns="91425" tIns="45700" rIns="91425" bIns="45700" anchor="t" anchorCtr="0"/>
           <a:lstStyle>
-            <a:lvl1pPr indent="-368300" lvl="0" marL="457200" algn="l">
+            <a:lvl1pPr marL="457200" lvl="0" indent="-368300" algn="l">
               <a:spcBef>
                 <a:spcPts val="1600"/>
               </a:spcBef>
@@ -5489,7 +5624,7 @@
               <a:buChar char="⚫"/>
               <a:defRPr sz="2000"/>
             </a:lvl1pPr>
-            <a:lvl2pPr indent="-354330" lvl="1" marL="914400" algn="l">
+            <a:lvl2pPr marL="914400" lvl="1" indent="-354330" algn="l">
               <a:spcBef>
                 <a:spcPts val="600"/>
               </a:spcBef>
@@ -5500,7 +5635,7 @@
               <a:buChar char="⚫"/>
               <a:defRPr sz="1800"/>
             </a:lvl2pPr>
-            <a:lvl3pPr indent="-354330" lvl="2" marL="1371600" algn="l">
+            <a:lvl3pPr marL="1371600" lvl="2" indent="-354330" algn="l">
               <a:spcBef>
                 <a:spcPts val="600"/>
               </a:spcBef>
@@ -5511,7 +5646,7 @@
               <a:buChar char="⚫"/>
               <a:defRPr sz="1800"/>
             </a:lvl3pPr>
-            <a:lvl4pPr indent="-354330" lvl="3" marL="1828800" algn="l">
+            <a:lvl4pPr marL="1828800" lvl="3" indent="-354330" algn="l">
               <a:spcBef>
                 <a:spcPts val="600"/>
               </a:spcBef>
@@ -5522,7 +5657,7 @@
               <a:buChar char="⚫"/>
               <a:defRPr sz="1800"/>
             </a:lvl4pPr>
-            <a:lvl5pPr indent="-354329" lvl="4" marL="2286000" algn="l">
+            <a:lvl5pPr marL="2286000" lvl="4" indent="-354329" algn="l">
               <a:spcBef>
                 <a:spcPts val="600"/>
               </a:spcBef>
@@ -5533,7 +5668,7 @@
               <a:buChar char="⚫"/>
               <a:defRPr sz="1800"/>
             </a:lvl5pPr>
-            <a:lvl6pPr indent="-340360" lvl="5" marL="2743200" algn="l">
+            <a:lvl6pPr marL="2743200" lvl="5" indent="-340360" algn="l">
               <a:spcBef>
                 <a:spcPts val="320"/>
               </a:spcBef>
@@ -5544,7 +5679,7 @@
               <a:buChar char="⚫"/>
               <a:defRPr sz="1600"/>
             </a:lvl6pPr>
-            <a:lvl7pPr indent="-340360" lvl="6" marL="3200400" algn="l">
+            <a:lvl7pPr marL="3200400" lvl="6" indent="-340360" algn="l">
               <a:spcBef>
                 <a:spcPts val="320"/>
               </a:spcBef>
@@ -5555,7 +5690,7 @@
               <a:buChar char="⚫"/>
               <a:defRPr sz="1600"/>
             </a:lvl7pPr>
-            <a:lvl8pPr indent="-340359" lvl="7" marL="3657600" algn="l">
+            <a:lvl8pPr marL="3657600" lvl="7" indent="-340359" algn="l">
               <a:spcBef>
                 <a:spcPts val="320"/>
               </a:spcBef>
@@ -5566,7 +5701,7 @@
               <a:buChar char="⚫"/>
               <a:defRPr sz="1600"/>
             </a:lvl8pPr>
-            <a:lvl9pPr indent="-340359" lvl="8" marL="4114800" algn="l">
+            <a:lvl9pPr marL="4114800" lvl="8" indent="-340359" algn="l">
               <a:spcBef>
                 <a:spcPts val="320"/>
               </a:spcBef>
@@ -5578,7 +5713,9 @@
               <a:defRPr sz="1600"/>
             </a:lvl9pPr>
           </a:lstStyle>
-          <a:p/>
+          <a:p>
+            <a:endParaRPr/>
+          </a:p>
         </p:txBody>
       </p:sp>
     </p:spTree>
@@ -5590,11 +5727,11 @@
 </file>
 
 <file path=ppt/slideLayouts/slideLayout7.xml><?xml version="1.0" encoding="utf-8"?>
-<p:sldLayout xmlns:a="http://schemas.openxmlformats.org/drawingml/2006/main" xmlns:r="http://schemas.openxmlformats.org/officeDocument/2006/relationships" xmlns:mc="http://schemas.openxmlformats.org/markup-compatibility/2006" xmlns:mv="urn:schemas-microsoft-com:mac:vml" xmlns:p="http://schemas.openxmlformats.org/presentationml/2006/main" xmlns:c="http://schemas.openxmlformats.org/drawingml/2006/chart" xmlns:dgm="http://schemas.openxmlformats.org/drawingml/2006/diagram" xmlns:o="urn:schemas-microsoft-com:office:office" xmlns:v="urn:schemas-microsoft-com:vml" xmlns:pvml="urn:schemas-microsoft-com:office:powerpoint" xmlns:com="http://schemas.openxmlformats.org/drawingml/2006/compatibility" xmlns:p14="http://schemas.microsoft.com/office/powerpoint/2010/main" xmlns:p15="http://schemas.microsoft.com/office/powerpoint/2012/main" matchingName="Title Only" type="titleOnly">
+<p:sldLayout xmlns:a="http://schemas.openxmlformats.org/drawingml/2006/main" xmlns:r="http://schemas.openxmlformats.org/officeDocument/2006/relationships" xmlns:p="http://schemas.openxmlformats.org/presentationml/2006/main" matchingName="Title Only" type="titleOnly">
   <p:cSld name="TITLE_ONLY">
     <p:spTree>
       <p:nvGrpSpPr>
-        <p:cNvPr id="36" name="Shape 36"/>
+        <p:cNvPr id="1" name="Shape 36"/>
         <p:cNvGrpSpPr/>
         <p:nvPr/>
       </p:nvGrpSpPr>
@@ -5609,7 +5746,9 @@
       <p:sp>
         <p:nvSpPr>
           <p:cNvPr id="37" name="Google Shape;37;p8"/>
-          <p:cNvSpPr txBox="1"/>
+          <p:cNvSpPr txBox="1">
+            <a:spLocks noGrp="1"/>
+          </p:cNvSpPr>
           <p:nvPr>
             <p:ph type="title"/>
           </p:nvPr>
@@ -5628,7 +5767,7 @@
           </a:ln>
         </p:spPr>
         <p:txBody>
-          <a:bodyPr anchorCtr="0" anchor="b" bIns="45700" lIns="91425" spcFirstLastPara="1" rIns="91425" wrap="square" tIns="45700"/>
+          <a:bodyPr spcFirstLastPara="1" wrap="square" lIns="91425" tIns="45700" rIns="91425" bIns="45700" anchor="b" anchorCtr="0"/>
           <a:lstStyle>
             <a:lvl1pPr lvl="0" algn="ctr">
               <a:spcBef>
@@ -5730,7 +5869,9 @@
               <a:defRPr/>
             </a:lvl9pPr>
           </a:lstStyle>
-          <a:p/>
+          <a:p>
+            <a:endParaRPr/>
+          </a:p>
         </p:txBody>
       </p:sp>
     </p:spTree>
@@ -5742,11 +5883,11 @@
 </file>
 
 <file path=ppt/slideLayouts/slideLayout8.xml><?xml version="1.0" encoding="utf-8"?>
-<p:sldLayout xmlns:a="http://schemas.openxmlformats.org/drawingml/2006/main" xmlns:r="http://schemas.openxmlformats.org/officeDocument/2006/relationships" xmlns:mc="http://schemas.openxmlformats.org/markup-compatibility/2006" xmlns:mv="urn:schemas-microsoft-com:mac:vml" xmlns:p="http://schemas.openxmlformats.org/presentationml/2006/main" xmlns:c="http://schemas.openxmlformats.org/drawingml/2006/chart" xmlns:dgm="http://schemas.openxmlformats.org/drawingml/2006/diagram" xmlns:o="urn:schemas-microsoft-com:office:office" xmlns:v="urn:schemas-microsoft-com:vml" xmlns:pvml="urn:schemas-microsoft-com:office:powerpoint" xmlns:com="http://schemas.openxmlformats.org/drawingml/2006/compatibility" xmlns:p14="http://schemas.microsoft.com/office/powerpoint/2010/main" xmlns:p15="http://schemas.microsoft.com/office/powerpoint/2012/main" matchingName="Blank" type="blank">
+<p:sldLayout xmlns:a="http://schemas.openxmlformats.org/drawingml/2006/main" xmlns:r="http://schemas.openxmlformats.org/officeDocument/2006/relationships" xmlns:p="http://schemas.openxmlformats.org/presentationml/2006/main" matchingName="Blank" type="blank">
   <p:cSld name="BLANK">
     <p:spTree>
       <p:nvGrpSpPr>
-        <p:cNvPr id="38" name="Shape 38"/>
+        <p:cNvPr id="1" name="Shape 38"/>
         <p:cNvGrpSpPr/>
         <p:nvPr/>
       </p:nvGrpSpPr>
@@ -5767,11 +5908,11 @@
 </file>
 
 <file path=ppt/slideLayouts/slideLayout9.xml><?xml version="1.0" encoding="utf-8"?>
-<p:sldLayout xmlns:a="http://schemas.openxmlformats.org/drawingml/2006/main" xmlns:r="http://schemas.openxmlformats.org/officeDocument/2006/relationships" xmlns:mc="http://schemas.openxmlformats.org/markup-compatibility/2006" xmlns:mv="urn:schemas-microsoft-com:mac:vml" xmlns:p="http://schemas.openxmlformats.org/presentationml/2006/main" xmlns:c="http://schemas.openxmlformats.org/drawingml/2006/chart" xmlns:dgm="http://schemas.openxmlformats.org/drawingml/2006/diagram" xmlns:o="urn:schemas-microsoft-com:office:office" xmlns:v="urn:schemas-microsoft-com:vml" xmlns:pvml="urn:schemas-microsoft-com:office:powerpoint" xmlns:com="http://schemas.openxmlformats.org/drawingml/2006/compatibility" xmlns:p14="http://schemas.microsoft.com/office/powerpoint/2010/main" xmlns:p15="http://schemas.microsoft.com/office/powerpoint/2012/main" matchingName="Content with Caption" type="objTx">
+<p:sldLayout xmlns:a="http://schemas.openxmlformats.org/drawingml/2006/main" xmlns:r="http://schemas.openxmlformats.org/officeDocument/2006/relationships" xmlns:p="http://schemas.openxmlformats.org/presentationml/2006/main" matchingName="Content with Caption" type="objTx">
   <p:cSld name="OBJECT_WITH_CAPTION_TEXT">
     <p:spTree>
       <p:nvGrpSpPr>
-        <p:cNvPr id="39" name="Shape 39"/>
+        <p:cNvPr id="1" name="Shape 39"/>
         <p:cNvGrpSpPr/>
         <p:nvPr/>
       </p:nvGrpSpPr>
@@ -5786,7 +5927,9 @@
       <p:sp>
         <p:nvSpPr>
           <p:cNvPr id="40" name="Google Shape;40;p10"/>
-          <p:cNvSpPr txBox="1"/>
+          <p:cNvSpPr txBox="1">
+            <a:spLocks noGrp="1"/>
+          </p:cNvSpPr>
           <p:nvPr>
             <p:ph type="title"/>
           </p:nvPr>
@@ -5805,7 +5948,7 @@
           </a:ln>
         </p:spPr>
         <p:txBody>
-          <a:bodyPr anchorCtr="0" anchor="b" bIns="45700" lIns="91425" spcFirstLastPara="1" rIns="91425" wrap="square" tIns="45700"/>
+          <a:bodyPr spcFirstLastPara="1" wrap="square" lIns="91425" tIns="45700" rIns="91425" bIns="45700" anchor="b" anchorCtr="0"/>
           <a:lstStyle>
             <a:lvl1pPr lvl="0" algn="ctr">
               <a:spcBef>
@@ -5816,7 +5959,7 @@
               </a:spcAft>
               <a:buSzPts val="1400"/>
               <a:buNone/>
-              <a:defRPr b="0" sz="3600"/>
+              <a:defRPr sz="3600" b="0"/>
             </a:lvl1pPr>
             <a:lvl2pPr lvl="1" algn="ctr">
               <a:spcBef>
@@ -5907,15 +6050,19 @@
               <a:defRPr/>
             </a:lvl9pPr>
           </a:lstStyle>
-          <a:p/>
+          <a:p>
+            <a:endParaRPr/>
+          </a:p>
         </p:txBody>
       </p:sp>
       <p:sp>
         <p:nvSpPr>
           <p:cNvPr id="41" name="Google Shape;41;p10"/>
-          <p:cNvSpPr txBox="1"/>
+          <p:cNvSpPr txBox="1">
+            <a:spLocks noGrp="1"/>
+          </p:cNvSpPr>
           <p:nvPr>
-            <p:ph idx="1" type="body"/>
+            <p:ph type="body" idx="1"/>
           </p:nvPr>
         </p:nvSpPr>
         <p:spPr>
@@ -5932,9 +6079,9 @@
           </a:ln>
         </p:spPr>
         <p:txBody>
-          <a:bodyPr anchorCtr="0" anchor="t" bIns="45700" lIns="91425" spcFirstLastPara="1" rIns="91425" wrap="square" tIns="45700"/>
+          <a:bodyPr spcFirstLastPara="1" wrap="square" lIns="91425" tIns="45700" rIns="91425" bIns="45700" anchor="t" anchorCtr="0"/>
           <a:lstStyle>
-            <a:lvl1pPr indent="-382270" lvl="0" marL="457200" algn="l">
+            <a:lvl1pPr marL="457200" lvl="0" indent="-382270" algn="l">
               <a:spcBef>
                 <a:spcPts val="2000"/>
               </a:spcBef>
@@ -5945,7 +6092,7 @@
               <a:buChar char="⚫"/>
               <a:defRPr sz="2200"/>
             </a:lvl1pPr>
-            <a:lvl2pPr indent="-368300" lvl="1" marL="914400" algn="l">
+            <a:lvl2pPr marL="914400" lvl="1" indent="-368300" algn="l">
               <a:spcBef>
                 <a:spcPts val="600"/>
               </a:spcBef>
@@ -5956,7 +6103,7 @@
               <a:buChar char="⚫"/>
               <a:defRPr sz="2000"/>
             </a:lvl2pPr>
-            <a:lvl3pPr indent="-354330" lvl="2" marL="1371600" algn="l">
+            <a:lvl3pPr marL="1371600" lvl="2" indent="-354330" algn="l">
               <a:spcBef>
                 <a:spcPts val="600"/>
               </a:spcBef>
@@ -5967,7 +6114,7 @@
               <a:buChar char="⚫"/>
               <a:defRPr sz="1800"/>
             </a:lvl3pPr>
-            <a:lvl4pPr indent="-354330" lvl="3" marL="1828800" algn="l">
+            <a:lvl4pPr marL="1828800" lvl="3" indent="-354330" algn="l">
               <a:spcBef>
                 <a:spcPts val="600"/>
               </a:spcBef>
@@ -5978,7 +6125,7 @@
               <a:buChar char="⚫"/>
               <a:defRPr sz="1800"/>
             </a:lvl4pPr>
-            <a:lvl5pPr indent="-354329" lvl="4" marL="2286000" algn="l">
+            <a:lvl5pPr marL="2286000" lvl="4" indent="-354329" algn="l">
               <a:spcBef>
                 <a:spcPts val="600"/>
               </a:spcBef>
@@ -5989,7 +6136,7 @@
               <a:buChar char="⚫"/>
               <a:defRPr sz="1800"/>
             </a:lvl5pPr>
-            <a:lvl6pPr indent="-368300" lvl="5" marL="2743200" algn="l">
+            <a:lvl6pPr marL="2743200" lvl="5" indent="-368300" algn="l">
               <a:spcBef>
                 <a:spcPts val="400"/>
               </a:spcBef>
@@ -6000,7 +6147,7 @@
               <a:buChar char="⚫"/>
               <a:defRPr sz="2000"/>
             </a:lvl6pPr>
-            <a:lvl7pPr indent="-368300" lvl="6" marL="3200400" algn="l">
+            <a:lvl7pPr marL="3200400" lvl="6" indent="-368300" algn="l">
               <a:spcBef>
                 <a:spcPts val="400"/>
               </a:spcBef>
@@ -6011,7 +6158,7 @@
               <a:buChar char="⚫"/>
               <a:defRPr sz="2000"/>
             </a:lvl7pPr>
-            <a:lvl8pPr indent="-368300" lvl="7" marL="3657600" algn="l">
+            <a:lvl8pPr marL="3657600" lvl="7" indent="-368300" algn="l">
               <a:spcBef>
                 <a:spcPts val="400"/>
               </a:spcBef>
@@ -6022,7 +6169,7 @@
               <a:buChar char="⚫"/>
               <a:defRPr sz="2000"/>
             </a:lvl8pPr>
-            <a:lvl9pPr indent="-368300" lvl="8" marL="4114800" algn="l">
+            <a:lvl9pPr marL="4114800" lvl="8" indent="-368300" algn="l">
               <a:spcBef>
                 <a:spcPts val="400"/>
               </a:spcBef>
@@ -6034,15 +6181,19 @@
               <a:defRPr sz="2000"/>
             </a:lvl9pPr>
           </a:lstStyle>
-          <a:p/>
+          <a:p>
+            <a:endParaRPr/>
+          </a:p>
         </p:txBody>
       </p:sp>
       <p:sp>
         <p:nvSpPr>
           <p:cNvPr id="42" name="Google Shape;42;p10"/>
-          <p:cNvSpPr txBox="1"/>
+          <p:cNvSpPr txBox="1">
+            <a:spLocks noGrp="1"/>
+          </p:cNvSpPr>
           <p:nvPr>
-            <p:ph idx="2" type="body"/>
+            <p:ph type="body" idx="2"/>
           </p:nvPr>
         </p:nvSpPr>
         <p:spPr>
@@ -6059,9 +6210,9 @@
           </a:ln>
         </p:spPr>
         <p:txBody>
-          <a:bodyPr anchorCtr="0" anchor="t" bIns="45700" lIns="91425" spcFirstLastPara="1" rIns="91425" wrap="square" tIns="45700"/>
+          <a:bodyPr spcFirstLastPara="1" wrap="square" lIns="91425" tIns="45700" rIns="91425" bIns="45700" anchor="t" anchorCtr="0"/>
           <a:lstStyle>
-            <a:lvl1pPr indent="-228600" lvl="0" marL="457200" algn="ctr">
+            <a:lvl1pPr marL="457200" lvl="0" indent="-228600" algn="ctr">
               <a:spcBef>
                 <a:spcPts val="600"/>
               </a:spcBef>
@@ -6072,7 +6223,7 @@
               <a:buNone/>
               <a:defRPr sz="1800"/>
             </a:lvl1pPr>
-            <a:lvl2pPr indent="-228600" lvl="1" marL="914400" algn="l">
+            <a:lvl2pPr marL="914400" lvl="1" indent="-228600" algn="l">
               <a:spcBef>
                 <a:spcPts val="600"/>
               </a:spcBef>
@@ -6083,7 +6234,7 @@
               <a:buNone/>
               <a:defRPr sz="1200"/>
             </a:lvl2pPr>
-            <a:lvl3pPr indent="-228600" lvl="2" marL="1371600" algn="l">
+            <a:lvl3pPr marL="1371600" lvl="2" indent="-228600" algn="l">
               <a:spcBef>
                 <a:spcPts val="600"/>
               </a:spcBef>
@@ -6094,7 +6245,7 @@
               <a:buNone/>
               <a:defRPr sz="1000"/>
             </a:lvl3pPr>
-            <a:lvl4pPr indent="-228600" lvl="3" marL="1828800" algn="l">
+            <a:lvl4pPr marL="1828800" lvl="3" indent="-228600" algn="l">
               <a:spcBef>
                 <a:spcPts val="600"/>
               </a:spcBef>
@@ -6105,7 +6256,7 @@
               <a:buNone/>
               <a:defRPr sz="900"/>
             </a:lvl4pPr>
-            <a:lvl5pPr indent="-228600" lvl="4" marL="2286000" algn="l">
+            <a:lvl5pPr marL="2286000" lvl="4" indent="-228600" algn="l">
               <a:spcBef>
                 <a:spcPts val="600"/>
               </a:spcBef>
@@ -6116,7 +6267,7 @@
               <a:buNone/>
               <a:defRPr sz="900"/>
             </a:lvl5pPr>
-            <a:lvl6pPr indent="-228600" lvl="5" marL="2743200" algn="l">
+            <a:lvl6pPr marL="2743200" lvl="5" indent="-228600" algn="l">
               <a:spcBef>
                 <a:spcPts val="180"/>
               </a:spcBef>
@@ -6127,7 +6278,7 @@
               <a:buNone/>
               <a:defRPr sz="900"/>
             </a:lvl6pPr>
-            <a:lvl7pPr indent="-228600" lvl="6" marL="3200400" algn="l">
+            <a:lvl7pPr marL="3200400" lvl="6" indent="-228600" algn="l">
               <a:spcBef>
                 <a:spcPts val="180"/>
               </a:spcBef>
@@ -6138,7 +6289,7 @@
               <a:buNone/>
               <a:defRPr sz="900"/>
             </a:lvl7pPr>
-            <a:lvl8pPr indent="-228600" lvl="7" marL="3657600" algn="l">
+            <a:lvl8pPr marL="3657600" lvl="7" indent="-228600" algn="l">
               <a:spcBef>
                 <a:spcPts val="180"/>
               </a:spcBef>
@@ -6149,7 +6300,7 @@
               <a:buNone/>
               <a:defRPr sz="900"/>
             </a:lvl8pPr>
-            <a:lvl9pPr indent="-228600" lvl="8" marL="4114800" algn="l">
+            <a:lvl9pPr marL="4114800" lvl="8" indent="-228600" algn="l">
               <a:spcBef>
                 <a:spcPts val="180"/>
               </a:spcBef>
@@ -6161,7 +6312,9 @@
               <a:defRPr sz="900"/>
             </a:lvl9pPr>
           </a:lstStyle>
-          <a:p/>
+          <a:p>
+            <a:endParaRPr/>
+          </a:p>
         </p:txBody>
       </p:sp>
     </p:spTree>
@@ -6173,7 +6326,7 @@
 </file>
 
 <file path=ppt/slideMasters/slideMaster1.xml><?xml version="1.0" encoding="utf-8"?>
-<p:sldMaster xmlns:a="http://schemas.openxmlformats.org/drawingml/2006/main" xmlns:r="http://schemas.openxmlformats.org/officeDocument/2006/relationships" xmlns:mc="http://schemas.openxmlformats.org/markup-compatibility/2006" xmlns:mv="urn:schemas-microsoft-com:mac:vml" xmlns:p="http://schemas.openxmlformats.org/presentationml/2006/main" xmlns:c="http://schemas.openxmlformats.org/drawingml/2006/chart" xmlns:dgm="http://schemas.openxmlformats.org/drawingml/2006/diagram" xmlns:o="urn:schemas-microsoft-com:office:office" xmlns:v="urn:schemas-microsoft-com:vml" xmlns:pvml="urn:schemas-microsoft-com:office:powerpoint" xmlns:com="http://schemas.openxmlformats.org/drawingml/2006/compatibility" xmlns:p14="http://schemas.microsoft.com/office/powerpoint/2010/main" xmlns:p15="http://schemas.microsoft.com/office/powerpoint/2012/main">
+<p:sldMaster xmlns:a="http://schemas.openxmlformats.org/drawingml/2006/main" xmlns:r="http://schemas.openxmlformats.org/officeDocument/2006/relationships" xmlns:p="http://schemas.openxmlformats.org/presentationml/2006/main">
   <p:cSld>
     <p:bg>
       <p:bgPr>
@@ -6191,11 +6344,12 @@
           </a:gsLst>
           <a:lin ang="5400000" scaled="0"/>
         </a:gradFill>
+        <a:effectLst/>
       </p:bgPr>
     </p:bg>
     <p:spTree>
       <p:nvGrpSpPr>
-        <p:cNvPr id="9" name="Shape 9"/>
+        <p:cNvPr id="1" name="Shape 9"/>
         <p:cNvGrpSpPr/>
         <p:nvPr/>
       </p:nvGrpSpPr>
@@ -6210,7 +6364,9 @@
       <p:sp>
         <p:nvSpPr>
           <p:cNvPr id="10" name="Google Shape;10;p1"/>
-          <p:cNvSpPr txBox="1"/>
+          <p:cNvSpPr txBox="1">
+            <a:spLocks noGrp="1"/>
+          </p:cNvSpPr>
           <p:nvPr>
             <p:ph type="title"/>
           </p:nvPr>
@@ -6229,18 +6385,18 @@
           </a:ln>
         </p:spPr>
         <p:txBody>
-          <a:bodyPr anchorCtr="0" anchor="b" bIns="45700" lIns="91425" spcFirstLastPara="1" rIns="91425" wrap="square" tIns="45700"/>
+          <a:bodyPr spcFirstLastPara="1" wrap="square" lIns="91425" tIns="45700" rIns="91425" bIns="45700" anchor="b" anchorCtr="0"/>
           <a:lstStyle>
-            <a:lvl1pPr lvl="0" marR="0" rtl="0" algn="ctr">
-              <a:spcBef>
-                <a:spcPts val="0"/>
-              </a:spcBef>
-              <a:spcAft>
-                <a:spcPts val="0"/>
-              </a:spcAft>
-              <a:buSzPts val="1400"/>
-              <a:buNone/>
-              <a:defRPr b="0" i="0" sz="4600" u="none" cap="none" strike="noStrike">
+            <a:lvl1pPr marR="0" lvl="0" algn="ctr" rtl="0">
+              <a:spcBef>
+                <a:spcPts val="0"/>
+              </a:spcBef>
+              <a:spcAft>
+                <a:spcPts val="0"/>
+              </a:spcAft>
+              <a:buSzPts val="1400"/>
+              <a:buNone/>
+              <a:defRPr sz="4600" b="0" i="0" u="none" strike="noStrike" cap="none">
                 <a:solidFill>
                   <a:schemeClr val="accent1"/>
                 </a:solidFill>
@@ -6250,16 +6406,16 @@
                 <a:sym typeface="Calibri"/>
               </a:defRPr>
             </a:lvl1pPr>
-            <a:lvl2pPr lvl="1" marR="0" rtl="0" algn="ctr">
-              <a:spcBef>
-                <a:spcPts val="0"/>
-              </a:spcBef>
-              <a:spcAft>
-                <a:spcPts val="0"/>
-              </a:spcAft>
-              <a:buSzPts val="1400"/>
-              <a:buNone/>
-              <a:defRPr b="0" i="0" sz="4600" u="none" cap="none" strike="noStrike">
+            <a:lvl2pPr marR="0" lvl="1" algn="ctr" rtl="0">
+              <a:spcBef>
+                <a:spcPts val="0"/>
+              </a:spcBef>
+              <a:spcAft>
+                <a:spcPts val="0"/>
+              </a:spcAft>
+              <a:buSzPts val="1400"/>
+              <a:buNone/>
+              <a:defRPr sz="4600" b="0" i="0" u="none" strike="noStrike" cap="none">
                 <a:solidFill>
                   <a:schemeClr val="accent1"/>
                 </a:solidFill>
@@ -6269,16 +6425,16 @@
                 <a:sym typeface="Calibri"/>
               </a:defRPr>
             </a:lvl2pPr>
-            <a:lvl3pPr lvl="2" marR="0" rtl="0" algn="ctr">
-              <a:spcBef>
-                <a:spcPts val="0"/>
-              </a:spcBef>
-              <a:spcAft>
-                <a:spcPts val="0"/>
-              </a:spcAft>
-              <a:buSzPts val="1400"/>
-              <a:buNone/>
-              <a:defRPr b="0" i="0" sz="4600" u="none" cap="none" strike="noStrike">
+            <a:lvl3pPr marR="0" lvl="2" algn="ctr" rtl="0">
+              <a:spcBef>
+                <a:spcPts val="0"/>
+              </a:spcBef>
+              <a:spcAft>
+                <a:spcPts val="0"/>
+              </a:spcAft>
+              <a:buSzPts val="1400"/>
+              <a:buNone/>
+              <a:defRPr sz="4600" b="0" i="0" u="none" strike="noStrike" cap="none">
                 <a:solidFill>
                   <a:schemeClr val="accent1"/>
                 </a:solidFill>
@@ -6288,16 +6444,16 @@
                 <a:sym typeface="Calibri"/>
               </a:defRPr>
             </a:lvl3pPr>
-            <a:lvl4pPr lvl="3" marR="0" rtl="0" algn="ctr">
-              <a:spcBef>
-                <a:spcPts val="0"/>
-              </a:spcBef>
-              <a:spcAft>
-                <a:spcPts val="0"/>
-              </a:spcAft>
-              <a:buSzPts val="1400"/>
-              <a:buNone/>
-              <a:defRPr b="0" i="0" sz="4600" u="none" cap="none" strike="noStrike">
+            <a:lvl4pPr marR="0" lvl="3" algn="ctr" rtl="0">
+              <a:spcBef>
+                <a:spcPts val="0"/>
+              </a:spcBef>
+              <a:spcAft>
+                <a:spcPts val="0"/>
+              </a:spcAft>
+              <a:buSzPts val="1400"/>
+              <a:buNone/>
+              <a:defRPr sz="4600" b="0" i="0" u="none" strike="noStrike" cap="none">
                 <a:solidFill>
                   <a:schemeClr val="accent1"/>
                 </a:solidFill>
@@ -6307,16 +6463,16 @@
                 <a:sym typeface="Calibri"/>
               </a:defRPr>
             </a:lvl4pPr>
-            <a:lvl5pPr lvl="4" marR="0" rtl="0" algn="ctr">
-              <a:spcBef>
-                <a:spcPts val="0"/>
-              </a:spcBef>
-              <a:spcAft>
-                <a:spcPts val="0"/>
-              </a:spcAft>
-              <a:buSzPts val="1400"/>
-              <a:buNone/>
-              <a:defRPr b="0" i="0" sz="4600" u="none" cap="none" strike="noStrike">
+            <a:lvl5pPr marR="0" lvl="4" algn="ctr" rtl="0">
+              <a:spcBef>
+                <a:spcPts val="0"/>
+              </a:spcBef>
+              <a:spcAft>
+                <a:spcPts val="0"/>
+              </a:spcAft>
+              <a:buSzPts val="1400"/>
+              <a:buNone/>
+              <a:defRPr sz="4600" b="0" i="0" u="none" strike="noStrike" cap="none">
                 <a:solidFill>
                   <a:schemeClr val="accent1"/>
                 </a:solidFill>
@@ -6326,16 +6482,16 @@
                 <a:sym typeface="Calibri"/>
               </a:defRPr>
             </a:lvl5pPr>
-            <a:lvl6pPr lvl="5" marR="0" rtl="0" algn="ctr">
-              <a:spcBef>
-                <a:spcPts val="0"/>
-              </a:spcBef>
-              <a:spcAft>
-                <a:spcPts val="0"/>
-              </a:spcAft>
-              <a:buSzPts val="1400"/>
-              <a:buNone/>
-              <a:defRPr b="0" i="0" sz="4600" u="none" cap="none" strike="noStrike">
+            <a:lvl6pPr marR="0" lvl="5" algn="ctr" rtl="0">
+              <a:spcBef>
+                <a:spcPts val="0"/>
+              </a:spcBef>
+              <a:spcAft>
+                <a:spcPts val="0"/>
+              </a:spcAft>
+              <a:buSzPts val="1400"/>
+              <a:buNone/>
+              <a:defRPr sz="4600" b="0" i="0" u="none" strike="noStrike" cap="none">
                 <a:solidFill>
                   <a:schemeClr val="accent1"/>
                 </a:solidFill>
@@ -6345,16 +6501,16 @@
                 <a:sym typeface="Calibri"/>
               </a:defRPr>
             </a:lvl6pPr>
-            <a:lvl7pPr lvl="6" marR="0" rtl="0" algn="ctr">
-              <a:spcBef>
-                <a:spcPts val="0"/>
-              </a:spcBef>
-              <a:spcAft>
-                <a:spcPts val="0"/>
-              </a:spcAft>
-              <a:buSzPts val="1400"/>
-              <a:buNone/>
-              <a:defRPr b="0" i="0" sz="4600" u="none" cap="none" strike="noStrike">
+            <a:lvl7pPr marR="0" lvl="6" algn="ctr" rtl="0">
+              <a:spcBef>
+                <a:spcPts val="0"/>
+              </a:spcBef>
+              <a:spcAft>
+                <a:spcPts val="0"/>
+              </a:spcAft>
+              <a:buSzPts val="1400"/>
+              <a:buNone/>
+              <a:defRPr sz="4600" b="0" i="0" u="none" strike="noStrike" cap="none">
                 <a:solidFill>
                   <a:schemeClr val="accent1"/>
                 </a:solidFill>
@@ -6364,16 +6520,16 @@
                 <a:sym typeface="Calibri"/>
               </a:defRPr>
             </a:lvl7pPr>
-            <a:lvl8pPr lvl="7" marR="0" rtl="0" algn="ctr">
-              <a:spcBef>
-                <a:spcPts val="0"/>
-              </a:spcBef>
-              <a:spcAft>
-                <a:spcPts val="0"/>
-              </a:spcAft>
-              <a:buSzPts val="1400"/>
-              <a:buNone/>
-              <a:defRPr b="0" i="0" sz="4600" u="none" cap="none" strike="noStrike">
+            <a:lvl8pPr marR="0" lvl="7" algn="ctr" rtl="0">
+              <a:spcBef>
+                <a:spcPts val="0"/>
+              </a:spcBef>
+              <a:spcAft>
+                <a:spcPts val="0"/>
+              </a:spcAft>
+              <a:buSzPts val="1400"/>
+              <a:buNone/>
+              <a:defRPr sz="4600" b="0" i="0" u="none" strike="noStrike" cap="none">
                 <a:solidFill>
                   <a:schemeClr val="accent1"/>
                 </a:solidFill>
@@ -6383,16 +6539,16 @@
                 <a:sym typeface="Calibri"/>
               </a:defRPr>
             </a:lvl8pPr>
-            <a:lvl9pPr lvl="8" marR="0" rtl="0" algn="ctr">
-              <a:spcBef>
-                <a:spcPts val="0"/>
-              </a:spcBef>
-              <a:spcAft>
-                <a:spcPts val="0"/>
-              </a:spcAft>
-              <a:buSzPts val="1400"/>
-              <a:buNone/>
-              <a:defRPr b="0" i="0" sz="4600" u="none" cap="none" strike="noStrike">
+            <a:lvl9pPr marR="0" lvl="8" algn="ctr" rtl="0">
+              <a:spcBef>
+                <a:spcPts val="0"/>
+              </a:spcBef>
+              <a:spcAft>
+                <a:spcPts val="0"/>
+              </a:spcAft>
+              <a:buSzPts val="1400"/>
+              <a:buNone/>
+              <a:defRPr sz="4600" b="0" i="0" u="none" strike="noStrike" cap="none">
                 <a:solidFill>
                   <a:schemeClr val="accent1"/>
                 </a:solidFill>
@@ -6403,15 +6559,19 @@
               </a:defRPr>
             </a:lvl9pPr>
           </a:lstStyle>
-          <a:p/>
+          <a:p>
+            <a:endParaRPr/>
+          </a:p>
         </p:txBody>
       </p:sp>
       <p:sp>
         <p:nvSpPr>
           <p:cNvPr id="11" name="Google Shape;11;p1"/>
-          <p:cNvSpPr txBox="1"/>
+          <p:cNvSpPr txBox="1">
+            <a:spLocks noGrp="1"/>
+          </p:cNvSpPr>
           <p:nvPr>
-            <p:ph idx="1" type="body"/>
+            <p:ph type="body" idx="1"/>
           </p:nvPr>
         </p:nvSpPr>
         <p:spPr>
@@ -6428,9 +6588,9 @@
           </a:ln>
         </p:spPr>
         <p:txBody>
-          <a:bodyPr anchorCtr="0" anchor="t" bIns="45700" lIns="91425" spcFirstLastPara="1" rIns="91425" wrap="square" tIns="45700"/>
+          <a:bodyPr spcFirstLastPara="1" wrap="square" lIns="91425" tIns="45700" rIns="91425" bIns="45700" anchor="t" anchorCtr="0"/>
           <a:lstStyle>
-            <a:lvl1pPr indent="-396240" lvl="0" marL="457200" marR="0" rtl="0" algn="l">
+            <a:lvl1pPr marL="457200" marR="0" lvl="0" indent="-396240" algn="l" rtl="0">
               <a:spcBef>
                 <a:spcPts val="2000"/>
               </a:spcBef>
@@ -6443,7 +6603,7 @@
               <a:buSzPts val="2640"/>
               <a:buFont typeface="Noto Sans Symbols"/>
               <a:buChar char="⚫"/>
-              <a:defRPr b="0" i="0" sz="2400" u="none" cap="none" strike="noStrike">
+              <a:defRPr sz="2400" b="0" i="0" u="none" strike="noStrike" cap="none">
                 <a:solidFill>
                   <a:srgbClr val="595959"/>
                 </a:solidFill>
@@ -6453,7 +6613,7 @@
                 <a:sym typeface="Calibri"/>
               </a:defRPr>
             </a:lvl1pPr>
-            <a:lvl2pPr indent="-382269" lvl="1" marL="914400" marR="0" rtl="0" algn="l">
+            <a:lvl2pPr marL="914400" marR="0" lvl="1" indent="-382269" algn="l" rtl="0">
               <a:spcBef>
                 <a:spcPts val="600"/>
               </a:spcBef>
@@ -6466,7 +6626,7 @@
               <a:buSzPts val="2420"/>
               <a:buFont typeface="Noto Sans Symbols"/>
               <a:buChar char="⚫"/>
-              <a:defRPr b="0" i="0" sz="2200" u="none" cap="none" strike="noStrike">
+              <a:defRPr sz="2200" b="0" i="0" u="none" strike="noStrike" cap="none">
                 <a:solidFill>
                   <a:srgbClr val="595959"/>
                 </a:solidFill>
@@ -6476,7 +6636,7 @@
                 <a:sym typeface="Calibri"/>
               </a:defRPr>
             </a:lvl2pPr>
-            <a:lvl3pPr indent="-368300" lvl="2" marL="1371600" marR="0" rtl="0" algn="l">
+            <a:lvl3pPr marL="1371600" marR="0" lvl="2" indent="-368300" algn="l" rtl="0">
               <a:spcBef>
                 <a:spcPts val="600"/>
               </a:spcBef>
@@ -6489,7 +6649,7 @@
               <a:buSzPts val="2200"/>
               <a:buFont typeface="Noto Sans Symbols"/>
               <a:buChar char="⚫"/>
-              <a:defRPr b="0" i="0" sz="2000" u="none" cap="none" strike="noStrike">
+              <a:defRPr sz="2000" b="0" i="0" u="none" strike="noStrike" cap="none">
                 <a:solidFill>
                   <a:srgbClr val="595959"/>
                 </a:solidFill>
@@ -6499,7 +6659,7 @@
                 <a:sym typeface="Calibri"/>
               </a:defRPr>
             </a:lvl3pPr>
-            <a:lvl4pPr indent="-354330" lvl="3" marL="1828800" marR="0" rtl="0" algn="l">
+            <a:lvl4pPr marL="1828800" marR="0" lvl="3" indent="-354330" algn="l" rtl="0">
               <a:spcBef>
                 <a:spcPts val="600"/>
               </a:spcBef>
@@ -6512,7 +6672,7 @@
               <a:buSzPts val="1980"/>
               <a:buFont typeface="Noto Sans Symbols"/>
               <a:buChar char="⚫"/>
-              <a:defRPr b="0" i="0" sz="1800" u="none" cap="none" strike="noStrike">
+              <a:defRPr sz="1800" b="0" i="0" u="none" strike="noStrike" cap="none">
                 <a:solidFill>
                   <a:srgbClr val="595959"/>
                 </a:solidFill>
@@ -6522,7 +6682,7 @@
                 <a:sym typeface="Calibri"/>
               </a:defRPr>
             </a:lvl4pPr>
-            <a:lvl5pPr indent="-354329" lvl="4" marL="2286000" marR="0" rtl="0" algn="l">
+            <a:lvl5pPr marL="2286000" marR="0" lvl="4" indent="-354329" algn="l" rtl="0">
               <a:spcBef>
                 <a:spcPts val="600"/>
               </a:spcBef>
@@ -6535,7 +6695,7 @@
               <a:buSzPts val="1980"/>
               <a:buFont typeface="Noto Sans Symbols"/>
               <a:buChar char="⚫"/>
-              <a:defRPr b="0" i="0" sz="1800" u="none" cap="none" strike="noStrike">
+              <a:defRPr sz="1800" b="0" i="0" u="none" strike="noStrike" cap="none">
                 <a:solidFill>
                   <a:srgbClr val="595959"/>
                 </a:solidFill>
@@ -6545,7 +6705,7 @@
                 <a:sym typeface="Calibri"/>
               </a:defRPr>
             </a:lvl5pPr>
-            <a:lvl6pPr indent="-354329" lvl="5" marL="2743200" marR="0" rtl="0" algn="l">
+            <a:lvl6pPr marL="2743200" marR="0" lvl="5" indent="-354329" algn="l" rtl="0">
               <a:spcBef>
                 <a:spcPts val="360"/>
               </a:spcBef>
@@ -6558,7 +6718,7 @@
               <a:buSzPts val="1980"/>
               <a:buFont typeface="Noto Sans Symbols"/>
               <a:buChar char="⚫"/>
-              <a:defRPr b="0" i="0" sz="1800" u="none" cap="none" strike="noStrike">
+              <a:defRPr sz="1800" b="0" i="0" u="none" strike="noStrike" cap="none">
                 <a:solidFill>
                   <a:srgbClr val="595959"/>
                 </a:solidFill>
@@ -6568,7 +6728,7 @@
                 <a:sym typeface="Calibri"/>
               </a:defRPr>
             </a:lvl6pPr>
-            <a:lvl7pPr indent="-354329" lvl="6" marL="3200400" marR="0" rtl="0" algn="l">
+            <a:lvl7pPr marL="3200400" marR="0" lvl="6" indent="-354329" algn="l" rtl="0">
               <a:spcBef>
                 <a:spcPts val="360"/>
               </a:spcBef>
@@ -6581,7 +6741,7 @@
               <a:buSzPts val="1980"/>
               <a:buFont typeface="Noto Sans Symbols"/>
               <a:buChar char="⚫"/>
-              <a:defRPr b="0" i="0" sz="1800" u="none" cap="none" strike="noStrike">
+              <a:defRPr sz="1800" b="0" i="0" u="none" strike="noStrike" cap="none">
                 <a:solidFill>
                   <a:srgbClr val="595959"/>
                 </a:solidFill>
@@ -6591,7 +6751,7 @@
                 <a:sym typeface="Calibri"/>
               </a:defRPr>
             </a:lvl7pPr>
-            <a:lvl8pPr indent="-354329" lvl="7" marL="3657600" marR="0" rtl="0" algn="l">
+            <a:lvl8pPr marL="3657600" marR="0" lvl="7" indent="-354329" algn="l" rtl="0">
               <a:spcBef>
                 <a:spcPts val="360"/>
               </a:spcBef>
@@ -6604,7 +6764,7 @@
               <a:buSzPts val="1980"/>
               <a:buFont typeface="Noto Sans Symbols"/>
               <a:buChar char="⚫"/>
-              <a:defRPr b="0" i="0" sz="1800" u="none" cap="none" strike="noStrike">
+              <a:defRPr sz="1800" b="0" i="0" u="none" strike="noStrike" cap="none">
                 <a:solidFill>
                   <a:srgbClr val="595959"/>
                 </a:solidFill>
@@ -6614,7 +6774,7 @@
                 <a:sym typeface="Calibri"/>
               </a:defRPr>
             </a:lvl8pPr>
-            <a:lvl9pPr indent="-354329" lvl="8" marL="4114800" marR="0" rtl="0" algn="l">
+            <a:lvl9pPr marL="4114800" marR="0" lvl="8" indent="-354329" algn="l" rtl="0">
               <a:spcBef>
                 <a:spcPts val="360"/>
               </a:spcBef>
@@ -6627,7 +6787,7 @@
               <a:buSzPts val="1980"/>
               <a:buFont typeface="Noto Sans Symbols"/>
               <a:buChar char="⚫"/>
-              <a:defRPr b="0" i="0" sz="1800" u="none" cap="none" strike="noStrike">
+              <a:defRPr sz="1800" b="0" i="0" u="none" strike="noStrike" cap="none">
                 <a:solidFill>
                   <a:srgbClr val="595959"/>
                 </a:solidFill>
@@ -6638,12 +6798,14 @@
               </a:defRPr>
             </a:lvl9pPr>
           </a:lstStyle>
-          <a:p/>
+          <a:p>
+            <a:endParaRPr/>
+          </a:p>
         </p:txBody>
       </p:sp>
     </p:spTree>
   </p:cSld>
-  <p:clrMap accent1="accent1" accent2="accent2" accent3="accent3" accent4="accent4" accent5="accent5" accent6="accent6" bg1="lt1" bg2="dk2" tx1="dk1" tx2="lt2" folHlink="folHlink" hlink="hlink"/>
+  <p:clrMap bg1="lt1" tx1="dk1" bg2="dk2" tx2="lt2" accent1="accent1" accent2="accent2" accent3="accent3" accent4="accent4" accent5="accent5" accent6="accent6" hlink="hlink" folHlink="folHlink"/>
   <p:sldLayoutIdLst>
     <p:sldLayoutId id="2147483648" r:id="rId1"/>
     <p:sldLayoutId id="2147483649" r:id="rId2"/>
@@ -6659,10 +6821,10 @@
     <p:sldLayoutId id="2147483659" r:id="rId12"/>
     <p:sldLayoutId id="2147483660" r:id="rId13"/>
   </p:sldLayoutIdLst>
-  <p:hf dt="0" ftr="0" hdr="0" sldNum="0"/>
+  <p:hf sldNum="0" hdr="0" ftr="0" dt="0"/>
   <p:txStyles>
     <p:titleStyle>
-      <a:defPPr lvl="0" marR="0" rtl="0" algn="l">
+      <a:defPPr marR="0" lvl="0" algn="l" rtl="0">
         <a:lnSpc>
           <a:spcPct val="100000"/>
         </a:lnSpc>
@@ -6673,7 +6835,7 @@
           <a:spcPts val="0"/>
         </a:spcAft>
       </a:defPPr>
-      <a:lvl1pPr lvl="0" marR="0" rtl="0" algn="l">
+      <a:lvl1pPr marR="0" lvl="0" algn="l" rtl="0">
         <a:lnSpc>
           <a:spcPct val="100000"/>
         </a:lnSpc>
@@ -6687,7 +6849,7 @@
           <a:srgbClr val="000000"/>
         </a:buClr>
         <a:buFont typeface="Arial"/>
-        <a:defRPr b="0" i="0" sz="1400" u="none" cap="none" strike="noStrike">
+        <a:defRPr sz="1400" b="0" i="0" u="none" strike="noStrike" cap="none">
           <a:solidFill>
             <a:srgbClr val="000000"/>
           </a:solidFill>
@@ -6697,7 +6859,7 @@
           <a:sym typeface="Arial"/>
         </a:defRPr>
       </a:lvl1pPr>
-      <a:lvl2pPr lvl="1" marR="0" rtl="0" algn="l">
+      <a:lvl2pPr marR="0" lvl="1" algn="l" rtl="0">
         <a:lnSpc>
           <a:spcPct val="100000"/>
         </a:lnSpc>
@@ -6711,7 +6873,7 @@
           <a:srgbClr val="000000"/>
         </a:buClr>
         <a:buFont typeface="Arial"/>
-        <a:defRPr b="0" i="0" sz="1400" u="none" cap="none" strike="noStrike">
+        <a:defRPr sz="1400" b="0" i="0" u="none" strike="noStrike" cap="none">
           <a:solidFill>
             <a:srgbClr val="000000"/>
           </a:solidFill>
@@ -6721,7 +6883,7 @@
           <a:sym typeface="Arial"/>
         </a:defRPr>
       </a:lvl2pPr>
-      <a:lvl3pPr lvl="2" marR="0" rtl="0" algn="l">
+      <a:lvl3pPr marR="0" lvl="2" algn="l" rtl="0">
         <a:lnSpc>
           <a:spcPct val="100000"/>
         </a:lnSpc>
@@ -6735,7 +6897,7 @@
           <a:srgbClr val="000000"/>
         </a:buClr>
         <a:buFont typeface="Arial"/>
-        <a:defRPr b="0" i="0" sz="1400" u="none" cap="none" strike="noStrike">
+        <a:defRPr sz="1400" b="0" i="0" u="none" strike="noStrike" cap="none">
           <a:solidFill>
             <a:srgbClr val="000000"/>
           </a:solidFill>
@@ -6745,7 +6907,7 @@
           <a:sym typeface="Arial"/>
         </a:defRPr>
       </a:lvl3pPr>
-      <a:lvl4pPr lvl="3" marR="0" rtl="0" algn="l">
+      <a:lvl4pPr marR="0" lvl="3" algn="l" rtl="0">
         <a:lnSpc>
           <a:spcPct val="100000"/>
         </a:lnSpc>
@@ -6759,7 +6921,7 @@
           <a:srgbClr val="000000"/>
         </a:buClr>
         <a:buFont typeface="Arial"/>
-        <a:defRPr b="0" i="0" sz="1400" u="none" cap="none" strike="noStrike">
+        <a:defRPr sz="1400" b="0" i="0" u="none" strike="noStrike" cap="none">
           <a:solidFill>
             <a:srgbClr val="000000"/>
           </a:solidFill>
@@ -6769,7 +6931,7 @@
           <a:sym typeface="Arial"/>
         </a:defRPr>
       </a:lvl4pPr>
-      <a:lvl5pPr lvl="4" marR="0" rtl="0" algn="l">
+      <a:lvl5pPr marR="0" lvl="4" algn="l" rtl="0">
         <a:lnSpc>
           <a:spcPct val="100000"/>
         </a:lnSpc>
@@ -6783,7 +6945,7 @@
           <a:srgbClr val="000000"/>
         </a:buClr>
         <a:buFont typeface="Arial"/>
-        <a:defRPr b="0" i="0" sz="1400" u="none" cap="none" strike="noStrike">
+        <a:defRPr sz="1400" b="0" i="0" u="none" strike="noStrike" cap="none">
           <a:solidFill>
             <a:srgbClr val="000000"/>
           </a:solidFill>
@@ -6793,7 +6955,7 @@
           <a:sym typeface="Arial"/>
         </a:defRPr>
       </a:lvl5pPr>
-      <a:lvl6pPr lvl="5" marR="0" rtl="0" algn="l">
+      <a:lvl6pPr marR="0" lvl="5" algn="l" rtl="0">
         <a:lnSpc>
           <a:spcPct val="100000"/>
         </a:lnSpc>
@@ -6807,7 +6969,7 @@
           <a:srgbClr val="000000"/>
         </a:buClr>
         <a:buFont typeface="Arial"/>
-        <a:defRPr b="0" i="0" sz="1400" u="none" cap="none" strike="noStrike">
+        <a:defRPr sz="1400" b="0" i="0" u="none" strike="noStrike" cap="none">
           <a:solidFill>
             <a:srgbClr val="000000"/>
           </a:solidFill>
@@ -6817,7 +6979,7 @@
           <a:sym typeface="Arial"/>
         </a:defRPr>
       </a:lvl6pPr>
-      <a:lvl7pPr lvl="6" marR="0" rtl="0" algn="l">
+      <a:lvl7pPr marR="0" lvl="6" algn="l" rtl="0">
         <a:lnSpc>
           <a:spcPct val="100000"/>
         </a:lnSpc>
@@ -6831,7 +6993,7 @@
           <a:srgbClr val="000000"/>
         </a:buClr>
         <a:buFont typeface="Arial"/>
-        <a:defRPr b="0" i="0" sz="1400" u="none" cap="none" strike="noStrike">
+        <a:defRPr sz="1400" b="0" i="0" u="none" strike="noStrike" cap="none">
           <a:solidFill>
             <a:srgbClr val="000000"/>
           </a:solidFill>
@@ -6841,7 +7003,7 @@
           <a:sym typeface="Arial"/>
         </a:defRPr>
       </a:lvl7pPr>
-      <a:lvl8pPr lvl="7" marR="0" rtl="0" algn="l">
+      <a:lvl8pPr marR="0" lvl="7" algn="l" rtl="0">
         <a:lnSpc>
           <a:spcPct val="100000"/>
         </a:lnSpc>
@@ -6855,7 +7017,7 @@
           <a:srgbClr val="000000"/>
         </a:buClr>
         <a:buFont typeface="Arial"/>
-        <a:defRPr b="0" i="0" sz="1400" u="none" cap="none" strike="noStrike">
+        <a:defRPr sz="1400" b="0" i="0" u="none" strike="noStrike" cap="none">
           <a:solidFill>
             <a:srgbClr val="000000"/>
           </a:solidFill>
@@ -6865,7 +7027,7 @@
           <a:sym typeface="Arial"/>
         </a:defRPr>
       </a:lvl8pPr>
-      <a:lvl9pPr lvl="8" marR="0" rtl="0" algn="l">
+      <a:lvl9pPr marR="0" lvl="8" algn="l" rtl="0">
         <a:lnSpc>
           <a:spcPct val="100000"/>
         </a:lnSpc>
@@ -6879,7 +7041,7 @@
           <a:srgbClr val="000000"/>
         </a:buClr>
         <a:buFont typeface="Arial"/>
-        <a:defRPr b="0" i="0" sz="1400" u="none" cap="none" strike="noStrike">
+        <a:defRPr sz="1400" b="0" i="0" u="none" strike="noStrike" cap="none">
           <a:solidFill>
             <a:srgbClr val="000000"/>
           </a:solidFill>
@@ -6891,7 +7053,7 @@
       </a:lvl9pPr>
     </p:titleStyle>
     <p:bodyStyle>
-      <a:defPPr lvl="0" marR="0" rtl="0" algn="l">
+      <a:defPPr marR="0" lvl="0" algn="l" rtl="0">
         <a:lnSpc>
           <a:spcPct val="100000"/>
         </a:lnSpc>
@@ -6902,7 +7064,7 @@
           <a:spcPts val="0"/>
         </a:spcAft>
       </a:defPPr>
-      <a:lvl1pPr lvl="0" marR="0" rtl="0" algn="l">
+      <a:lvl1pPr marR="0" lvl="0" algn="l" rtl="0">
         <a:lnSpc>
           <a:spcPct val="100000"/>
         </a:lnSpc>
@@ -6916,7 +7078,7 @@
           <a:srgbClr val="000000"/>
         </a:buClr>
         <a:buFont typeface="Arial"/>
-        <a:defRPr b="0" i="0" sz="1400" u="none" cap="none" strike="noStrike">
+        <a:defRPr sz="1400" b="0" i="0" u="none" strike="noStrike" cap="none">
           <a:solidFill>
             <a:srgbClr val="000000"/>
           </a:solidFill>
@@ -6926,7 +7088,7 @@
           <a:sym typeface="Arial"/>
         </a:defRPr>
       </a:lvl1pPr>
-      <a:lvl2pPr lvl="1" marR="0" rtl="0" algn="l">
+      <a:lvl2pPr marR="0" lvl="1" algn="l" rtl="0">
         <a:lnSpc>
           <a:spcPct val="100000"/>
         </a:lnSpc>
@@ -6940,7 +7102,7 @@
           <a:srgbClr val="000000"/>
         </a:buClr>
         <a:buFont typeface="Arial"/>
-        <a:defRPr b="0" i="0" sz="1400" u="none" cap="none" strike="noStrike">
+        <a:defRPr sz="1400" b="0" i="0" u="none" strike="noStrike" cap="none">
           <a:solidFill>
             <a:srgbClr val="000000"/>
           </a:solidFill>
@@ -6950,7 +7112,7 @@
           <a:sym typeface="Arial"/>
         </a:defRPr>
       </a:lvl2pPr>
-      <a:lvl3pPr lvl="2" marR="0" rtl="0" algn="l">
+      <a:lvl3pPr marR="0" lvl="2" algn="l" rtl="0">
         <a:lnSpc>
           <a:spcPct val="100000"/>
         </a:lnSpc>
@@ -6964,7 +7126,7 @@
           <a:srgbClr val="000000"/>
         </a:buClr>
         <a:buFont typeface="Arial"/>
-        <a:defRPr b="0" i="0" sz="1400" u="none" cap="none" strike="noStrike">
+        <a:defRPr sz="1400" b="0" i="0" u="none" strike="noStrike" cap="none">
           <a:solidFill>
             <a:srgbClr val="000000"/>
           </a:solidFill>
@@ -6974,7 +7136,7 @@
           <a:sym typeface="Arial"/>
         </a:defRPr>
       </a:lvl3pPr>
-      <a:lvl4pPr lvl="3" marR="0" rtl="0" algn="l">
+      <a:lvl4pPr marR="0" lvl="3" algn="l" rtl="0">
         <a:lnSpc>
           <a:spcPct val="100000"/>
         </a:lnSpc>
@@ -6988,7 +7150,7 @@
           <a:srgbClr val="000000"/>
         </a:buClr>
         <a:buFont typeface="Arial"/>
-        <a:defRPr b="0" i="0" sz="1400" u="none" cap="none" strike="noStrike">
+        <a:defRPr sz="1400" b="0" i="0" u="none" strike="noStrike" cap="none">
           <a:solidFill>
             <a:srgbClr val="000000"/>
           </a:solidFill>
@@ -6998,7 +7160,7 @@
           <a:sym typeface="Arial"/>
         </a:defRPr>
       </a:lvl4pPr>
-      <a:lvl5pPr lvl="4" marR="0" rtl="0" algn="l">
+      <a:lvl5pPr marR="0" lvl="4" algn="l" rtl="0">
         <a:lnSpc>
           <a:spcPct val="100000"/>
         </a:lnSpc>
@@ -7012,7 +7174,7 @@
           <a:srgbClr val="000000"/>
         </a:buClr>
         <a:buFont typeface="Arial"/>
-        <a:defRPr b="0" i="0" sz="1400" u="none" cap="none" strike="noStrike">
+        <a:defRPr sz="1400" b="0" i="0" u="none" strike="noStrike" cap="none">
           <a:solidFill>
             <a:srgbClr val="000000"/>
           </a:solidFill>
@@ -7022,7 +7184,7 @@
           <a:sym typeface="Arial"/>
         </a:defRPr>
       </a:lvl5pPr>
-      <a:lvl6pPr lvl="5" marR="0" rtl="0" algn="l">
+      <a:lvl6pPr marR="0" lvl="5" algn="l" rtl="0">
         <a:lnSpc>
           <a:spcPct val="100000"/>
         </a:lnSpc>
@@ -7036,7 +7198,7 @@
           <a:srgbClr val="000000"/>
         </a:buClr>
         <a:buFont typeface="Arial"/>
-        <a:defRPr b="0" i="0" sz="1400" u="none" cap="none" strike="noStrike">
+        <a:defRPr sz="1400" b="0" i="0" u="none" strike="noStrike" cap="none">
           <a:solidFill>
             <a:srgbClr val="000000"/>
           </a:solidFill>
@@ -7046,7 +7208,7 @@
           <a:sym typeface="Arial"/>
         </a:defRPr>
       </a:lvl6pPr>
-      <a:lvl7pPr lvl="6" marR="0" rtl="0" algn="l">
+      <a:lvl7pPr marR="0" lvl="6" algn="l" rtl="0">
         <a:lnSpc>
           <a:spcPct val="100000"/>
         </a:lnSpc>
@@ -7060,7 +7222,7 @@
           <a:srgbClr val="000000"/>
         </a:buClr>
         <a:buFont typeface="Arial"/>
-        <a:defRPr b="0" i="0" sz="1400" u="none" cap="none" strike="noStrike">
+        <a:defRPr sz="1400" b="0" i="0" u="none" strike="noStrike" cap="none">
           <a:solidFill>
             <a:srgbClr val="000000"/>
           </a:solidFill>
@@ -7070,7 +7232,7 @@
           <a:sym typeface="Arial"/>
         </a:defRPr>
       </a:lvl7pPr>
-      <a:lvl8pPr lvl="7" marR="0" rtl="0" algn="l">
+      <a:lvl8pPr marR="0" lvl="7" algn="l" rtl="0">
         <a:lnSpc>
           <a:spcPct val="100000"/>
         </a:lnSpc>
@@ -7084,7 +7246,7 @@
           <a:srgbClr val="000000"/>
         </a:buClr>
         <a:buFont typeface="Arial"/>
-        <a:defRPr b="0" i="0" sz="1400" u="none" cap="none" strike="noStrike">
+        <a:defRPr sz="1400" b="0" i="0" u="none" strike="noStrike" cap="none">
           <a:solidFill>
             <a:srgbClr val="000000"/>
           </a:solidFill>
@@ -7094,7 +7256,7 @@
           <a:sym typeface="Arial"/>
         </a:defRPr>
       </a:lvl8pPr>
-      <a:lvl9pPr lvl="8" marR="0" rtl="0" algn="l">
+      <a:lvl9pPr marR="0" lvl="8" algn="l" rtl="0">
         <a:lnSpc>
           <a:spcPct val="100000"/>
         </a:lnSpc>
@@ -7108,7 +7270,7 @@
           <a:srgbClr val="000000"/>
         </a:buClr>
         <a:buFont typeface="Arial"/>
-        <a:defRPr b="0" i="0" sz="1400" u="none" cap="none" strike="noStrike">
+        <a:defRPr sz="1400" b="0" i="0" u="none" strike="noStrike" cap="none">
           <a:solidFill>
             <a:srgbClr val="000000"/>
           </a:solidFill>
@@ -7120,7 +7282,7 @@
       </a:lvl9pPr>
     </p:bodyStyle>
     <p:otherStyle>
-      <a:defPPr lvl="0" marR="0" rtl="0" algn="l">
+      <a:defPPr marR="0" lvl="0" algn="l" rtl="0">
         <a:lnSpc>
           <a:spcPct val="100000"/>
         </a:lnSpc>
@@ -7131,7 +7293,7 @@
           <a:spcPts val="0"/>
         </a:spcAft>
       </a:defPPr>
-      <a:lvl1pPr lvl="0" marR="0" rtl="0" algn="l">
+      <a:lvl1pPr marR="0" lvl="0" algn="l" rtl="0">
         <a:lnSpc>
           <a:spcPct val="100000"/>
         </a:lnSpc>
@@ -7145,7 +7307,7 @@
           <a:srgbClr val="000000"/>
         </a:buClr>
         <a:buFont typeface="Arial"/>
-        <a:defRPr b="0" i="0" sz="1400" u="none" cap="none" strike="noStrike">
+        <a:defRPr sz="1400" b="0" i="0" u="none" strike="noStrike" cap="none">
           <a:solidFill>
             <a:srgbClr val="000000"/>
           </a:solidFill>
@@ -7155,7 +7317,7 @@
           <a:sym typeface="Arial"/>
         </a:defRPr>
       </a:lvl1pPr>
-      <a:lvl2pPr lvl="1" marR="0" rtl="0" algn="l">
+      <a:lvl2pPr marR="0" lvl="1" algn="l" rtl="0">
         <a:lnSpc>
           <a:spcPct val="100000"/>
         </a:lnSpc>
@@ -7169,7 +7331,7 @@
           <a:srgbClr val="000000"/>
         </a:buClr>
         <a:buFont typeface="Arial"/>
-        <a:defRPr b="0" i="0" sz="1400" u="none" cap="none" strike="noStrike">
+        <a:defRPr sz="1400" b="0" i="0" u="none" strike="noStrike" cap="none">
           <a:solidFill>
             <a:srgbClr val="000000"/>
           </a:solidFill>
@@ -7179,7 +7341,7 @@
           <a:sym typeface="Arial"/>
         </a:defRPr>
       </a:lvl2pPr>
-      <a:lvl3pPr lvl="2" marR="0" rtl="0" algn="l">
+      <a:lvl3pPr marR="0" lvl="2" algn="l" rtl="0">
         <a:lnSpc>
           <a:spcPct val="100000"/>
         </a:lnSpc>
@@ -7193,7 +7355,7 @@
           <a:srgbClr val="000000"/>
         </a:buClr>
         <a:buFont typeface="Arial"/>
-        <a:defRPr b="0" i="0" sz="1400" u="none" cap="none" strike="noStrike">
+        <a:defRPr sz="1400" b="0" i="0" u="none" strike="noStrike" cap="none">
           <a:solidFill>
             <a:srgbClr val="000000"/>
           </a:solidFill>
@@ -7203,7 +7365,7 @@
           <a:sym typeface="Arial"/>
         </a:defRPr>
       </a:lvl3pPr>
-      <a:lvl4pPr lvl="3" marR="0" rtl="0" algn="l">
+      <a:lvl4pPr marR="0" lvl="3" algn="l" rtl="0">
         <a:lnSpc>
           <a:spcPct val="100000"/>
         </a:lnSpc>
@@ -7217,7 +7379,7 @@
           <a:srgbClr val="000000"/>
         </a:buClr>
         <a:buFont typeface="Arial"/>
-        <a:defRPr b="0" i="0" sz="1400" u="none" cap="none" strike="noStrike">
+        <a:defRPr sz="1400" b="0" i="0" u="none" strike="noStrike" cap="none">
           <a:solidFill>
             <a:srgbClr val="000000"/>
           </a:solidFill>
@@ -7227,7 +7389,7 @@
           <a:sym typeface="Arial"/>
         </a:defRPr>
       </a:lvl4pPr>
-      <a:lvl5pPr lvl="4" marR="0" rtl="0" algn="l">
+      <a:lvl5pPr marR="0" lvl="4" algn="l" rtl="0">
         <a:lnSpc>
           <a:spcPct val="100000"/>
         </a:lnSpc>
@@ -7241,7 +7403,7 @@
           <a:srgbClr val="000000"/>
         </a:buClr>
         <a:buFont typeface="Arial"/>
-        <a:defRPr b="0" i="0" sz="1400" u="none" cap="none" strike="noStrike">
+        <a:defRPr sz="1400" b="0" i="0" u="none" strike="noStrike" cap="none">
           <a:solidFill>
             <a:srgbClr val="000000"/>
           </a:solidFill>
@@ -7251,7 +7413,7 @@
           <a:sym typeface="Arial"/>
         </a:defRPr>
       </a:lvl5pPr>
-      <a:lvl6pPr lvl="5" marR="0" rtl="0" algn="l">
+      <a:lvl6pPr marR="0" lvl="5" algn="l" rtl="0">
         <a:lnSpc>
           <a:spcPct val="100000"/>
         </a:lnSpc>
@@ -7265,7 +7427,7 @@
           <a:srgbClr val="000000"/>
         </a:buClr>
         <a:buFont typeface="Arial"/>
-        <a:defRPr b="0" i="0" sz="1400" u="none" cap="none" strike="noStrike">
+        <a:defRPr sz="1400" b="0" i="0" u="none" strike="noStrike" cap="none">
           <a:solidFill>
             <a:srgbClr val="000000"/>
           </a:solidFill>
@@ -7275,7 +7437,7 @@
           <a:sym typeface="Arial"/>
         </a:defRPr>
       </a:lvl6pPr>
-      <a:lvl7pPr lvl="6" marR="0" rtl="0" algn="l">
+      <a:lvl7pPr marR="0" lvl="6" algn="l" rtl="0">
         <a:lnSpc>
           <a:spcPct val="100000"/>
         </a:lnSpc>
@@ -7289,7 +7451,7 @@
           <a:srgbClr val="000000"/>
         </a:buClr>
         <a:buFont typeface="Arial"/>
-        <a:defRPr b="0" i="0" sz="1400" u="none" cap="none" strike="noStrike">
+        <a:defRPr sz="1400" b="0" i="0" u="none" strike="noStrike" cap="none">
           <a:solidFill>
             <a:srgbClr val="000000"/>
           </a:solidFill>
@@ -7299,7 +7461,7 @@
           <a:sym typeface="Arial"/>
         </a:defRPr>
       </a:lvl7pPr>
-      <a:lvl8pPr lvl="7" marR="0" rtl="0" algn="l">
+      <a:lvl8pPr marR="0" lvl="7" algn="l" rtl="0">
         <a:lnSpc>
           <a:spcPct val="100000"/>
         </a:lnSpc>
@@ -7313,7 +7475,7 @@
           <a:srgbClr val="000000"/>
         </a:buClr>
         <a:buFont typeface="Arial"/>
-        <a:defRPr b="0" i="0" sz="1400" u="none" cap="none" strike="noStrike">
+        <a:defRPr sz="1400" b="0" i="0" u="none" strike="noStrike" cap="none">
           <a:solidFill>
             <a:srgbClr val="000000"/>
           </a:solidFill>
@@ -7323,7 +7485,7 @@
           <a:sym typeface="Arial"/>
         </a:defRPr>
       </a:lvl8pPr>
-      <a:lvl9pPr lvl="8" marR="0" rtl="0" algn="l">
+      <a:lvl9pPr marR="0" lvl="8" algn="l" rtl="0">
         <a:lnSpc>
           <a:spcPct val="100000"/>
         </a:lnSpc>
@@ -7337,7 +7499,7 @@
           <a:srgbClr val="000000"/>
         </a:buClr>
         <a:buFont typeface="Arial"/>
-        <a:defRPr b="0" i="0" sz="1400" u="none" cap="none" strike="noStrike">
+        <a:defRPr sz="1400" b="0" i="0" u="none" strike="noStrike" cap="none">
           <a:solidFill>
             <a:srgbClr val="000000"/>
           </a:solidFill>
@@ -7353,11 +7515,11 @@
 </file>
 
 <file path=ppt/slides/slide1.xml><?xml version="1.0" encoding="utf-8"?>
-<p:sld xmlns:a="http://schemas.openxmlformats.org/drawingml/2006/main" xmlns:r="http://schemas.openxmlformats.org/officeDocument/2006/relationships" xmlns:mc="http://schemas.openxmlformats.org/markup-compatibility/2006" xmlns:mv="urn:schemas-microsoft-com:mac:vml" xmlns:p="http://schemas.openxmlformats.org/presentationml/2006/main" xmlns:c="http://schemas.openxmlformats.org/drawingml/2006/chart" xmlns:dgm="http://schemas.openxmlformats.org/drawingml/2006/diagram" xmlns:o="urn:schemas-microsoft-com:office:office" xmlns:v="urn:schemas-microsoft-com:vml" xmlns:pvml="urn:schemas-microsoft-com:office:powerpoint" xmlns:com="http://schemas.openxmlformats.org/drawingml/2006/compatibility" xmlns:p14="http://schemas.microsoft.com/office/powerpoint/2010/main" xmlns:p15="http://schemas.microsoft.com/office/powerpoint/2012/main">
+<p:sld xmlns:a="http://schemas.openxmlformats.org/drawingml/2006/main" xmlns:r="http://schemas.openxmlformats.org/officeDocument/2006/relationships" xmlns:p="http://schemas.openxmlformats.org/presentationml/2006/main">
   <p:cSld>
     <p:spTree>
       <p:nvGrpSpPr>
-        <p:cNvPr id="58" name="Shape 58"/>
+        <p:cNvPr id="1" name="Shape 58"/>
         <p:cNvGrpSpPr/>
         <p:nvPr/>
       </p:nvGrpSpPr>
@@ -7372,7 +7534,9 @@
       <p:sp>
         <p:nvSpPr>
           <p:cNvPr id="59" name="Google Shape;59;p15"/>
-          <p:cNvSpPr txBox="1"/>
+          <p:cNvSpPr txBox="1">
+            <a:spLocks noGrp="1"/>
+          </p:cNvSpPr>
           <p:nvPr>
             <p:ph type="title"/>
           </p:nvPr>
@@ -7391,12 +7555,12 @@
           </a:ln>
         </p:spPr>
         <p:txBody>
-          <a:bodyPr anchorCtr="0" anchor="b" bIns="45700" lIns="91425" spcFirstLastPara="1" rIns="91425" wrap="square" tIns="45700">
+          <a:bodyPr spcFirstLastPara="1" wrap="square" lIns="91425" tIns="45700" rIns="91425" bIns="45700" anchor="b" anchorCtr="0">
             <a:noAutofit/>
           </a:bodyPr>
           <a:lstStyle/>
           <a:p>
-            <a:pPr indent="0" lvl="0" marL="0" rtl="0" algn="ctr">
+            <a:pPr marL="0" lvl="0" indent="0" algn="ctr" rtl="0">
               <a:spcBef>
                 <a:spcPts val="0"/>
               </a:spcBef>
@@ -7433,12 +7597,12 @@
           </a:ln>
         </p:spPr>
         <p:txBody>
-          <a:bodyPr anchorCtr="0" anchor="t" bIns="45700" lIns="91425" spcFirstLastPara="1" rIns="91425" wrap="square" tIns="45700">
+          <a:bodyPr spcFirstLastPara="1" wrap="square" lIns="91425" tIns="45700" rIns="91425" bIns="45700" anchor="t" anchorCtr="0">
             <a:noAutofit/>
           </a:bodyPr>
           <a:lstStyle/>
           <a:p>
-            <a:pPr indent="-336549" lvl="1" marL="685800" marR="0" rtl="0" algn="l">
+            <a:pPr marL="685800" marR="0" lvl="1" indent="-336549" algn="l" rtl="0">
               <a:spcBef>
                 <a:spcPts val="0"/>
               </a:spcBef>
@@ -7453,7 +7617,7 @@
               <a:buChar char="⚫"/>
             </a:pPr>
             <a:r>
-              <a:rPr b="1" i="0" lang="en-US" sz="1800" u="none" cap="none" strike="noStrike">
+              <a:rPr lang="en-US" sz="1800" b="1" i="0" u="none" strike="noStrike" cap="none" dirty="0">
                 <a:solidFill>
                   <a:schemeClr val="dk1"/>
                 </a:solidFill>
@@ -7464,10 +7628,10 @@
               </a:rPr>
               <a:t>What Went Well?</a:t>
             </a:r>
-            <a:endParaRPr/>
+            <a:endParaRPr dirty="0"/>
           </a:p>
           <a:p>
-            <a:pPr indent="-282575" lvl="2" marL="968375" marR="0" rtl="0" algn="l">
+            <a:pPr marL="968375" marR="0" lvl="2" indent="-282575" algn="l" rtl="0">
               <a:spcBef>
                 <a:spcPts val="1200"/>
               </a:spcBef>
@@ -7482,7 +7646,7 @@
               <a:buChar char="⚫"/>
             </a:pPr>
             <a:r>
-              <a:rPr b="0" i="0" lang="en-US" sz="1600" u="none" cap="none" strike="noStrike">
+              <a:rPr lang="en-US" sz="1600" b="0" i="0" u="none" strike="noStrike" cap="none" dirty="0">
                 <a:solidFill>
                   <a:schemeClr val="dk1"/>
                 </a:solidFill>
@@ -7493,16 +7657,13 @@
               </a:rPr>
               <a:t>TEAM – Little to no conflict. Everyone was helpful to each other when answering questions. All able to sync repositories and modify shared project.</a:t>
             </a:r>
-            <a:endParaRPr/>
+            <a:endParaRPr dirty="0"/>
           </a:p>
           <a:p>
-            <a:pPr indent="-282575" lvl="2" marL="968375" marR="0" rtl="0" algn="l">
+            <a:pPr marL="968375" lvl="2" indent="-282575">
               <a:spcBef>
                 <a:spcPts val="1200"/>
               </a:spcBef>
-              <a:spcAft>
-                <a:spcPts val="0"/>
-              </a:spcAft>
               <a:buClr>
                 <a:srgbClr val="B870B8"/>
               </a:buClr>
@@ -7511,7 +7672,7 @@
               <a:buChar char="⚫"/>
             </a:pPr>
             <a:r>
-              <a:rPr b="0" i="0" lang="en-US" sz="1600" u="none" cap="none" strike="noStrike">
+              <a:rPr lang="en-US" sz="1600" dirty="0">
                 <a:solidFill>
                   <a:schemeClr val="dk1"/>
                 </a:solidFill>
@@ -7520,12 +7681,39 @@
                 <a:cs typeface="Calibri"/>
                 <a:sym typeface="Calibri"/>
               </a:rPr>
-              <a:t>Walter –</a:t>
+              <a:t>Walte</a:t>
             </a:r>
-            <a:endParaRPr/>
+            <a:r>
+              <a:rPr lang="en-US" sz="1600" dirty="0">
+                <a:solidFill>
+                  <a:schemeClr val="dk1"/>
+                </a:solidFill>
+                <a:latin typeface="Calibri"/>
+                <a:cs typeface="Calibri"/>
+                <a:sym typeface="Calibri"/>
+              </a:rPr>
+              <a:t>r – </a:t>
+            </a:r>
+            <a:r>
+              <a:rPr lang="en-US" sz="1600" dirty="0">
+                <a:solidFill>
+                  <a:schemeClr val="dk1"/>
+                </a:solidFill>
+                <a:latin typeface="Calibri"/>
+                <a:cs typeface="Calibri"/>
+              </a:rPr>
+              <a:t>Idea input creation </a:t>
+            </a:r>
+            <a:endParaRPr sz="1600" dirty="0">
+              <a:solidFill>
+                <a:schemeClr val="dk1"/>
+              </a:solidFill>
+              <a:latin typeface="Calibri"/>
+              <a:cs typeface="Calibri"/>
+            </a:endParaRPr>
           </a:p>
           <a:p>
-            <a:pPr indent="-282575" lvl="2" marL="968375" marR="0" rtl="0" algn="l">
+            <a:pPr marL="968375" marR="0" lvl="2" indent="-282575" algn="l" rtl="0">
               <a:spcBef>
                 <a:spcPts val="1200"/>
               </a:spcBef>
@@ -7540,7 +7728,7 @@
               <a:buChar char="⚫"/>
             </a:pPr>
             <a:r>
-              <a:rPr b="0" i="0" lang="en-US" sz="1600" u="none" cap="none" strike="noStrike">
+              <a:rPr lang="en-US" sz="1600" b="0" i="0" u="none" strike="noStrike" cap="none" dirty="0">
                 <a:solidFill>
                   <a:schemeClr val="dk1"/>
                 </a:solidFill>
@@ -7552,7 +7740,7 @@
               <a:t>Carter –</a:t>
             </a:r>
             <a:r>
-              <a:rPr lang="en-US" sz="1600">
+              <a:rPr lang="en-US" sz="1600" dirty="0">
                 <a:solidFill>
                   <a:schemeClr val="dk1"/>
                 </a:solidFill>
@@ -7563,10 +7751,10 @@
               </a:rPr>
               <a:t> No conflict while working on project. Everyone worked well as a team and all discussions went smoothly, work was evenly distributed. </a:t>
             </a:r>
-            <a:endParaRPr/>
+            <a:endParaRPr dirty="0"/>
           </a:p>
           <a:p>
-            <a:pPr indent="-282575" lvl="2" marL="968375" marR="0" rtl="0" algn="l">
+            <a:pPr marL="968375" marR="0" lvl="2" indent="-282575" algn="l" rtl="0">
               <a:spcBef>
                 <a:spcPts val="1200"/>
               </a:spcBef>
@@ -7581,7 +7769,7 @@
               <a:buChar char="⚫"/>
             </a:pPr>
             <a:r>
-              <a:rPr b="0" i="0" lang="en-US" sz="1600" u="none" cap="none" strike="noStrike">
+              <a:rPr lang="en-US" sz="1600" b="0" i="0" u="none" strike="noStrike" cap="none" dirty="0">
                 <a:solidFill>
                   <a:schemeClr val="dk1"/>
                 </a:solidFill>
@@ -7592,10 +7780,10 @@
               </a:rPr>
               <a:t>Daniel – Repository organization.</a:t>
             </a:r>
-            <a:endParaRPr/>
+            <a:endParaRPr dirty="0"/>
           </a:p>
           <a:p>
-            <a:pPr indent="-282575" lvl="2" marL="968375" marR="0" rtl="0" algn="l">
+            <a:pPr marL="968375" marR="0" lvl="2" indent="-282575" algn="l" rtl="0">
               <a:spcBef>
                 <a:spcPts val="1200"/>
               </a:spcBef>
@@ -7610,7 +7798,7 @@
               <a:buChar char="⚫"/>
             </a:pPr>
             <a:r>
-              <a:rPr b="0" i="0" lang="en-US" sz="1600" u="none" cap="none" strike="noStrike">
+              <a:rPr lang="en-US" sz="1600" b="0" i="0" u="none" strike="noStrike" cap="none" dirty="0">
                 <a:solidFill>
                   <a:schemeClr val="dk1"/>
                 </a:solidFill>
@@ -7621,10 +7809,10 @@
               </a:rPr>
               <a:t>Elvin – </a:t>
             </a:r>
-            <a:endParaRPr/>
+            <a:endParaRPr dirty="0"/>
           </a:p>
           <a:p>
-            <a:pPr indent="-282575" lvl="2" marL="968375" marR="0" rtl="0" algn="l">
+            <a:pPr marL="968375" marR="0" lvl="2" indent="-282575" algn="l" rtl="0">
               <a:spcBef>
                 <a:spcPts val="1200"/>
               </a:spcBef>
@@ -7639,7 +7827,7 @@
               <a:buChar char="⚫"/>
             </a:pPr>
             <a:r>
-              <a:rPr b="0" i="0" lang="en-US" sz="1600" u="none" cap="none" strike="noStrike">
+              <a:rPr lang="en-US" sz="1600" b="0" i="0" u="none" strike="noStrike" cap="none" dirty="0">
                 <a:solidFill>
                   <a:schemeClr val="dk1"/>
                 </a:solidFill>
@@ -7650,7 +7838,7 @@
               </a:rPr>
               <a:t>Luke - </a:t>
             </a:r>
-            <a:endParaRPr b="0" i="0" sz="1800" u="none" cap="none" strike="noStrike">
+            <a:endParaRPr sz="1800" b="0" i="0" u="none" strike="noStrike" cap="none" dirty="0">
               <a:solidFill>
                 <a:srgbClr val="595959"/>
               </a:solidFill>
@@ -7661,7 +7849,7 @@
             </a:endParaRPr>
           </a:p>
           <a:p>
-            <a:pPr indent="-224790" lvl="1" marL="685800" marR="0" rtl="0" algn="l">
+            <a:pPr marL="685800" marR="0" lvl="1" indent="-224790" algn="l" rtl="0">
               <a:spcBef>
                 <a:spcPts val="1200"/>
               </a:spcBef>
@@ -7675,10 +7863,7 @@
               <a:buFont typeface="Noto Sans Symbols"/>
               <a:buNone/>
             </a:pPr>
-            <a:r>
-              <a:t/>
-            </a:r>
-            <a:endParaRPr b="0" i="0" sz="1600" u="none" cap="none" strike="noStrike">
+            <a:endParaRPr sz="1600" b="0" i="0" u="none" strike="noStrike" cap="none" dirty="0">
               <a:solidFill>
                 <a:srgbClr val="595959"/>
               </a:solidFill>
@@ -7689,7 +7874,7 @@
             </a:endParaRPr>
           </a:p>
           <a:p>
-            <a:pPr indent="-238759" lvl="1" marL="685800" marR="0" rtl="0" algn="l">
+            <a:pPr marL="685800" marR="0" lvl="1" indent="-238759" algn="l" rtl="0">
               <a:spcBef>
                 <a:spcPts val="1200"/>
               </a:spcBef>
@@ -7703,10 +7888,7 @@
               <a:buFont typeface="Noto Sans Symbols"/>
               <a:buNone/>
             </a:pPr>
-            <a:r>
-              <a:t/>
-            </a:r>
-            <a:endParaRPr b="0" i="0" sz="1400" u="none" cap="none" strike="noStrike">
+            <a:endParaRPr sz="1400" b="0" i="0" u="none" strike="noStrike" cap="none" dirty="0">
               <a:solidFill>
                 <a:srgbClr val="595959"/>
               </a:solidFill>
@@ -7717,7 +7899,7 @@
             </a:endParaRPr>
           </a:p>
           <a:p>
-            <a:pPr indent="-142875" lvl="2" marL="968375" marR="0" rtl="0" algn="l">
+            <a:pPr marL="968375" marR="0" lvl="2" indent="-142875" algn="l" rtl="0">
               <a:spcBef>
                 <a:spcPts val="1200"/>
               </a:spcBef>
@@ -7731,10 +7913,7 @@
               <a:buFont typeface="Noto Sans Symbols"/>
               <a:buNone/>
             </a:pPr>
-            <a:r>
-              <a:t/>
-            </a:r>
-            <a:endParaRPr b="0" i="0" sz="2000" u="none" cap="none" strike="noStrike">
+            <a:endParaRPr sz="2000" b="0" i="0" u="none" strike="noStrike" cap="none" dirty="0">
               <a:solidFill>
                 <a:srgbClr val="595959"/>
               </a:solidFill>
@@ -7745,7 +7924,7 @@
             </a:endParaRPr>
           </a:p>
           <a:p>
-            <a:pPr indent="-265430" lvl="0" marL="349250" marR="0" rtl="0" algn="l">
+            <a:pPr marL="349250" marR="0" lvl="0" indent="-265430" algn="l" rtl="0">
               <a:spcBef>
                 <a:spcPts val="1200"/>
               </a:spcBef>
@@ -7759,10 +7938,7 @@
               <a:buFont typeface="Noto Sans Symbols"/>
               <a:buNone/>
             </a:pPr>
-            <a:r>
-              <a:t/>
-            </a:r>
-            <a:endParaRPr b="0" i="0" sz="1200" u="none" cap="none" strike="noStrike">
+            <a:endParaRPr sz="1200" b="0" i="0" u="none" strike="noStrike" cap="none" dirty="0">
               <a:solidFill>
                 <a:srgbClr val="595959"/>
               </a:solidFill>
@@ -7783,11 +7959,11 @@
 </file>
 
 <file path=ppt/slides/slide2.xml><?xml version="1.0" encoding="utf-8"?>
-<p:sld xmlns:a="http://schemas.openxmlformats.org/drawingml/2006/main" xmlns:r="http://schemas.openxmlformats.org/officeDocument/2006/relationships" xmlns:mc="http://schemas.openxmlformats.org/markup-compatibility/2006" xmlns:mv="urn:schemas-microsoft-com:mac:vml" xmlns:p="http://schemas.openxmlformats.org/presentationml/2006/main" xmlns:c="http://schemas.openxmlformats.org/drawingml/2006/chart" xmlns:dgm="http://schemas.openxmlformats.org/drawingml/2006/diagram" xmlns:o="urn:schemas-microsoft-com:office:office" xmlns:v="urn:schemas-microsoft-com:vml" xmlns:pvml="urn:schemas-microsoft-com:office:powerpoint" xmlns:com="http://schemas.openxmlformats.org/drawingml/2006/compatibility" xmlns:p14="http://schemas.microsoft.com/office/powerpoint/2010/main" xmlns:p15="http://schemas.microsoft.com/office/powerpoint/2012/main">
+<p:sld xmlns:a="http://schemas.openxmlformats.org/drawingml/2006/main" xmlns:r="http://schemas.openxmlformats.org/officeDocument/2006/relationships" xmlns:p="http://schemas.openxmlformats.org/presentationml/2006/main">
   <p:cSld>
     <p:spTree>
       <p:nvGrpSpPr>
-        <p:cNvPr id="64" name="Shape 64"/>
+        <p:cNvPr id="1" name="Shape 64"/>
         <p:cNvGrpSpPr/>
         <p:nvPr/>
       </p:nvGrpSpPr>
@@ -7802,7 +7978,9 @@
       <p:sp>
         <p:nvSpPr>
           <p:cNvPr id="65" name="Google Shape;65;p16"/>
-          <p:cNvSpPr txBox="1"/>
+          <p:cNvSpPr txBox="1">
+            <a:spLocks noGrp="1"/>
+          </p:cNvSpPr>
           <p:nvPr>
             <p:ph type="title"/>
           </p:nvPr>
@@ -7821,12 +7999,12 @@
           </a:ln>
         </p:spPr>
         <p:txBody>
-          <a:bodyPr anchorCtr="0" anchor="b" bIns="45700" lIns="91425" spcFirstLastPara="1" rIns="91425" wrap="square" tIns="45700">
+          <a:bodyPr spcFirstLastPara="1" wrap="square" lIns="91425" tIns="45700" rIns="91425" bIns="45700" anchor="b" anchorCtr="0">
             <a:noAutofit/>
           </a:bodyPr>
           <a:lstStyle/>
           <a:p>
-            <a:pPr indent="0" lvl="0" marL="0" rtl="0" algn="ctr">
+            <a:pPr marL="0" lvl="0" indent="0" algn="ctr" rtl="0">
               <a:spcBef>
                 <a:spcPts val="0"/>
               </a:spcBef>
@@ -7846,9 +8024,11 @@
       <p:sp>
         <p:nvSpPr>
           <p:cNvPr id="66" name="Google Shape;66;p16"/>
-          <p:cNvSpPr txBox="1"/>
+          <p:cNvSpPr txBox="1">
+            <a:spLocks noGrp="1"/>
+          </p:cNvSpPr>
           <p:nvPr>
-            <p:ph idx="1" type="body"/>
+            <p:ph type="body" idx="1"/>
           </p:nvPr>
         </p:nvSpPr>
         <p:spPr>
@@ -7865,12 +8045,12 @@
           </a:ln>
         </p:spPr>
         <p:txBody>
-          <a:bodyPr anchorCtr="0" anchor="t" bIns="45700" lIns="91425" spcFirstLastPara="1" rIns="91425" wrap="square" tIns="45700">
+          <a:bodyPr spcFirstLastPara="1" wrap="square" lIns="91425" tIns="45700" rIns="91425" bIns="45700" anchor="t" anchorCtr="0">
             <a:noAutofit/>
           </a:bodyPr>
           <a:lstStyle/>
           <a:p>
-            <a:pPr indent="-336549" lvl="1" marL="685800" rtl="0" algn="l">
+            <a:pPr marL="685800" lvl="1" indent="-336549" algn="l" rtl="0">
               <a:spcBef>
                 <a:spcPts val="0"/>
               </a:spcBef>
@@ -7881,17 +8061,17 @@
               <a:buChar char="⚫"/>
             </a:pPr>
             <a:r>
-              <a:rPr b="1" lang="en-US" sz="1800">
+              <a:rPr lang="en-US" sz="1800" b="1" dirty="0">
                 <a:solidFill>
                   <a:schemeClr val="dk1"/>
                 </a:solidFill>
               </a:rPr>
               <a:t>What Might Be Impeding Us from Performing Better?</a:t>
             </a:r>
-            <a:endParaRPr/>
+            <a:endParaRPr dirty="0"/>
           </a:p>
           <a:p>
-            <a:pPr indent="-282575" lvl="2" marL="968375" rtl="0" algn="l">
+            <a:pPr marL="968375" lvl="2" indent="-282575" algn="l" rtl="0">
               <a:spcBef>
                 <a:spcPts val="1200"/>
               </a:spcBef>
@@ -7902,17 +8082,17 @@
               <a:buChar char="⚫"/>
             </a:pPr>
             <a:r>
-              <a:rPr lang="en-US" sz="1800">
+              <a:rPr lang="en-US" sz="1800" dirty="0">
                 <a:solidFill>
                   <a:schemeClr val="dk1"/>
                 </a:solidFill>
               </a:rPr>
-              <a:t>Learning new tools/languages/frameworks so that everyone has an equal understanding of the project.</a:t>
+              <a:t> Learning new tools/languages/frameworks so that everyone has an equal understanding of the project.</a:t>
             </a:r>
-            <a:endParaRPr/>
+            <a:endParaRPr dirty="0"/>
           </a:p>
           <a:p>
-            <a:pPr indent="-282575" lvl="2" marL="968375" rtl="0" algn="l">
+            <a:pPr marL="968375" lvl="2" indent="-282575" algn="l" rtl="0">
               <a:spcBef>
                 <a:spcPts val="1200"/>
               </a:spcBef>
@@ -7923,38 +8103,66 @@
               <a:buChar char="⚫"/>
             </a:pPr>
             <a:r>
-              <a:rPr lang="en-US" sz="1800">
+              <a:rPr lang="en-US" sz="1800" dirty="0">
                 <a:solidFill>
                   <a:schemeClr val="dk1"/>
                 </a:solidFill>
               </a:rPr>
-              <a:t>Learning how to create “real time” updates for the multiplayer aspect with multiple users. Will require more research. </a:t>
+              <a:t> Learning how to create “real time” updates for the multiplayer aspect with multiple users. Will require more research. </a:t>
             </a:r>
-            <a:endParaRPr/>
+            <a:endParaRPr dirty="0"/>
           </a:p>
           <a:p>
-            <a:pPr indent="-282575" lvl="2" marL="968375" rtl="0" algn="l">
+            <a:pPr marL="968375" lvl="2" indent="-282575">
               <a:spcBef>
                 <a:spcPts val="1200"/>
               </a:spcBef>
-              <a:spcAft>
-                <a:spcPts val="0"/>
-              </a:spcAft>
-              <a:buSzPts val="1980"/>
-              <a:buChar char="⚫"/>
             </a:pPr>
             <a:r>
-              <a:rPr lang="en-US" sz="1800">
+              <a:rPr lang="en-US" sz="1800" dirty="0">
+                <a:solidFill>
+                  <a:schemeClr val="dk1"/>
+                </a:solidFill>
+              </a:rPr>
+              <a:t> Time management, underestimating how much time it takes to complete a task.</a:t>
+            </a:r>
+          </a:p>
+          <a:p>
+            <a:pPr marL="968375" lvl="2" indent="-282575" algn="l" rtl="0">
+              <a:spcBef>
+                <a:spcPts val="1200"/>
+              </a:spcBef>
+              <a:spcAft>
+                <a:spcPts val="0"/>
+              </a:spcAft>
+              <a:buSzPts val="1980"/>
+              <a:buChar char="⚫"/>
+            </a:pPr>
+            <a:endParaRPr dirty="0"/>
+          </a:p>
+          <a:p>
+            <a:pPr marL="968375" lvl="2" indent="-282575" algn="l" rtl="0">
+              <a:spcBef>
+                <a:spcPts val="1200"/>
+              </a:spcBef>
+              <a:spcAft>
+                <a:spcPts val="0"/>
+              </a:spcAft>
+              <a:buSzPts val="1980"/>
+              <a:buChar char="⚫"/>
+            </a:pPr>
+            <a:r>
+              <a:rPr lang="en-US" sz="1800" dirty="0">
                 <a:solidFill>
                   <a:schemeClr val="dk1"/>
                 </a:solidFill>
               </a:rPr>
               <a:t>.</a:t>
             </a:r>
-            <a:endParaRPr/>
+            <a:endParaRPr dirty="0"/>
           </a:p>
           <a:p>
-            <a:pPr indent="-282575" lvl="2" marL="968375" rtl="0" algn="l">
+            <a:pPr marL="968375" lvl="2" indent="-156844" algn="l" rtl="0">
               <a:spcBef>
                 <a:spcPts val="1200"/>
               </a:spcBef>
@@ -7962,40 +8170,16 @@
                 <a:spcPts val="0"/>
               </a:spcAft>
               <a:buSzPts val="1980"/>
-              <a:buChar char="⚫"/>
+              <a:buNone/>
             </a:pPr>
-            <a:r>
-              <a:rPr lang="en-US" sz="1800">
-                <a:solidFill>
-                  <a:schemeClr val="dk1"/>
-                </a:solidFill>
-              </a:rPr>
-              <a:t>.</a:t>
-            </a:r>
-            <a:endParaRPr/>
-          </a:p>
-          <a:p>
-            <a:pPr indent="-156844" lvl="2" marL="968375" rtl="0" algn="l">
-              <a:spcBef>
-                <a:spcPts val="1200"/>
-              </a:spcBef>
-              <a:spcAft>
-                <a:spcPts val="0"/>
-              </a:spcAft>
-              <a:buSzPts val="1980"/>
-              <a:buNone/>
-            </a:pPr>
-            <a:r>
-              <a:t/>
-            </a:r>
-            <a:endParaRPr sz="1800">
+            <a:endParaRPr sz="1800" dirty="0">
               <a:solidFill>
                 <a:schemeClr val="dk1"/>
               </a:solidFill>
             </a:endParaRPr>
           </a:p>
           <a:p>
-            <a:pPr indent="-156844" lvl="2" marL="968375" rtl="0" algn="l">
+            <a:pPr marL="968375" lvl="2" indent="-156844" algn="l" rtl="0">
               <a:spcBef>
                 <a:spcPts val="1200"/>
               </a:spcBef>
@@ -8005,17 +8189,14 @@
               <a:buSzPts val="1980"/>
               <a:buNone/>
             </a:pPr>
-            <a:r>
-              <a:t/>
-            </a:r>
-            <a:endParaRPr sz="1800">
+            <a:endParaRPr sz="1800" dirty="0">
               <a:solidFill>
                 <a:schemeClr val="dk1"/>
               </a:solidFill>
             </a:endParaRPr>
           </a:p>
           <a:p>
-            <a:pPr indent="-156844" lvl="2" marL="968375" rtl="0" algn="l">
+            <a:pPr marL="968375" lvl="2" indent="-156844" algn="l" rtl="0">
               <a:spcBef>
                 <a:spcPts val="1200"/>
               </a:spcBef>
@@ -8025,13 +8206,10 @@
               <a:buSzPts val="1980"/>
               <a:buNone/>
             </a:pPr>
-            <a:r>
-              <a:t/>
-            </a:r>
-            <a:endParaRPr sz="1800"/>
+            <a:endParaRPr sz="1800" dirty="0"/>
           </a:p>
           <a:p>
-            <a:pPr indent="-224790" lvl="1" marL="685800" rtl="0" algn="l">
+            <a:pPr marL="685800" lvl="1" indent="-224790" algn="l" rtl="0">
               <a:spcBef>
                 <a:spcPts val="1200"/>
               </a:spcBef>
@@ -8041,13 +8219,10 @@
               <a:buSzPts val="1760"/>
               <a:buNone/>
             </a:pPr>
-            <a:r>
-              <a:t/>
-            </a:r>
-            <a:endParaRPr sz="1600"/>
+            <a:endParaRPr sz="1600" dirty="0"/>
           </a:p>
           <a:p>
-            <a:pPr indent="-238759" lvl="1" marL="685800" rtl="0" algn="l">
+            <a:pPr marL="685800" lvl="1" indent="-238759" algn="l" rtl="0">
               <a:spcBef>
                 <a:spcPts val="1200"/>
               </a:spcBef>
@@ -8057,13 +8232,10 @@
               <a:buSzPts val="1540"/>
               <a:buNone/>
             </a:pPr>
-            <a:r>
-              <a:t/>
-            </a:r>
-            <a:endParaRPr sz="1400"/>
+            <a:endParaRPr sz="1400" dirty="0"/>
           </a:p>
           <a:p>
-            <a:pPr indent="-142875" lvl="2" marL="968375" rtl="0" algn="l">
+            <a:pPr marL="968375" lvl="2" indent="-142875" algn="l" rtl="0">
               <a:spcBef>
                 <a:spcPts val="1200"/>
               </a:spcBef>
@@ -8073,13 +8245,10 @@
               <a:buSzPts val="2200"/>
               <a:buNone/>
             </a:pPr>
-            <a:r>
-              <a:t/>
-            </a:r>
-            <a:endParaRPr/>
+            <a:endParaRPr dirty="0"/>
           </a:p>
           <a:p>
-            <a:pPr indent="-265430" lvl="0" marL="349250" rtl="0" algn="l">
+            <a:pPr marL="349250" lvl="0" indent="-265430" algn="l" rtl="0">
               <a:spcBef>
                 <a:spcPts val="1200"/>
               </a:spcBef>
@@ -8089,10 +8258,7 @@
               <a:buSzPts val="1320"/>
               <a:buNone/>
             </a:pPr>
-            <a:r>
-              <a:t/>
-            </a:r>
-            <a:endParaRPr sz="1200"/>
+            <a:endParaRPr sz="1200" dirty="0"/>
           </a:p>
         </p:txBody>
       </p:sp>
@@ -8105,11 +8271,11 @@
 </file>
 
 <file path=ppt/slides/slide3.xml><?xml version="1.0" encoding="utf-8"?>
-<p:sld xmlns:a="http://schemas.openxmlformats.org/drawingml/2006/main" xmlns:r="http://schemas.openxmlformats.org/officeDocument/2006/relationships" xmlns:mc="http://schemas.openxmlformats.org/markup-compatibility/2006" xmlns:mv="urn:schemas-microsoft-com:mac:vml" xmlns:p="http://schemas.openxmlformats.org/presentationml/2006/main" xmlns:c="http://schemas.openxmlformats.org/drawingml/2006/chart" xmlns:dgm="http://schemas.openxmlformats.org/drawingml/2006/diagram" xmlns:o="urn:schemas-microsoft-com:office:office" xmlns:v="urn:schemas-microsoft-com:vml" xmlns:pvml="urn:schemas-microsoft-com:office:powerpoint" xmlns:com="http://schemas.openxmlformats.org/drawingml/2006/compatibility" xmlns:p14="http://schemas.microsoft.com/office/powerpoint/2010/main" xmlns:p15="http://schemas.microsoft.com/office/powerpoint/2012/main">
+<p:sld xmlns:a="http://schemas.openxmlformats.org/drawingml/2006/main" xmlns:r="http://schemas.openxmlformats.org/officeDocument/2006/relationships" xmlns:p="http://schemas.openxmlformats.org/presentationml/2006/main">
   <p:cSld>
     <p:spTree>
       <p:nvGrpSpPr>
-        <p:cNvPr id="70" name="Shape 70"/>
+        <p:cNvPr id="1" name="Shape 70"/>
         <p:cNvGrpSpPr/>
         <p:nvPr/>
       </p:nvGrpSpPr>
@@ -8124,7 +8290,9 @@
       <p:sp>
         <p:nvSpPr>
           <p:cNvPr id="71" name="Google Shape;71;p17"/>
-          <p:cNvSpPr txBox="1"/>
+          <p:cNvSpPr txBox="1">
+            <a:spLocks noGrp="1"/>
+          </p:cNvSpPr>
           <p:nvPr>
             <p:ph type="title"/>
           </p:nvPr>
@@ -8143,12 +8311,12 @@
           </a:ln>
         </p:spPr>
         <p:txBody>
-          <a:bodyPr anchorCtr="0" anchor="b" bIns="45700" lIns="91425" spcFirstLastPara="1" rIns="91425" wrap="square" tIns="45700">
+          <a:bodyPr spcFirstLastPara="1" wrap="square" lIns="91425" tIns="45700" rIns="91425" bIns="45700" anchor="b" anchorCtr="0">
             <a:noAutofit/>
           </a:bodyPr>
           <a:lstStyle/>
           <a:p>
-            <a:pPr indent="0" lvl="0" marL="0" rtl="0" algn="ctr">
+            <a:pPr marL="0" lvl="0" indent="0" algn="ctr" rtl="0">
               <a:spcBef>
                 <a:spcPts val="0"/>
               </a:spcBef>
@@ -8168,9 +8336,11 @@
       <p:sp>
         <p:nvSpPr>
           <p:cNvPr id="72" name="Google Shape;72;p17"/>
-          <p:cNvSpPr txBox="1"/>
+          <p:cNvSpPr txBox="1">
+            <a:spLocks noGrp="1"/>
+          </p:cNvSpPr>
           <p:nvPr>
-            <p:ph idx="1" type="body"/>
+            <p:ph type="body" idx="1"/>
           </p:nvPr>
         </p:nvSpPr>
         <p:spPr>
@@ -8187,12 +8357,12 @@
           </a:ln>
         </p:spPr>
         <p:txBody>
-          <a:bodyPr anchorCtr="0" anchor="t" bIns="45700" lIns="91425" spcFirstLastPara="1" rIns="91425" wrap="square" tIns="45700">
+          <a:bodyPr spcFirstLastPara="1" wrap="square" lIns="91425" tIns="45700" rIns="91425" bIns="45700" anchor="t" anchorCtr="0">
             <a:noAutofit/>
           </a:bodyPr>
           <a:lstStyle/>
           <a:p>
-            <a:pPr indent="-336549" lvl="1" marL="685800" rtl="0" algn="l">
+            <a:pPr marL="685800" lvl="1" indent="-336549" algn="l" rtl="0">
               <a:spcBef>
                 <a:spcPts val="0"/>
               </a:spcBef>
@@ -8203,7 +8373,7 @@
               <a:buChar char="⚫"/>
             </a:pPr>
             <a:r>
-              <a:rPr b="1" lang="en-US" sz="1800">
+              <a:rPr lang="en-US" sz="1800" b="1" dirty="0">
                 <a:solidFill>
                   <a:schemeClr val="dk1"/>
                 </a:solidFill>
@@ -8211,17 +8381,17 @@
               <a:t>What Can We do to Improve</a:t>
             </a:r>
             <a:r>
-              <a:rPr lang="en-US" sz="1600">
+              <a:rPr lang="en-US" sz="1600" dirty="0">
                 <a:solidFill>
                   <a:schemeClr val="dk1"/>
                 </a:solidFill>
               </a:rPr>
               <a:t>?</a:t>
             </a:r>
-            <a:endParaRPr/>
+            <a:endParaRPr dirty="0"/>
           </a:p>
           <a:p>
-            <a:pPr indent="-282575" lvl="2" marL="968375" rtl="0" algn="l">
+            <a:pPr marL="968375" lvl="2" indent="-282575" algn="l" rtl="0">
               <a:spcBef>
                 <a:spcPts val="1200"/>
               </a:spcBef>
@@ -8232,7 +8402,7 @@
               <a:buChar char="⚫"/>
             </a:pPr>
             <a:r>
-              <a:rPr lang="en-US" sz="1600">
+              <a:rPr lang="en-US" sz="1600" dirty="0">
                 <a:solidFill>
                   <a:schemeClr val="dk1"/>
                 </a:solidFill>
@@ -8240,38 +8410,38 @@
               <a:t>TEAM – </a:t>
             </a:r>
             <a:r>
-              <a:rPr lang="en-US" sz="1400">
+              <a:rPr lang="en-US" sz="1400" dirty="0">
                 <a:solidFill>
                   <a:schemeClr val="dk1"/>
                 </a:solidFill>
               </a:rPr>
               <a:t>Updating Task Board and Communication</a:t>
             </a:r>
-            <a:endParaRPr/>
+            <a:endParaRPr dirty="0"/>
           </a:p>
           <a:p>
-            <a:pPr indent="-282575" lvl="2" marL="968375" rtl="0" algn="l">
+            <a:pPr marL="968375" lvl="2" indent="-282575">
               <a:spcBef>
                 <a:spcPts val="1200"/>
               </a:spcBef>
-              <a:spcAft>
-                <a:spcPts val="0"/>
-              </a:spcAft>
               <a:buSzPts val="1760"/>
-              <a:buChar char="⚫"/>
             </a:pPr>
             <a:r>
-              <a:rPr lang="en-US" sz="1600">
+              <a:rPr lang="en-US" sz="1600" dirty="0">
                 <a:solidFill>
                   <a:schemeClr val="dk1"/>
                 </a:solidFill>
               </a:rPr>
-              <a:t>Walter –</a:t>
+              <a:t>Walter – Communication relay. Better response time on tasks. </a:t>
             </a:r>
-            <a:endParaRPr/>
+            <a:endParaRPr sz="1600" dirty="0">
+              <a:solidFill>
+                <a:schemeClr val="dk1"/>
+              </a:solidFill>
+            </a:endParaRPr>
           </a:p>
           <a:p>
-            <a:pPr indent="-282575" lvl="2" marL="968375" rtl="0" algn="l">
+            <a:pPr marL="968375" lvl="2" indent="-282575" algn="l" rtl="0">
               <a:spcBef>
                 <a:spcPts val="1200"/>
               </a:spcBef>
@@ -8282,17 +8452,17 @@
               <a:buChar char="⚫"/>
             </a:pPr>
             <a:r>
-              <a:rPr lang="en-US" sz="1600">
+              <a:rPr lang="en-US" sz="1600" dirty="0">
                 <a:solidFill>
                   <a:schemeClr val="dk1"/>
                 </a:solidFill>
               </a:rPr>
               <a:t>Carter – Time management, starting tasks a lot earlier so we don’t do things last second. </a:t>
             </a:r>
-            <a:endParaRPr/>
+            <a:endParaRPr dirty="0"/>
           </a:p>
           <a:p>
-            <a:pPr indent="-282575" lvl="2" marL="968375" rtl="0" algn="l">
+            <a:pPr marL="968375" lvl="2" indent="-282575" algn="l" rtl="0">
               <a:spcBef>
                 <a:spcPts val="1200"/>
               </a:spcBef>
@@ -8303,17 +8473,17 @@
               <a:buChar char="⚫"/>
             </a:pPr>
             <a:r>
-              <a:rPr lang="en-US" sz="1600">
+              <a:rPr lang="en-US" sz="1600" dirty="0">
                 <a:solidFill>
                   <a:schemeClr val="dk1"/>
                 </a:solidFill>
               </a:rPr>
               <a:t>Daniel – Informing team of current task and task progress. Manage schedule to have more time for group meetups.</a:t>
             </a:r>
-            <a:endParaRPr/>
+            <a:endParaRPr dirty="0"/>
           </a:p>
           <a:p>
-            <a:pPr indent="-282575" lvl="2" marL="968375" rtl="0" algn="l">
+            <a:pPr marL="968375" lvl="2" indent="-282575" algn="l" rtl="0">
               <a:spcBef>
                 <a:spcPts val="1200"/>
               </a:spcBef>
@@ -8324,17 +8494,17 @@
               <a:buChar char="⚫"/>
             </a:pPr>
             <a:r>
-              <a:rPr lang="en-US" sz="1600">
+              <a:rPr lang="en-US" sz="1600" dirty="0">
                 <a:solidFill>
                   <a:schemeClr val="dk1"/>
                 </a:solidFill>
               </a:rPr>
               <a:t>Elvin – </a:t>
             </a:r>
-            <a:endParaRPr/>
+            <a:endParaRPr dirty="0"/>
           </a:p>
           <a:p>
-            <a:pPr indent="-282575" lvl="2" marL="968375" rtl="0" algn="l">
+            <a:pPr marL="968375" lvl="2" indent="-282575" algn="l" rtl="0">
               <a:spcBef>
                 <a:spcPts val="1200"/>
               </a:spcBef>
@@ -8345,17 +8515,17 @@
               <a:buChar char="⚫"/>
             </a:pPr>
             <a:r>
-              <a:rPr lang="en-US" sz="1600">
+              <a:rPr lang="en-US" sz="1600" dirty="0">
                 <a:solidFill>
                   <a:schemeClr val="dk1"/>
                 </a:solidFill>
               </a:rPr>
               <a:t>Luke - </a:t>
             </a:r>
-            <a:endParaRPr sz="1800"/>
+            <a:endParaRPr sz="1800" dirty="0"/>
           </a:p>
           <a:p>
-            <a:pPr indent="-224790" lvl="1" marL="685800" rtl="0" algn="l">
+            <a:pPr marL="685800" lvl="1" indent="-224790" algn="l" rtl="0">
               <a:spcBef>
                 <a:spcPts val="1200"/>
               </a:spcBef>
@@ -8365,13 +8535,10 @@
               <a:buSzPts val="1760"/>
               <a:buNone/>
             </a:pPr>
-            <a:r>
-              <a:t/>
-            </a:r>
-            <a:endParaRPr sz="1600"/>
+            <a:endParaRPr sz="1600" dirty="0"/>
           </a:p>
           <a:p>
-            <a:pPr indent="-238759" lvl="1" marL="685800" rtl="0" algn="l">
+            <a:pPr marL="685800" lvl="1" indent="-238759" algn="l" rtl="0">
               <a:spcBef>
                 <a:spcPts val="1200"/>
               </a:spcBef>
@@ -8381,13 +8548,10 @@
               <a:buSzPts val="1540"/>
               <a:buNone/>
             </a:pPr>
-            <a:r>
-              <a:t/>
-            </a:r>
-            <a:endParaRPr sz="1400"/>
+            <a:endParaRPr sz="1400" dirty="0"/>
           </a:p>
           <a:p>
-            <a:pPr indent="-142875" lvl="2" marL="968375" rtl="0" algn="l">
+            <a:pPr marL="968375" lvl="2" indent="-142875" algn="l" rtl="0">
               <a:spcBef>
                 <a:spcPts val="1200"/>
               </a:spcBef>
@@ -8397,13 +8561,10 @@
               <a:buSzPts val="2200"/>
               <a:buNone/>
             </a:pPr>
-            <a:r>
-              <a:t/>
-            </a:r>
-            <a:endParaRPr/>
+            <a:endParaRPr dirty="0"/>
           </a:p>
           <a:p>
-            <a:pPr indent="-265430" lvl="0" marL="349250" rtl="0" algn="l">
+            <a:pPr marL="349250" lvl="0" indent="-265430" algn="l" rtl="0">
               <a:spcBef>
                 <a:spcPts val="1200"/>
               </a:spcBef>
@@ -8413,10 +8574,7 @@
               <a:buSzPts val="1320"/>
               <a:buNone/>
             </a:pPr>
-            <a:r>
-              <a:t/>
-            </a:r>
-            <a:endParaRPr sz="1200"/>
+            <a:endParaRPr sz="1200" dirty="0"/>
           </a:p>
         </p:txBody>
       </p:sp>
@@ -8429,7 +8587,288 @@
 </file>
 
 <file path=ppt/theme/theme1.xml><?xml version="1.0" encoding="utf-8"?>
-<a:theme xmlns:a="http://schemas.openxmlformats.org/drawingml/2006/main" xmlns:r="http://schemas.openxmlformats.org/officeDocument/2006/relationships" name="Office Theme">
+<a:theme xmlns:a="http://schemas.openxmlformats.org/drawingml/2006/main" name="Breeze">
+  <a:themeElements>
+    <a:clrScheme name="Custom 1">
+      <a:dk1>
+        <a:srgbClr val="000000"/>
+      </a:dk1>
+      <a:lt1>
+        <a:srgbClr val="FFFFFF"/>
+      </a:lt1>
+      <a:dk2>
+        <a:srgbClr val="2B142D"/>
+      </a:dk2>
+      <a:lt2>
+        <a:srgbClr val="C3AFCC"/>
+      </a:lt2>
+      <a:accent1>
+        <a:srgbClr val="663366"/>
+      </a:accent1>
+      <a:accent2>
+        <a:srgbClr val="330F42"/>
+      </a:accent2>
+      <a:accent3>
+        <a:srgbClr val="666699"/>
+      </a:accent3>
+      <a:accent4>
+        <a:srgbClr val="999966"/>
+      </a:accent4>
+      <a:accent5>
+        <a:srgbClr val="F7901E"/>
+      </a:accent5>
+      <a:accent6>
+        <a:srgbClr val="A3A101"/>
+      </a:accent6>
+      <a:hlink>
+        <a:srgbClr val="3026F6"/>
+      </a:hlink>
+      <a:folHlink>
+        <a:srgbClr val="9775A7"/>
+      </a:folHlink>
+    </a:clrScheme>
+    <a:fontScheme name="Office">
+      <a:majorFont>
+        <a:latin typeface="Arial"/>
+        <a:ea typeface=""/>
+        <a:cs typeface=""/>
+        <a:font script="Jpan" typeface="ＭＳ Ｐゴシック"/>
+        <a:font script="Hang" typeface="맑은 고딕"/>
+        <a:font script="Hans" typeface="宋体"/>
+        <a:font script="Hant" typeface="新細明體"/>
+        <a:font script="Arab" typeface="Times New Roman"/>
+        <a:font script="Hebr" typeface="Times New Roman"/>
+        <a:font script="Thai" typeface="Angsana New"/>
+        <a:font script="Ethi" typeface="Nyala"/>
+        <a:font script="Beng" typeface="Vrinda"/>
+        <a:font script="Gujr" typeface="Shruti"/>
+        <a:font script="Khmr" typeface="MoolBoran"/>
+        <a:font script="Knda" typeface="Tunga"/>
+        <a:font script="Guru" typeface="Raavi"/>
+        <a:font script="Cans" typeface="Euphemia"/>
+        <a:font script="Cher" typeface="Plantagenet Cherokee"/>
+        <a:font script="Yiii" typeface="Microsoft Yi Baiti"/>
+        <a:font script="Tibt" typeface="Microsoft Himalaya"/>
+        <a:font script="Thaa" typeface="MV Boli"/>
+        <a:font script="Deva" typeface="Mangal"/>
+        <a:font script="Telu" typeface="Gautami"/>
+        <a:font script="Taml" typeface="Latha"/>
+        <a:font script="Syrc" typeface="Estrangelo Edessa"/>
+        <a:font script="Orya" typeface="Kalinga"/>
+        <a:font script="Mlym" typeface="Kartika"/>
+        <a:font script="Laoo" typeface="DokChampa"/>
+        <a:font script="Sinh" typeface="Iskoola Pota"/>
+        <a:font script="Mong" typeface="Mongolian Baiti"/>
+        <a:font script="Viet" typeface="Times New Roman"/>
+        <a:font script="Uigh" typeface="Microsoft Uighur"/>
+        <a:font script="Geor" typeface="Sylfaen"/>
+      </a:majorFont>
+      <a:minorFont>
+        <a:latin typeface="Arial"/>
+        <a:ea typeface=""/>
+        <a:cs typeface=""/>
+        <a:font script="Jpan" typeface="ＭＳ Ｐゴシック"/>
+        <a:font script="Hang" typeface="맑은 고딕"/>
+        <a:font script="Hans" typeface="宋体"/>
+        <a:font script="Hant" typeface="新細明體"/>
+        <a:font script="Arab" typeface="Arial"/>
+        <a:font script="Hebr" typeface="Arial"/>
+        <a:font script="Thai" typeface="Cordia New"/>
+        <a:font script="Ethi" typeface="Nyala"/>
+        <a:font script="Beng" typeface="Vrinda"/>
+        <a:font script="Gujr" typeface="Shruti"/>
+        <a:font script="Khmr" typeface="DaunPenh"/>
+        <a:font script="Knda" typeface="Tunga"/>
+        <a:font script="Guru" typeface="Raavi"/>
+        <a:font script="Cans" typeface="Euphemia"/>
+        <a:font script="Cher" typeface="Plantagenet Cherokee"/>
+        <a:font script="Yiii" typeface="Microsoft Yi Baiti"/>
+        <a:font script="Tibt" typeface="Microsoft Himalaya"/>
+        <a:font script="Thaa" typeface="MV Boli"/>
+        <a:font script="Deva" typeface="Mangal"/>
+        <a:font script="Telu" typeface="Gautami"/>
+        <a:font script="Taml" typeface="Latha"/>
+        <a:font script="Syrc" typeface="Estrangelo Edessa"/>
+        <a:font script="Orya" typeface="Kalinga"/>
+        <a:font script="Mlym" typeface="Kartika"/>
+        <a:font script="Laoo" typeface="DokChampa"/>
+        <a:font script="Sinh" typeface="Iskoola Pota"/>
+        <a:font script="Mong" typeface="Mongolian Baiti"/>
+        <a:font script="Viet" typeface="Arial"/>
+        <a:font script="Uigh" typeface="Microsoft Uighur"/>
+        <a:font script="Geor" typeface="Sylfaen"/>
+      </a:minorFont>
+    </a:fontScheme>
+    <a:fmtScheme name="Office">
+      <a:fillStyleLst>
+        <a:solidFill>
+          <a:schemeClr val="phClr"/>
+        </a:solidFill>
+        <a:gradFill rotWithShape="1">
+          <a:gsLst>
+            <a:gs pos="0">
+              <a:schemeClr val="phClr">
+                <a:tint val="50000"/>
+                <a:satMod val="300000"/>
+              </a:schemeClr>
+            </a:gs>
+            <a:gs pos="35000">
+              <a:schemeClr val="phClr">
+                <a:tint val="37000"/>
+                <a:satMod val="300000"/>
+              </a:schemeClr>
+            </a:gs>
+            <a:gs pos="100000">
+              <a:schemeClr val="phClr">
+                <a:tint val="15000"/>
+                <a:satMod val="350000"/>
+              </a:schemeClr>
+            </a:gs>
+          </a:gsLst>
+          <a:lin ang="16200000" scaled="1"/>
+        </a:gradFill>
+        <a:gradFill rotWithShape="1">
+          <a:gsLst>
+            <a:gs pos="0">
+              <a:schemeClr val="phClr">
+                <a:tint val="100000"/>
+                <a:shade val="100000"/>
+                <a:satMod val="130000"/>
+              </a:schemeClr>
+            </a:gs>
+            <a:gs pos="100000">
+              <a:schemeClr val="phClr">
+                <a:tint val="50000"/>
+                <a:shade val="100000"/>
+                <a:satMod val="350000"/>
+              </a:schemeClr>
+            </a:gs>
+          </a:gsLst>
+          <a:lin ang="16200000" scaled="0"/>
+        </a:gradFill>
+      </a:fillStyleLst>
+      <a:lnStyleLst>
+        <a:ln w="9525" cap="flat" cmpd="sng" algn="ctr">
+          <a:solidFill>
+            <a:schemeClr val="phClr">
+              <a:shade val="95000"/>
+              <a:satMod val="105000"/>
+            </a:schemeClr>
+          </a:solidFill>
+          <a:prstDash val="solid"/>
+        </a:ln>
+        <a:ln w="25400" cap="flat" cmpd="sng" algn="ctr">
+          <a:solidFill>
+            <a:schemeClr val="phClr"/>
+          </a:solidFill>
+          <a:prstDash val="solid"/>
+        </a:ln>
+        <a:ln w="38100" cap="flat" cmpd="sng" algn="ctr">
+          <a:solidFill>
+            <a:schemeClr val="phClr"/>
+          </a:solidFill>
+          <a:prstDash val="solid"/>
+        </a:ln>
+      </a:lnStyleLst>
+      <a:effectStyleLst>
+        <a:effectStyle>
+          <a:effectLst>
+            <a:outerShdw blurRad="40000" dist="20000" dir="5400000" rotWithShape="0">
+              <a:srgbClr val="000000">
+                <a:alpha val="38000"/>
+              </a:srgbClr>
+            </a:outerShdw>
+          </a:effectLst>
+        </a:effectStyle>
+        <a:effectStyle>
+          <a:effectLst>
+            <a:outerShdw blurRad="40000" dist="23000" dir="5400000" rotWithShape="0">
+              <a:srgbClr val="000000">
+                <a:alpha val="35000"/>
+              </a:srgbClr>
+            </a:outerShdw>
+          </a:effectLst>
+        </a:effectStyle>
+        <a:effectStyle>
+          <a:effectLst>
+            <a:outerShdw blurRad="40000" dist="23000" dir="5400000" rotWithShape="0">
+              <a:srgbClr val="000000">
+                <a:alpha val="35000"/>
+              </a:srgbClr>
+            </a:outerShdw>
+          </a:effectLst>
+          <a:scene3d>
+            <a:camera prst="orthographicFront">
+              <a:rot lat="0" lon="0" rev="0"/>
+            </a:camera>
+            <a:lightRig rig="threePt" dir="t">
+              <a:rot lat="0" lon="0" rev="1200000"/>
+            </a:lightRig>
+          </a:scene3d>
+          <a:sp3d>
+            <a:bevelT w="63500" h="25400"/>
+          </a:sp3d>
+        </a:effectStyle>
+      </a:effectStyleLst>
+      <a:bgFillStyleLst>
+        <a:solidFill>
+          <a:schemeClr val="phClr"/>
+        </a:solidFill>
+        <a:gradFill rotWithShape="1">
+          <a:gsLst>
+            <a:gs pos="0">
+              <a:schemeClr val="phClr">
+                <a:tint val="40000"/>
+                <a:satMod val="350000"/>
+              </a:schemeClr>
+            </a:gs>
+            <a:gs pos="40000">
+              <a:schemeClr val="phClr">
+                <a:tint val="45000"/>
+                <a:shade val="99000"/>
+                <a:satMod val="350000"/>
+              </a:schemeClr>
+            </a:gs>
+            <a:gs pos="100000">
+              <a:schemeClr val="phClr">
+                <a:shade val="20000"/>
+                <a:satMod val="255000"/>
+              </a:schemeClr>
+            </a:gs>
+          </a:gsLst>
+          <a:path path="circle">
+            <a:fillToRect l="50000" t="-80000" r="50000" b="180000"/>
+          </a:path>
+        </a:gradFill>
+        <a:gradFill rotWithShape="1">
+          <a:gsLst>
+            <a:gs pos="0">
+              <a:schemeClr val="phClr">
+                <a:tint val="80000"/>
+                <a:satMod val="300000"/>
+              </a:schemeClr>
+            </a:gs>
+            <a:gs pos="100000">
+              <a:schemeClr val="phClr">
+                <a:shade val="30000"/>
+                <a:satMod val="200000"/>
+              </a:schemeClr>
+            </a:gs>
+          </a:gsLst>
+          <a:path path="circle">
+            <a:fillToRect l="50000" t="50000" r="50000" b="50000"/>
+          </a:path>
+        </a:gradFill>
+      </a:bgFillStyleLst>
+    </a:fmtScheme>
+  </a:themeElements>
+  <a:objectDefaults/>
+  <a:extraClrSchemeLst/>
+</a:theme>
+</file>
+
+<file path=ppt/theme/theme2.xml><?xml version="1.0" encoding="utf-8"?>
+<a:theme xmlns:a="http://schemas.openxmlformats.org/drawingml/2006/main" name="Office Theme">
   <a:themeElements>
     <a:clrScheme name="Office">
       <a:dk1>
@@ -8704,284 +9143,7 @@
       </a:bgFillStyleLst>
     </a:fmtScheme>
   </a:themeElements>
-</a:theme>
-</file>
-
-<file path=ppt/theme/theme2.xml><?xml version="1.0" encoding="utf-8"?>
-<a:theme xmlns:a="http://schemas.openxmlformats.org/drawingml/2006/main" xmlns:r="http://schemas.openxmlformats.org/officeDocument/2006/relationships" name="Breeze">
-  <a:themeElements>
-    <a:clrScheme name="Custom 1">
-      <a:dk1>
-        <a:srgbClr val="000000"/>
-      </a:dk1>
-      <a:lt1>
-        <a:srgbClr val="FFFFFF"/>
-      </a:lt1>
-      <a:dk2>
-        <a:srgbClr val="2B142D"/>
-      </a:dk2>
-      <a:lt2>
-        <a:srgbClr val="C3AFCC"/>
-      </a:lt2>
-      <a:accent1>
-        <a:srgbClr val="663366"/>
-      </a:accent1>
-      <a:accent2>
-        <a:srgbClr val="330F42"/>
-      </a:accent2>
-      <a:accent3>
-        <a:srgbClr val="666699"/>
-      </a:accent3>
-      <a:accent4>
-        <a:srgbClr val="999966"/>
-      </a:accent4>
-      <a:accent5>
-        <a:srgbClr val="F7901E"/>
-      </a:accent5>
-      <a:accent6>
-        <a:srgbClr val="A3A101"/>
-      </a:accent6>
-      <a:hlink>
-        <a:srgbClr val="3026F6"/>
-      </a:hlink>
-      <a:folHlink>
-        <a:srgbClr val="9775A7"/>
-      </a:folHlink>
-    </a:clrScheme>
-    <a:fontScheme name="Office">
-      <a:majorFont>
-        <a:latin typeface="Arial"/>
-        <a:ea typeface=""/>
-        <a:cs typeface=""/>
-        <a:font script="Jpan" typeface="ＭＳ Ｐゴシック"/>
-        <a:font script="Hang" typeface="맑은 고딕"/>
-        <a:font script="Hans" typeface="宋体"/>
-        <a:font script="Hant" typeface="新細明體"/>
-        <a:font script="Arab" typeface="Times New Roman"/>
-        <a:font script="Hebr" typeface="Times New Roman"/>
-        <a:font script="Thai" typeface="Angsana New"/>
-        <a:font script="Ethi" typeface="Nyala"/>
-        <a:font script="Beng" typeface="Vrinda"/>
-        <a:font script="Gujr" typeface="Shruti"/>
-        <a:font script="Khmr" typeface="MoolBoran"/>
-        <a:font script="Knda" typeface="Tunga"/>
-        <a:font script="Guru" typeface="Raavi"/>
-        <a:font script="Cans" typeface="Euphemia"/>
-        <a:font script="Cher" typeface="Plantagenet Cherokee"/>
-        <a:font script="Yiii" typeface="Microsoft Yi Baiti"/>
-        <a:font script="Tibt" typeface="Microsoft Himalaya"/>
-        <a:font script="Thaa" typeface="MV Boli"/>
-        <a:font script="Deva" typeface="Mangal"/>
-        <a:font script="Telu" typeface="Gautami"/>
-        <a:font script="Taml" typeface="Latha"/>
-        <a:font script="Syrc" typeface="Estrangelo Edessa"/>
-        <a:font script="Orya" typeface="Kalinga"/>
-        <a:font script="Mlym" typeface="Kartika"/>
-        <a:font script="Laoo" typeface="DokChampa"/>
-        <a:font script="Sinh" typeface="Iskoola Pota"/>
-        <a:font script="Mong" typeface="Mongolian Baiti"/>
-        <a:font script="Viet" typeface="Times New Roman"/>
-        <a:font script="Uigh" typeface="Microsoft Uighur"/>
-        <a:font script="Geor" typeface="Sylfaen"/>
-      </a:majorFont>
-      <a:minorFont>
-        <a:latin typeface="Arial"/>
-        <a:ea typeface=""/>
-        <a:cs typeface=""/>
-        <a:font script="Jpan" typeface="ＭＳ Ｐゴシック"/>
-        <a:font script="Hang" typeface="맑은 고딕"/>
-        <a:font script="Hans" typeface="宋体"/>
-        <a:font script="Hant" typeface="新細明體"/>
-        <a:font script="Arab" typeface="Arial"/>
-        <a:font script="Hebr" typeface="Arial"/>
-        <a:font script="Thai" typeface="Cordia New"/>
-        <a:font script="Ethi" typeface="Nyala"/>
-        <a:font script="Beng" typeface="Vrinda"/>
-        <a:font script="Gujr" typeface="Shruti"/>
-        <a:font script="Khmr" typeface="DaunPenh"/>
-        <a:font script="Knda" typeface="Tunga"/>
-        <a:font script="Guru" typeface="Raavi"/>
-        <a:font script="Cans" typeface="Euphemia"/>
-        <a:font script="Cher" typeface="Plantagenet Cherokee"/>
-        <a:font script="Yiii" typeface="Microsoft Yi Baiti"/>
-        <a:font script="Tibt" typeface="Microsoft Himalaya"/>
-        <a:font script="Thaa" typeface="MV Boli"/>
-        <a:font script="Deva" typeface="Mangal"/>
-        <a:font script="Telu" typeface="Gautami"/>
-        <a:font script="Taml" typeface="Latha"/>
-        <a:font script="Syrc" typeface="Estrangelo Edessa"/>
-        <a:font script="Orya" typeface="Kalinga"/>
-        <a:font script="Mlym" typeface="Kartika"/>
-        <a:font script="Laoo" typeface="DokChampa"/>
-        <a:font script="Sinh" typeface="Iskoola Pota"/>
-        <a:font script="Mong" typeface="Mongolian Baiti"/>
-        <a:font script="Viet" typeface="Arial"/>
-        <a:font script="Uigh" typeface="Microsoft Uighur"/>
-        <a:font script="Geor" typeface="Sylfaen"/>
-      </a:minorFont>
-    </a:fontScheme>
-    <a:fmtScheme name="Office">
-      <a:fillStyleLst>
-        <a:solidFill>
-          <a:schemeClr val="phClr"/>
-        </a:solidFill>
-        <a:gradFill rotWithShape="1">
-          <a:gsLst>
-            <a:gs pos="0">
-              <a:schemeClr val="phClr">
-                <a:tint val="50000"/>
-                <a:satMod val="300000"/>
-              </a:schemeClr>
-            </a:gs>
-            <a:gs pos="35000">
-              <a:schemeClr val="phClr">
-                <a:tint val="37000"/>
-                <a:satMod val="300000"/>
-              </a:schemeClr>
-            </a:gs>
-            <a:gs pos="100000">
-              <a:schemeClr val="phClr">
-                <a:tint val="15000"/>
-                <a:satMod val="350000"/>
-              </a:schemeClr>
-            </a:gs>
-          </a:gsLst>
-          <a:lin ang="16200000" scaled="1"/>
-        </a:gradFill>
-        <a:gradFill rotWithShape="1">
-          <a:gsLst>
-            <a:gs pos="0">
-              <a:schemeClr val="phClr">
-                <a:tint val="100000"/>
-                <a:shade val="100000"/>
-                <a:satMod val="130000"/>
-              </a:schemeClr>
-            </a:gs>
-            <a:gs pos="100000">
-              <a:schemeClr val="phClr">
-                <a:tint val="50000"/>
-                <a:shade val="100000"/>
-                <a:satMod val="350000"/>
-              </a:schemeClr>
-            </a:gs>
-          </a:gsLst>
-          <a:lin ang="16200000" scaled="0"/>
-        </a:gradFill>
-      </a:fillStyleLst>
-      <a:lnStyleLst>
-        <a:ln w="9525" cap="flat" cmpd="sng" algn="ctr">
-          <a:solidFill>
-            <a:schemeClr val="phClr">
-              <a:shade val="95000"/>
-              <a:satMod val="105000"/>
-            </a:schemeClr>
-          </a:solidFill>
-          <a:prstDash val="solid"/>
-        </a:ln>
-        <a:ln w="25400" cap="flat" cmpd="sng" algn="ctr">
-          <a:solidFill>
-            <a:schemeClr val="phClr"/>
-          </a:solidFill>
-          <a:prstDash val="solid"/>
-        </a:ln>
-        <a:ln w="38100" cap="flat" cmpd="sng" algn="ctr">
-          <a:solidFill>
-            <a:schemeClr val="phClr"/>
-          </a:solidFill>
-          <a:prstDash val="solid"/>
-        </a:ln>
-      </a:lnStyleLst>
-      <a:effectStyleLst>
-        <a:effectStyle>
-          <a:effectLst>
-            <a:outerShdw blurRad="40000" dist="20000" dir="5400000" rotWithShape="0">
-              <a:srgbClr val="000000">
-                <a:alpha val="38000"/>
-              </a:srgbClr>
-            </a:outerShdw>
-          </a:effectLst>
-        </a:effectStyle>
-        <a:effectStyle>
-          <a:effectLst>
-            <a:outerShdw blurRad="40000" dist="23000" dir="5400000" rotWithShape="0">
-              <a:srgbClr val="000000">
-                <a:alpha val="35000"/>
-              </a:srgbClr>
-            </a:outerShdw>
-          </a:effectLst>
-        </a:effectStyle>
-        <a:effectStyle>
-          <a:effectLst>
-            <a:outerShdw blurRad="40000" dist="23000" dir="5400000" rotWithShape="0">
-              <a:srgbClr val="000000">
-                <a:alpha val="35000"/>
-              </a:srgbClr>
-            </a:outerShdw>
-          </a:effectLst>
-          <a:scene3d>
-            <a:camera prst="orthographicFront">
-              <a:rot lat="0" lon="0" rev="0"/>
-            </a:camera>
-            <a:lightRig rig="threePt" dir="t">
-              <a:rot lat="0" lon="0" rev="1200000"/>
-            </a:lightRig>
-          </a:scene3d>
-          <a:sp3d>
-            <a:bevelT w="63500" h="25400"/>
-          </a:sp3d>
-        </a:effectStyle>
-      </a:effectStyleLst>
-      <a:bgFillStyleLst>
-        <a:solidFill>
-          <a:schemeClr val="phClr"/>
-        </a:solidFill>
-        <a:gradFill rotWithShape="1">
-          <a:gsLst>
-            <a:gs pos="0">
-              <a:schemeClr val="phClr">
-                <a:tint val="40000"/>
-                <a:satMod val="350000"/>
-              </a:schemeClr>
-            </a:gs>
-            <a:gs pos="40000">
-              <a:schemeClr val="phClr">
-                <a:tint val="45000"/>
-                <a:shade val="99000"/>
-                <a:satMod val="350000"/>
-              </a:schemeClr>
-            </a:gs>
-            <a:gs pos="100000">
-              <a:schemeClr val="phClr">
-                <a:shade val="20000"/>
-                <a:satMod val="255000"/>
-              </a:schemeClr>
-            </a:gs>
-          </a:gsLst>
-          <a:path path="circle">
-            <a:fillToRect l="50000" t="-80000" r="50000" b="180000"/>
-          </a:path>
-        </a:gradFill>
-        <a:gradFill rotWithShape="1">
-          <a:gsLst>
-            <a:gs pos="0">
-              <a:schemeClr val="phClr">
-                <a:tint val="80000"/>
-                <a:satMod val="300000"/>
-              </a:schemeClr>
-            </a:gs>
-            <a:gs pos="100000">
-              <a:schemeClr val="phClr">
-                <a:shade val="30000"/>
-                <a:satMod val="200000"/>
-              </a:schemeClr>
-            </a:gs>
-          </a:gsLst>
-          <a:path path="circle">
-            <a:fillToRect l="50000" t="50000" r="50000" b="50000"/>
-          </a:path>
-        </a:gradFill>
-      </a:bgFillStyleLst>
-    </a:fmtScheme>
-  </a:themeElements>
+  <a:objectDefaults/>
+  <a:extraClrSchemeLst/>
 </a:theme>
 </file>
--- a/docs/Borgs_Retrospective.pptx
+++ b/docs/Borgs_Retrospective.pptx
@@ -7836,7 +7836,7 @@
                 <a:cs typeface="Calibri"/>
                 <a:sym typeface="Calibri"/>
               </a:rPr>
-              <a:t>Luke - </a:t>
+              <a:t>Luke – cooperation, agreement, etc. </a:t>
             </a:r>
             <a:endParaRPr sz="1800" b="0" i="0" u="none" strike="noStrike" cap="none" dirty="0">
               <a:solidFill>
@@ -8520,7 +8520,7 @@
                   <a:schemeClr val="dk1"/>
                 </a:solidFill>
               </a:rPr>
-              <a:t>Luke - </a:t>
+              <a:t>Luke – Communication, ask for help when necessary</a:t>
             </a:r>
             <a:endParaRPr sz="1800" dirty="0"/>
           </a:p>

--- a/docs/Borgs_Retrospective.pptx
+++ b/docs/Borgs_Retrospective.pptx
@@ -7517,6 +7517,25 @@
 <file path=ppt/slides/slide1.xml><?xml version="1.0" encoding="utf-8"?>
 <p:sld xmlns:a="http://schemas.openxmlformats.org/drawingml/2006/main" xmlns:r="http://schemas.openxmlformats.org/officeDocument/2006/relationships" xmlns:p="http://schemas.openxmlformats.org/presentationml/2006/main">
   <p:cSld>
+    <p:bg>
+      <p:bgPr>
+        <a:gradFill>
+          <a:gsLst>
+            <a:gs pos="0">
+              <a:srgbClr val="F2F2F2"/>
+            </a:gs>
+            <a:gs pos="77000">
+              <a:srgbClr val="F2F2F2"/>
+            </a:gs>
+            <a:gs pos="100000">
+              <a:srgbClr val="002060"/>
+            </a:gs>
+          </a:gsLst>
+          <a:lin ang="5400000" scaled="0"/>
+        </a:gradFill>
+        <a:effectLst/>
+      </p:bgPr>
+    </p:bg>
     <p:spTree>
       <p:nvGrpSpPr>
         <p:cNvPr id="1" name="Shape 58"/>
@@ -7533,60 +7552,14 @@
       </p:grpSpPr>
       <p:sp>
         <p:nvSpPr>
-          <p:cNvPr id="59" name="Google Shape;59;p15"/>
-          <p:cNvSpPr txBox="1">
-            <a:spLocks noGrp="1"/>
-          </p:cNvSpPr>
-          <p:nvPr>
-            <p:ph type="title"/>
-          </p:nvPr>
-        </p:nvSpPr>
-        <p:spPr>
-          <a:xfrm>
-            <a:off x="549275" y="107951"/>
-            <a:ext cx="8042275" cy="585224"/>
-          </a:xfrm>
-          <a:prstGeom prst="rect">
-            <a:avLst/>
-          </a:prstGeom>
-          <a:noFill/>
-          <a:ln>
-            <a:noFill/>
-          </a:ln>
-        </p:spPr>
-        <p:txBody>
-          <a:bodyPr spcFirstLastPara="1" wrap="square" lIns="91425" tIns="45700" rIns="91425" bIns="45700" anchor="b" anchorCtr="0">
-            <a:noAutofit/>
-          </a:bodyPr>
-          <a:lstStyle/>
-          <a:p>
-            <a:pPr marL="0" lvl="0" indent="0" algn="ctr" rtl="0">
-              <a:spcBef>
-                <a:spcPts val="0"/>
-              </a:spcBef>
-              <a:spcAft>
-                <a:spcPts val="0"/>
-              </a:spcAft>
-              <a:buNone/>
-            </a:pPr>
-            <a:r>
-              <a:rPr lang="en-US" sz="3600"/>
-              <a:t>Borgs Bros</a:t>
-            </a:r>
-            <a:endParaRPr sz="1200"/>
-          </a:p>
-        </p:txBody>
-      </p:sp>
-      <p:sp>
-        <p:nvSpPr>
           <p:cNvPr id="60" name="Google Shape;60;p15"/>
           <p:cNvSpPr txBox="1"/>
           <p:nvPr/>
         </p:nvSpPr>
         <p:spPr>
           <a:xfrm>
-            <a:off x="549274" y="759301"/>
-            <a:ext cx="8042275" cy="5702375"/>
+            <a:off x="174484" y="1536920"/>
+            <a:ext cx="7858126" cy="4177096"/>
           </a:xfrm>
           <a:prstGeom prst="rect">
             <a:avLst/>
@@ -7702,7 +7675,7 @@
                 <a:latin typeface="Calibri"/>
                 <a:cs typeface="Calibri"/>
               </a:rPr>
-              <a:t>Idea input creation </a:t>
+              <a:t>Idea input creation and providing resources to team.</a:t>
             </a:r>
             <a:endParaRPr sz="1600" dirty="0">
               <a:solidFill>
@@ -7950,6 +7923,476 @@
           </a:p>
         </p:txBody>
       </p:sp>
+      <p:grpSp>
+        <p:nvGrpSpPr>
+          <p:cNvPr id="20" name="Group 19">
+            <a:extLst>
+              <a:ext uri="{FF2B5EF4-FFF2-40B4-BE49-F238E27FC236}">
+                <a16:creationId xmlns:a16="http://schemas.microsoft.com/office/drawing/2014/main" id="{3D30B1A0-8C07-4AE0-B274-BD5E1C4C4105}"/>
+              </a:ext>
+            </a:extLst>
+          </p:cNvPr>
+          <p:cNvGrpSpPr/>
+          <p:nvPr/>
+        </p:nvGrpSpPr>
+        <p:grpSpPr>
+          <a:xfrm>
+            <a:off x="2844800" y="231995"/>
+            <a:ext cx="3162300" cy="1181100"/>
+            <a:chOff x="2730500" y="165100"/>
+            <a:chExt cx="3162300" cy="1181100"/>
+          </a:xfrm>
+        </p:grpSpPr>
+        <p:sp>
+          <p:nvSpPr>
+            <p:cNvPr id="19" name="Rectangle 18">
+              <a:extLst>
+                <a:ext uri="{FF2B5EF4-FFF2-40B4-BE49-F238E27FC236}">
+                  <a16:creationId xmlns:a16="http://schemas.microsoft.com/office/drawing/2014/main" id="{31B150DC-5159-4F4F-AB5D-4FDF3BB38E81}"/>
+                </a:ext>
+              </a:extLst>
+            </p:cNvPr>
+            <p:cNvSpPr/>
+            <p:nvPr/>
+          </p:nvSpPr>
+          <p:spPr>
+            <a:xfrm>
+              <a:off x="2730500" y="165100"/>
+              <a:ext cx="3162300" cy="1181100"/>
+            </a:xfrm>
+            <a:prstGeom prst="rect">
+              <a:avLst/>
+            </a:prstGeom>
+            <a:ln>
+              <a:noFill/>
+            </a:ln>
+          </p:spPr>
+          <p:style>
+            <a:lnRef idx="2">
+              <a:schemeClr val="dk1">
+                <a:shade val="50000"/>
+              </a:schemeClr>
+            </a:lnRef>
+            <a:fillRef idx="1">
+              <a:schemeClr val="dk1"/>
+            </a:fillRef>
+            <a:effectRef idx="0">
+              <a:schemeClr val="dk1"/>
+            </a:effectRef>
+            <a:fontRef idx="minor">
+              <a:schemeClr val="lt1"/>
+            </a:fontRef>
+          </p:style>
+          <p:txBody>
+            <a:bodyPr rtlCol="0" anchor="ctr"/>
+            <a:lstStyle/>
+            <a:p>
+              <a:pPr algn="ctr"/>
+              <a:endParaRPr lang="en-US"/>
+            </a:p>
+          </p:txBody>
+        </p:sp>
+        <p:grpSp>
+          <p:nvGrpSpPr>
+            <p:cNvPr id="15" name="Group 14">
+              <a:extLst>
+                <a:ext uri="{FF2B5EF4-FFF2-40B4-BE49-F238E27FC236}">
+                  <a16:creationId xmlns:a16="http://schemas.microsoft.com/office/drawing/2014/main" id="{DFE11299-5B40-4022-A853-8310BD6E7CEF}"/>
+                </a:ext>
+              </a:extLst>
+            </p:cNvPr>
+            <p:cNvGrpSpPr/>
+            <p:nvPr/>
+          </p:nvGrpSpPr>
+          <p:grpSpPr>
+            <a:xfrm>
+              <a:off x="3008671" y="246627"/>
+              <a:ext cx="2515829" cy="1035161"/>
+              <a:chOff x="2116143" y="4367558"/>
+              <a:chExt cx="2980616" cy="1226402"/>
+            </a:xfrm>
+          </p:grpSpPr>
+          <p:pic>
+            <p:nvPicPr>
+              <p:cNvPr id="7" name="Picture 6">
+                <a:extLst>
+                  <a:ext uri="{FF2B5EF4-FFF2-40B4-BE49-F238E27FC236}">
+                    <a16:creationId xmlns:a16="http://schemas.microsoft.com/office/drawing/2014/main" id="{A79897E8-86C6-4805-A400-29D09FF8DFFA}"/>
+                  </a:ext>
+                </a:extLst>
+              </p:cNvPr>
+              <p:cNvPicPr>
+                <a:picLocks noChangeAspect="1"/>
+              </p:cNvPicPr>
+              <p:nvPr/>
+            </p:nvPicPr>
+            <p:blipFill rotWithShape="1">
+              <a:blip r:embed="rId3">
+                <a:extLst>
+                  <a:ext uri="{837473B0-CC2E-450A-ABE3-18F120FF3D39}">
+                    <a1611:picAttrSrcUrl xmlns:a1611="http://schemas.microsoft.com/office/drawing/2016/11/main" r:id="rId4"/>
+                  </a:ext>
+                </a:extLst>
+              </a:blip>
+              <a:srcRect t="13956" b="12896"/>
+              <a:stretch/>
+            </p:blipFill>
+            <p:spPr>
+              <a:xfrm>
+                <a:off x="2116143" y="4367558"/>
+                <a:ext cx="2980616" cy="1226402"/>
+              </a:xfrm>
+              <a:prstGeom prst="rect">
+                <a:avLst/>
+              </a:prstGeom>
+            </p:spPr>
+          </p:pic>
+          <p:sp>
+            <p:nvSpPr>
+              <p:cNvPr id="8" name="Rectangle 7">
+                <a:extLst>
+                  <a:ext uri="{FF2B5EF4-FFF2-40B4-BE49-F238E27FC236}">
+                    <a16:creationId xmlns:a16="http://schemas.microsoft.com/office/drawing/2014/main" id="{83DCBE6F-60E1-4D00-9C05-AB9818D07D05}"/>
+                  </a:ext>
+                </a:extLst>
+              </p:cNvPr>
+              <p:cNvSpPr/>
+              <p:nvPr/>
+            </p:nvSpPr>
+            <p:spPr>
+              <a:xfrm>
+                <a:off x="2418787" y="4666159"/>
+                <a:ext cx="1254121" cy="629200"/>
+              </a:xfrm>
+              <a:prstGeom prst="rect">
+                <a:avLst/>
+              </a:prstGeom>
+              <a:ln>
+                <a:noFill/>
+              </a:ln>
+            </p:spPr>
+            <p:style>
+              <a:lnRef idx="2">
+                <a:schemeClr val="dk1">
+                  <a:shade val="50000"/>
+                </a:schemeClr>
+              </a:lnRef>
+              <a:fillRef idx="1">
+                <a:schemeClr val="dk1"/>
+              </a:fillRef>
+              <a:effectRef idx="0">
+                <a:schemeClr val="dk1"/>
+              </a:effectRef>
+              <a:fontRef idx="minor">
+                <a:schemeClr val="lt1"/>
+              </a:fontRef>
+            </p:style>
+            <p:txBody>
+              <a:bodyPr rtlCol="0" anchor="ctr"/>
+              <a:lstStyle/>
+              <a:p>
+                <a:pPr algn="ctr"/>
+                <a:endParaRPr lang="en-US"/>
+              </a:p>
+            </p:txBody>
+          </p:sp>
+          <p:pic>
+            <p:nvPicPr>
+              <p:cNvPr id="10" name="Picture 9">
+                <a:extLst>
+                  <a:ext uri="{FF2B5EF4-FFF2-40B4-BE49-F238E27FC236}">
+                    <a16:creationId xmlns:a16="http://schemas.microsoft.com/office/drawing/2014/main" id="{7D695188-9BC8-42C7-8413-3F64EFCA0926}"/>
+                  </a:ext>
+                </a:extLst>
+              </p:cNvPr>
+              <p:cNvPicPr>
+                <a:picLocks noChangeAspect="1"/>
+              </p:cNvPicPr>
+              <p:nvPr/>
+            </p:nvPicPr>
+            <p:blipFill rotWithShape="1">
+              <a:blip r:embed="rId3">
+                <a:extLst>
+                  <a:ext uri="{837473B0-CC2E-450A-ABE3-18F120FF3D39}">
+                    <a1611:picAttrSrcUrl xmlns:a1611="http://schemas.microsoft.com/office/drawing/2016/11/main" r:id="rId4"/>
+                  </a:ext>
+                </a:extLst>
+              </a:blip>
+              <a:srcRect l="64215" t="31860" r="28230" b="28656"/>
+              <a:stretch/>
+            </p:blipFill>
+            <p:spPr>
+              <a:xfrm>
+                <a:off x="2958066" y="4665763"/>
+                <a:ext cx="225166" cy="661988"/>
+              </a:xfrm>
+              <a:prstGeom prst="rect">
+                <a:avLst/>
+              </a:prstGeom>
+            </p:spPr>
+          </p:pic>
+          <p:pic>
+            <p:nvPicPr>
+              <p:cNvPr id="12" name="Picture 11">
+                <a:extLst>
+                  <a:ext uri="{FF2B5EF4-FFF2-40B4-BE49-F238E27FC236}">
+                    <a16:creationId xmlns:a16="http://schemas.microsoft.com/office/drawing/2014/main" id="{6413BC85-02E5-4DCE-A8E2-C5F84AA2B7C1}"/>
+                  </a:ext>
+                </a:extLst>
+              </p:cNvPr>
+              <p:cNvPicPr>
+                <a:picLocks noChangeAspect="1"/>
+              </p:cNvPicPr>
+              <p:nvPr/>
+            </p:nvPicPr>
+            <p:blipFill rotWithShape="1">
+              <a:blip r:embed="rId3">
+                <a:extLst>
+                  <a:ext uri="{837473B0-CC2E-450A-ABE3-18F120FF3D39}">
+                    <a1611:picAttrSrcUrl xmlns:a1611="http://schemas.microsoft.com/office/drawing/2016/11/main" r:id="rId4"/>
+                  </a:ext>
+                </a:extLst>
+              </a:blip>
+              <a:srcRect l="55600" t="32988" r="35973" b="29484"/>
+              <a:stretch/>
+            </p:blipFill>
+            <p:spPr>
+              <a:xfrm>
+                <a:off x="2426109" y="4687423"/>
+                <a:ext cx="251188" cy="629199"/>
+              </a:xfrm>
+              <a:prstGeom prst="rect">
+                <a:avLst/>
+              </a:prstGeom>
+            </p:spPr>
+          </p:pic>
+          <p:pic>
+            <p:nvPicPr>
+              <p:cNvPr id="13" name="Picture 12">
+                <a:extLst>
+                  <a:ext uri="{FF2B5EF4-FFF2-40B4-BE49-F238E27FC236}">
+                    <a16:creationId xmlns:a16="http://schemas.microsoft.com/office/drawing/2014/main" id="{841B49D1-D408-41ED-A3E3-E2980878C15C}"/>
+                  </a:ext>
+                </a:extLst>
+              </p:cNvPr>
+              <p:cNvPicPr>
+                <a:picLocks noChangeAspect="1"/>
+              </p:cNvPicPr>
+              <p:nvPr/>
+            </p:nvPicPr>
+            <p:blipFill rotWithShape="1">
+              <a:blip r:embed="rId3">
+                <a:extLst>
+                  <a:ext uri="{837473B0-CC2E-450A-ABE3-18F120FF3D39}">
+                    <a1611:picAttrSrcUrl xmlns:a1611="http://schemas.microsoft.com/office/drawing/2016/11/main" r:id="rId4"/>
+                  </a:ext>
+                </a:extLst>
+              </a:blip>
+              <a:srcRect l="43981" t="31391" r="47231" b="26711"/>
+              <a:stretch/>
+            </p:blipFill>
+            <p:spPr>
+              <a:xfrm>
+                <a:off x="2688376" y="4666159"/>
+                <a:ext cx="261937" cy="702469"/>
+              </a:xfrm>
+              <a:prstGeom prst="rect">
+                <a:avLst/>
+              </a:prstGeom>
+            </p:spPr>
+          </p:pic>
+          <p:grpSp>
+            <p:nvGrpSpPr>
+              <p:cNvPr id="14" name="Group 13">
+                <a:extLst>
+                  <a:ext uri="{FF2B5EF4-FFF2-40B4-BE49-F238E27FC236}">
+                    <a16:creationId xmlns:a16="http://schemas.microsoft.com/office/drawing/2014/main" id="{0463C672-EB99-4813-B6D0-E2CAB97F1387}"/>
+                  </a:ext>
+                </a:extLst>
+              </p:cNvPr>
+              <p:cNvGrpSpPr/>
+              <p:nvPr/>
+            </p:nvGrpSpPr>
+            <p:grpSpPr>
+              <a:xfrm>
+                <a:off x="3227068" y="4672424"/>
+                <a:ext cx="235923" cy="616669"/>
+                <a:chOff x="1352280" y="4672424"/>
+                <a:chExt cx="235923" cy="616669"/>
+              </a:xfrm>
+            </p:grpSpPr>
+            <p:pic>
+              <p:nvPicPr>
+                <p:cNvPr id="11" name="Picture 10">
+                  <a:extLst>
+                    <a:ext uri="{FF2B5EF4-FFF2-40B4-BE49-F238E27FC236}">
+                      <a16:creationId xmlns:a16="http://schemas.microsoft.com/office/drawing/2014/main" id="{3FE551AF-906E-4E88-8E17-15595CE3A3BB}"/>
+                    </a:ext>
+                  </a:extLst>
+                </p:cNvPr>
+                <p:cNvPicPr>
+                  <a:picLocks noChangeAspect="1"/>
+                </p:cNvPicPr>
+                <p:nvPr/>
+              </p:nvPicPr>
+              <p:blipFill rotWithShape="1">
+                <a:blip r:embed="rId3">
+                  <a:extLst>
+                    <a:ext uri="{837473B0-CC2E-450A-ABE3-18F120FF3D39}">
+                      <a1611:picAttrSrcUrl xmlns:a1611="http://schemas.microsoft.com/office/drawing/2016/11/main" r:id="rId4"/>
+                    </a:ext>
+                  </a:extLst>
+                </a:blip>
+                <a:srcRect l="71867" t="32144" r="20463" b="31076"/>
+                <a:stretch/>
+              </p:blipFill>
+              <p:spPr>
+                <a:xfrm>
+                  <a:off x="1352280" y="4672424"/>
+                  <a:ext cx="228601" cy="616669"/>
+                </a:xfrm>
+                <a:prstGeom prst="rect">
+                  <a:avLst/>
+                </a:prstGeom>
+              </p:spPr>
+            </p:pic>
+            <p:sp>
+              <p:nvSpPr>
+                <p:cNvPr id="9" name="Rectangle 8">
+                  <a:extLst>
+                    <a:ext uri="{FF2B5EF4-FFF2-40B4-BE49-F238E27FC236}">
+                      <a16:creationId xmlns:a16="http://schemas.microsoft.com/office/drawing/2014/main" id="{1482AEC0-7A7D-4B66-9545-FBB07D86EEC4}"/>
+                    </a:ext>
+                  </a:extLst>
+                </p:cNvPr>
+                <p:cNvSpPr/>
+                <p:nvPr/>
+              </p:nvSpPr>
+              <p:spPr>
+                <a:xfrm>
+                  <a:off x="1488806" y="4862165"/>
+                  <a:ext cx="99397" cy="182910"/>
+                </a:xfrm>
+                <a:prstGeom prst="rect">
+                  <a:avLst/>
+                </a:prstGeom>
+                <a:ln>
+                  <a:noFill/>
+                </a:ln>
+              </p:spPr>
+              <p:style>
+                <a:lnRef idx="2">
+                  <a:schemeClr val="dk1">
+                    <a:shade val="50000"/>
+                  </a:schemeClr>
+                </a:lnRef>
+                <a:fillRef idx="1">
+                  <a:schemeClr val="dk1"/>
+                </a:fillRef>
+                <a:effectRef idx="0">
+                  <a:schemeClr val="dk1"/>
+                </a:effectRef>
+                <a:fontRef idx="minor">
+                  <a:schemeClr val="lt1"/>
+                </a:fontRef>
+              </p:style>
+              <p:txBody>
+                <a:bodyPr rtlCol="0" anchor="ctr"/>
+                <a:lstStyle/>
+                <a:p>
+                  <a:pPr algn="ctr"/>
+                  <a:endParaRPr lang="en-US"/>
+                </a:p>
+              </p:txBody>
+            </p:sp>
+            <p:sp>
+              <p:nvSpPr>
+                <p:cNvPr id="16" name="Rectangle 15">
+                  <a:extLst>
+                    <a:ext uri="{FF2B5EF4-FFF2-40B4-BE49-F238E27FC236}">
+                      <a16:creationId xmlns:a16="http://schemas.microsoft.com/office/drawing/2014/main" id="{71195C0B-F287-4D06-81B6-46886897AB4A}"/>
+                    </a:ext>
+                  </a:extLst>
+                </p:cNvPr>
+                <p:cNvSpPr/>
+                <p:nvPr/>
+              </p:nvSpPr>
+              <p:spPr>
+                <a:xfrm>
+                  <a:off x="1463677" y="5076826"/>
+                  <a:ext cx="60324" cy="98424"/>
+                </a:xfrm>
+                <a:prstGeom prst="rect">
+                  <a:avLst/>
+                </a:prstGeom>
+                <a:ln>
+                  <a:noFill/>
+                </a:ln>
+              </p:spPr>
+              <p:style>
+                <a:lnRef idx="2">
+                  <a:schemeClr val="dk1">
+                    <a:shade val="50000"/>
+                  </a:schemeClr>
+                </a:lnRef>
+                <a:fillRef idx="1">
+                  <a:schemeClr val="dk1"/>
+                </a:fillRef>
+                <a:effectRef idx="0">
+                  <a:schemeClr val="dk1"/>
+                </a:effectRef>
+                <a:fontRef idx="minor">
+                  <a:schemeClr val="lt1"/>
+                </a:fontRef>
+              </p:style>
+              <p:txBody>
+                <a:bodyPr rtlCol="0" anchor="ctr"/>
+                <a:lstStyle/>
+                <a:p>
+                  <a:pPr algn="ctr"/>
+                  <a:endParaRPr lang="en-US"/>
+                </a:p>
+              </p:txBody>
+            </p:sp>
+          </p:grpSp>
+        </p:grpSp>
+        <p:pic>
+          <p:nvPicPr>
+            <p:cNvPr id="3" name="Picture 2">
+              <a:extLst>
+                <a:ext uri="{FF2B5EF4-FFF2-40B4-BE49-F238E27FC236}">
+                  <a16:creationId xmlns:a16="http://schemas.microsoft.com/office/drawing/2014/main" id="{DEE73BD2-4952-4EAD-AB4D-EFBAF26E1D0F}"/>
+                </a:ext>
+              </a:extLst>
+            </p:cNvPr>
+            <p:cNvPicPr>
+              <a:picLocks noChangeAspect="1"/>
+            </p:cNvPicPr>
+            <p:nvPr/>
+          </p:nvPicPr>
+          <p:blipFill>
+            <a:blip r:embed="rId5">
+              <a:extLst>
+                <a:ext uri="{837473B0-CC2E-450A-ABE3-18F120FF3D39}">
+                  <a1611:picAttrSrcUrl xmlns:a1611="http://schemas.microsoft.com/office/drawing/2016/11/main" r:id="rId6"/>
+                </a:ext>
+              </a:extLst>
+            </a:blip>
+            <a:stretch>
+              <a:fillRect/>
+            </a:stretch>
+          </p:blipFill>
+          <p:spPr>
+            <a:xfrm>
+              <a:off x="5245437" y="688860"/>
+              <a:ext cx="627807" cy="592928"/>
+            </a:xfrm>
+            <a:prstGeom prst="rect">
+              <a:avLst/>
+            </a:prstGeom>
+          </p:spPr>
+        </p:pic>
+      </p:grpSp>
     </p:spTree>
   </p:cSld>
   <p:clrMapOvr>
@@ -7961,6 +8404,25 @@
 <file path=ppt/slides/slide2.xml><?xml version="1.0" encoding="utf-8"?>
 <p:sld xmlns:a="http://schemas.openxmlformats.org/drawingml/2006/main" xmlns:r="http://schemas.openxmlformats.org/officeDocument/2006/relationships" xmlns:p="http://schemas.openxmlformats.org/presentationml/2006/main">
   <p:cSld>
+    <p:bg>
+      <p:bgPr>
+        <a:gradFill>
+          <a:gsLst>
+            <a:gs pos="0">
+              <a:srgbClr val="F2F2F2"/>
+            </a:gs>
+            <a:gs pos="77000">
+              <a:srgbClr val="F2F2F2"/>
+            </a:gs>
+            <a:gs pos="100000">
+              <a:srgbClr val="002060"/>
+            </a:gs>
+          </a:gsLst>
+          <a:lin ang="5400000" scaled="0"/>
+        </a:gradFill>
+        <a:effectLst/>
+      </p:bgPr>
+    </p:bg>
     <p:spTree>
       <p:nvGrpSpPr>
         <p:cNvPr id="1" name="Shape 64"/>
@@ -7977,52 +8439,6 @@
       </p:grpSpPr>
       <p:sp>
         <p:nvSpPr>
-          <p:cNvPr id="65" name="Google Shape;65;p16"/>
-          <p:cNvSpPr txBox="1">
-            <a:spLocks noGrp="1"/>
-          </p:cNvSpPr>
-          <p:nvPr>
-            <p:ph type="title"/>
-          </p:nvPr>
-        </p:nvSpPr>
-        <p:spPr>
-          <a:xfrm>
-            <a:off x="549275" y="107951"/>
-            <a:ext cx="8042275" cy="585224"/>
-          </a:xfrm>
-          <a:prstGeom prst="rect">
-            <a:avLst/>
-          </a:prstGeom>
-          <a:noFill/>
-          <a:ln>
-            <a:noFill/>
-          </a:ln>
-        </p:spPr>
-        <p:txBody>
-          <a:bodyPr spcFirstLastPara="1" wrap="square" lIns="91425" tIns="45700" rIns="91425" bIns="45700" anchor="b" anchorCtr="0">
-            <a:noAutofit/>
-          </a:bodyPr>
-          <a:lstStyle/>
-          <a:p>
-            <a:pPr marL="0" lvl="0" indent="0" algn="ctr" rtl="0">
-              <a:spcBef>
-                <a:spcPts val="0"/>
-              </a:spcBef>
-              <a:spcAft>
-                <a:spcPts val="0"/>
-              </a:spcAft>
-              <a:buNone/>
-            </a:pPr>
-            <a:r>
-              <a:rPr lang="en-US" sz="3600"/>
-              <a:t>Borgs Bros</a:t>
-            </a:r>
-            <a:endParaRPr sz="1200"/>
-          </a:p>
-        </p:txBody>
-      </p:sp>
-      <p:sp>
-        <p:nvSpPr>
           <p:cNvPr id="66" name="Google Shape;66;p16"/>
           <p:cNvSpPr txBox="1">
             <a:spLocks noGrp="1"/>
@@ -8033,7 +8449,7 @@
         </p:nvSpPr>
         <p:spPr>
           <a:xfrm>
-            <a:off x="549275" y="693175"/>
+            <a:off x="307975" y="1530719"/>
             <a:ext cx="8042275" cy="5702375"/>
           </a:xfrm>
           <a:prstGeom prst="rect">
@@ -8071,6 +8487,21 @@
             <a:endParaRPr dirty="0"/>
           </a:p>
           <a:p>
+            <a:pPr marL="968375" lvl="2" indent="-282575">
+              <a:spcBef>
+                <a:spcPts val="1200"/>
+              </a:spcBef>
+            </a:pPr>
+            <a:r>
+              <a:rPr lang="en-US" sz="1800" dirty="0">
+                <a:solidFill>
+                  <a:schemeClr val="dk1"/>
+                </a:solidFill>
+              </a:rPr>
+              <a:t>Time management, underestimating how much time it takes to complete a task</a:t>
+            </a:r>
+          </a:p>
+          <a:p>
             <a:pPr marL="968375" lvl="2" indent="-282575" algn="l" rtl="0">
               <a:spcBef>
                 <a:spcPts val="1200"/>
@@ -8109,55 +8540,6 @@
                 </a:solidFill>
               </a:rPr>
               <a:t> Learning how to create “real time” updates for the multiplayer aspect with multiple users. Will require more research. </a:t>
-            </a:r>
-            <a:endParaRPr dirty="0"/>
-          </a:p>
-          <a:p>
-            <a:pPr marL="968375" lvl="2" indent="-282575">
-              <a:spcBef>
-                <a:spcPts val="1200"/>
-              </a:spcBef>
-            </a:pPr>
-            <a:r>
-              <a:rPr lang="en-US" sz="1800" dirty="0">
-                <a:solidFill>
-                  <a:schemeClr val="dk1"/>
-                </a:solidFill>
-              </a:rPr>
-              <a:t> Time management, underestimating how much time it takes to complete a task.</a:t>
-            </a:r>
-          </a:p>
-          <a:p>
-            <a:pPr marL="968375" lvl="2" indent="-282575" algn="l" rtl="0">
-              <a:spcBef>
-                <a:spcPts val="1200"/>
-              </a:spcBef>
-              <a:spcAft>
-                <a:spcPts val="0"/>
-              </a:spcAft>
-              <a:buSzPts val="1980"/>
-              <a:buChar char="⚫"/>
-            </a:pPr>
-            <a:endParaRPr dirty="0"/>
-          </a:p>
-          <a:p>
-            <a:pPr marL="968375" lvl="2" indent="-282575" algn="l" rtl="0">
-              <a:spcBef>
-                <a:spcPts val="1200"/>
-              </a:spcBef>
-              <a:spcAft>
-                <a:spcPts val="0"/>
-              </a:spcAft>
-              <a:buSzPts val="1980"/>
-              <a:buChar char="⚫"/>
-            </a:pPr>
-            <a:r>
-              <a:rPr lang="en-US" sz="1800" dirty="0">
-                <a:solidFill>
-                  <a:schemeClr val="dk1"/>
-                </a:solidFill>
-              </a:rPr>
-              <a:t>.</a:t>
             </a:r>
             <a:endParaRPr dirty="0"/>
           </a:p>
@@ -8262,6 +8644,476 @@
           </a:p>
         </p:txBody>
       </p:sp>
+      <p:grpSp>
+        <p:nvGrpSpPr>
+          <p:cNvPr id="19" name="Group 18">
+            <a:extLst>
+              <a:ext uri="{FF2B5EF4-FFF2-40B4-BE49-F238E27FC236}">
+                <a16:creationId xmlns:a16="http://schemas.microsoft.com/office/drawing/2014/main" id="{66AACA61-6918-4050-B0D6-B1EBF1498D38}"/>
+              </a:ext>
+            </a:extLst>
+          </p:cNvPr>
+          <p:cNvGrpSpPr/>
+          <p:nvPr/>
+        </p:nvGrpSpPr>
+        <p:grpSpPr>
+          <a:xfrm>
+            <a:off x="2844800" y="231995"/>
+            <a:ext cx="3162300" cy="1181100"/>
+            <a:chOff x="2730500" y="165100"/>
+            <a:chExt cx="3162300" cy="1181100"/>
+          </a:xfrm>
+        </p:grpSpPr>
+        <p:sp>
+          <p:nvSpPr>
+            <p:cNvPr id="20" name="Rectangle 19">
+              <a:extLst>
+                <a:ext uri="{FF2B5EF4-FFF2-40B4-BE49-F238E27FC236}">
+                  <a16:creationId xmlns:a16="http://schemas.microsoft.com/office/drawing/2014/main" id="{346AD0B0-9D7D-474A-9DCD-1254A9B854B6}"/>
+                </a:ext>
+              </a:extLst>
+            </p:cNvPr>
+            <p:cNvSpPr/>
+            <p:nvPr/>
+          </p:nvSpPr>
+          <p:spPr>
+            <a:xfrm>
+              <a:off x="2730500" y="165100"/>
+              <a:ext cx="3162300" cy="1181100"/>
+            </a:xfrm>
+            <a:prstGeom prst="rect">
+              <a:avLst/>
+            </a:prstGeom>
+            <a:ln>
+              <a:noFill/>
+            </a:ln>
+          </p:spPr>
+          <p:style>
+            <a:lnRef idx="2">
+              <a:schemeClr val="dk1">
+                <a:shade val="50000"/>
+              </a:schemeClr>
+            </a:lnRef>
+            <a:fillRef idx="1">
+              <a:schemeClr val="dk1"/>
+            </a:fillRef>
+            <a:effectRef idx="0">
+              <a:schemeClr val="dk1"/>
+            </a:effectRef>
+            <a:fontRef idx="minor">
+              <a:schemeClr val="lt1"/>
+            </a:fontRef>
+          </p:style>
+          <p:txBody>
+            <a:bodyPr rtlCol="0" anchor="ctr"/>
+            <a:lstStyle/>
+            <a:p>
+              <a:pPr algn="ctr"/>
+              <a:endParaRPr lang="en-US"/>
+            </a:p>
+          </p:txBody>
+        </p:sp>
+        <p:grpSp>
+          <p:nvGrpSpPr>
+            <p:cNvPr id="21" name="Group 20">
+              <a:extLst>
+                <a:ext uri="{FF2B5EF4-FFF2-40B4-BE49-F238E27FC236}">
+                  <a16:creationId xmlns:a16="http://schemas.microsoft.com/office/drawing/2014/main" id="{0DAF4129-171C-4B32-AE60-E2923A4C6D57}"/>
+                </a:ext>
+              </a:extLst>
+            </p:cNvPr>
+            <p:cNvGrpSpPr/>
+            <p:nvPr/>
+          </p:nvGrpSpPr>
+          <p:grpSpPr>
+            <a:xfrm>
+              <a:off x="3008671" y="246627"/>
+              <a:ext cx="2515829" cy="1035161"/>
+              <a:chOff x="2116143" y="4367558"/>
+              <a:chExt cx="2980616" cy="1226402"/>
+            </a:xfrm>
+          </p:grpSpPr>
+          <p:pic>
+            <p:nvPicPr>
+              <p:cNvPr id="23" name="Picture 22">
+                <a:extLst>
+                  <a:ext uri="{FF2B5EF4-FFF2-40B4-BE49-F238E27FC236}">
+                    <a16:creationId xmlns:a16="http://schemas.microsoft.com/office/drawing/2014/main" id="{AE9906DE-0163-438B-8C4B-6AA0E060CC51}"/>
+                  </a:ext>
+                </a:extLst>
+              </p:cNvPr>
+              <p:cNvPicPr>
+                <a:picLocks noChangeAspect="1"/>
+              </p:cNvPicPr>
+              <p:nvPr/>
+            </p:nvPicPr>
+            <p:blipFill rotWithShape="1">
+              <a:blip r:embed="rId3">
+                <a:extLst>
+                  <a:ext uri="{837473B0-CC2E-450A-ABE3-18F120FF3D39}">
+                    <a1611:picAttrSrcUrl xmlns:a1611="http://schemas.microsoft.com/office/drawing/2016/11/main" r:id="rId4"/>
+                  </a:ext>
+                </a:extLst>
+              </a:blip>
+              <a:srcRect t="13956" b="12896"/>
+              <a:stretch/>
+            </p:blipFill>
+            <p:spPr>
+              <a:xfrm>
+                <a:off x="2116143" y="4367558"/>
+                <a:ext cx="2980616" cy="1226402"/>
+              </a:xfrm>
+              <a:prstGeom prst="rect">
+                <a:avLst/>
+              </a:prstGeom>
+            </p:spPr>
+          </p:pic>
+          <p:sp>
+            <p:nvSpPr>
+              <p:cNvPr id="24" name="Rectangle 23">
+                <a:extLst>
+                  <a:ext uri="{FF2B5EF4-FFF2-40B4-BE49-F238E27FC236}">
+                    <a16:creationId xmlns:a16="http://schemas.microsoft.com/office/drawing/2014/main" id="{1B60C56A-79AC-4B16-8404-F8966206B831}"/>
+                  </a:ext>
+                </a:extLst>
+              </p:cNvPr>
+              <p:cNvSpPr/>
+              <p:nvPr/>
+            </p:nvSpPr>
+            <p:spPr>
+              <a:xfrm>
+                <a:off x="2418787" y="4666159"/>
+                <a:ext cx="1254121" cy="629200"/>
+              </a:xfrm>
+              <a:prstGeom prst="rect">
+                <a:avLst/>
+              </a:prstGeom>
+              <a:ln>
+                <a:noFill/>
+              </a:ln>
+            </p:spPr>
+            <p:style>
+              <a:lnRef idx="2">
+                <a:schemeClr val="dk1">
+                  <a:shade val="50000"/>
+                </a:schemeClr>
+              </a:lnRef>
+              <a:fillRef idx="1">
+                <a:schemeClr val="dk1"/>
+              </a:fillRef>
+              <a:effectRef idx="0">
+                <a:schemeClr val="dk1"/>
+              </a:effectRef>
+              <a:fontRef idx="minor">
+                <a:schemeClr val="lt1"/>
+              </a:fontRef>
+            </p:style>
+            <p:txBody>
+              <a:bodyPr rtlCol="0" anchor="ctr"/>
+              <a:lstStyle/>
+              <a:p>
+                <a:pPr algn="ctr"/>
+                <a:endParaRPr lang="en-US"/>
+              </a:p>
+            </p:txBody>
+          </p:sp>
+          <p:pic>
+            <p:nvPicPr>
+              <p:cNvPr id="25" name="Picture 24">
+                <a:extLst>
+                  <a:ext uri="{FF2B5EF4-FFF2-40B4-BE49-F238E27FC236}">
+                    <a16:creationId xmlns:a16="http://schemas.microsoft.com/office/drawing/2014/main" id="{6D12A3E4-8062-4C41-986B-3B931C5602D0}"/>
+                  </a:ext>
+                </a:extLst>
+              </p:cNvPr>
+              <p:cNvPicPr>
+                <a:picLocks noChangeAspect="1"/>
+              </p:cNvPicPr>
+              <p:nvPr/>
+            </p:nvPicPr>
+            <p:blipFill rotWithShape="1">
+              <a:blip r:embed="rId3">
+                <a:extLst>
+                  <a:ext uri="{837473B0-CC2E-450A-ABE3-18F120FF3D39}">
+                    <a1611:picAttrSrcUrl xmlns:a1611="http://schemas.microsoft.com/office/drawing/2016/11/main" r:id="rId4"/>
+                  </a:ext>
+                </a:extLst>
+              </a:blip>
+              <a:srcRect l="64215" t="31860" r="28230" b="28656"/>
+              <a:stretch/>
+            </p:blipFill>
+            <p:spPr>
+              <a:xfrm>
+                <a:off x="2958066" y="4665763"/>
+                <a:ext cx="225166" cy="661988"/>
+              </a:xfrm>
+              <a:prstGeom prst="rect">
+                <a:avLst/>
+              </a:prstGeom>
+            </p:spPr>
+          </p:pic>
+          <p:pic>
+            <p:nvPicPr>
+              <p:cNvPr id="26" name="Picture 25">
+                <a:extLst>
+                  <a:ext uri="{FF2B5EF4-FFF2-40B4-BE49-F238E27FC236}">
+                    <a16:creationId xmlns:a16="http://schemas.microsoft.com/office/drawing/2014/main" id="{6D7B8515-1257-494A-964A-F4BF20FEC8E5}"/>
+                  </a:ext>
+                </a:extLst>
+              </p:cNvPr>
+              <p:cNvPicPr>
+                <a:picLocks noChangeAspect="1"/>
+              </p:cNvPicPr>
+              <p:nvPr/>
+            </p:nvPicPr>
+            <p:blipFill rotWithShape="1">
+              <a:blip r:embed="rId3">
+                <a:extLst>
+                  <a:ext uri="{837473B0-CC2E-450A-ABE3-18F120FF3D39}">
+                    <a1611:picAttrSrcUrl xmlns:a1611="http://schemas.microsoft.com/office/drawing/2016/11/main" r:id="rId4"/>
+                  </a:ext>
+                </a:extLst>
+              </a:blip>
+              <a:srcRect l="55600" t="32988" r="35973" b="29484"/>
+              <a:stretch/>
+            </p:blipFill>
+            <p:spPr>
+              <a:xfrm>
+                <a:off x="2426109" y="4687423"/>
+                <a:ext cx="251188" cy="629199"/>
+              </a:xfrm>
+              <a:prstGeom prst="rect">
+                <a:avLst/>
+              </a:prstGeom>
+            </p:spPr>
+          </p:pic>
+          <p:pic>
+            <p:nvPicPr>
+              <p:cNvPr id="27" name="Picture 26">
+                <a:extLst>
+                  <a:ext uri="{FF2B5EF4-FFF2-40B4-BE49-F238E27FC236}">
+                    <a16:creationId xmlns:a16="http://schemas.microsoft.com/office/drawing/2014/main" id="{66D0D584-6B30-4DBC-A260-6E2AC70DDF93}"/>
+                  </a:ext>
+                </a:extLst>
+              </p:cNvPr>
+              <p:cNvPicPr>
+                <a:picLocks noChangeAspect="1"/>
+              </p:cNvPicPr>
+              <p:nvPr/>
+            </p:nvPicPr>
+            <p:blipFill rotWithShape="1">
+              <a:blip r:embed="rId3">
+                <a:extLst>
+                  <a:ext uri="{837473B0-CC2E-450A-ABE3-18F120FF3D39}">
+                    <a1611:picAttrSrcUrl xmlns:a1611="http://schemas.microsoft.com/office/drawing/2016/11/main" r:id="rId4"/>
+                  </a:ext>
+                </a:extLst>
+              </a:blip>
+              <a:srcRect l="43981" t="31391" r="47231" b="26711"/>
+              <a:stretch/>
+            </p:blipFill>
+            <p:spPr>
+              <a:xfrm>
+                <a:off x="2688376" y="4666159"/>
+                <a:ext cx="261937" cy="702469"/>
+              </a:xfrm>
+              <a:prstGeom prst="rect">
+                <a:avLst/>
+              </a:prstGeom>
+            </p:spPr>
+          </p:pic>
+          <p:grpSp>
+            <p:nvGrpSpPr>
+              <p:cNvPr id="28" name="Group 27">
+                <a:extLst>
+                  <a:ext uri="{FF2B5EF4-FFF2-40B4-BE49-F238E27FC236}">
+                    <a16:creationId xmlns:a16="http://schemas.microsoft.com/office/drawing/2014/main" id="{7526EECA-9701-43DE-B4D7-38C0C65C762E}"/>
+                  </a:ext>
+                </a:extLst>
+              </p:cNvPr>
+              <p:cNvGrpSpPr/>
+              <p:nvPr/>
+            </p:nvGrpSpPr>
+            <p:grpSpPr>
+              <a:xfrm>
+                <a:off x="3227068" y="4672424"/>
+                <a:ext cx="235923" cy="616669"/>
+                <a:chOff x="1352280" y="4672424"/>
+                <a:chExt cx="235923" cy="616669"/>
+              </a:xfrm>
+            </p:grpSpPr>
+            <p:pic>
+              <p:nvPicPr>
+                <p:cNvPr id="29" name="Picture 28">
+                  <a:extLst>
+                    <a:ext uri="{FF2B5EF4-FFF2-40B4-BE49-F238E27FC236}">
+                      <a16:creationId xmlns:a16="http://schemas.microsoft.com/office/drawing/2014/main" id="{F116A6C4-CD5D-48CF-B090-76B6DFF0C1E7}"/>
+                    </a:ext>
+                  </a:extLst>
+                </p:cNvPr>
+                <p:cNvPicPr>
+                  <a:picLocks noChangeAspect="1"/>
+                </p:cNvPicPr>
+                <p:nvPr/>
+              </p:nvPicPr>
+              <p:blipFill rotWithShape="1">
+                <a:blip r:embed="rId3">
+                  <a:extLst>
+                    <a:ext uri="{837473B0-CC2E-450A-ABE3-18F120FF3D39}">
+                      <a1611:picAttrSrcUrl xmlns:a1611="http://schemas.microsoft.com/office/drawing/2016/11/main" r:id="rId4"/>
+                    </a:ext>
+                  </a:extLst>
+                </a:blip>
+                <a:srcRect l="71867" t="32144" r="20463" b="31076"/>
+                <a:stretch/>
+              </p:blipFill>
+              <p:spPr>
+                <a:xfrm>
+                  <a:off x="1352280" y="4672424"/>
+                  <a:ext cx="228601" cy="616669"/>
+                </a:xfrm>
+                <a:prstGeom prst="rect">
+                  <a:avLst/>
+                </a:prstGeom>
+              </p:spPr>
+            </p:pic>
+            <p:sp>
+              <p:nvSpPr>
+                <p:cNvPr id="30" name="Rectangle 29">
+                  <a:extLst>
+                    <a:ext uri="{FF2B5EF4-FFF2-40B4-BE49-F238E27FC236}">
+                      <a16:creationId xmlns:a16="http://schemas.microsoft.com/office/drawing/2014/main" id="{3B007971-91BC-4935-9C37-2CB8C9F07CAD}"/>
+                    </a:ext>
+                  </a:extLst>
+                </p:cNvPr>
+                <p:cNvSpPr/>
+                <p:nvPr/>
+              </p:nvSpPr>
+              <p:spPr>
+                <a:xfrm>
+                  <a:off x="1488806" y="4862165"/>
+                  <a:ext cx="99397" cy="182910"/>
+                </a:xfrm>
+                <a:prstGeom prst="rect">
+                  <a:avLst/>
+                </a:prstGeom>
+                <a:ln>
+                  <a:noFill/>
+                </a:ln>
+              </p:spPr>
+              <p:style>
+                <a:lnRef idx="2">
+                  <a:schemeClr val="dk1">
+                    <a:shade val="50000"/>
+                  </a:schemeClr>
+                </a:lnRef>
+                <a:fillRef idx="1">
+                  <a:schemeClr val="dk1"/>
+                </a:fillRef>
+                <a:effectRef idx="0">
+                  <a:schemeClr val="dk1"/>
+                </a:effectRef>
+                <a:fontRef idx="minor">
+                  <a:schemeClr val="lt1"/>
+                </a:fontRef>
+              </p:style>
+              <p:txBody>
+                <a:bodyPr rtlCol="0" anchor="ctr"/>
+                <a:lstStyle/>
+                <a:p>
+                  <a:pPr algn="ctr"/>
+                  <a:endParaRPr lang="en-US"/>
+                </a:p>
+              </p:txBody>
+            </p:sp>
+            <p:sp>
+              <p:nvSpPr>
+                <p:cNvPr id="31" name="Rectangle 30">
+                  <a:extLst>
+                    <a:ext uri="{FF2B5EF4-FFF2-40B4-BE49-F238E27FC236}">
+                      <a16:creationId xmlns:a16="http://schemas.microsoft.com/office/drawing/2014/main" id="{21D59E4A-6F07-48AC-87DE-C8A32D2B1DAD}"/>
+                    </a:ext>
+                  </a:extLst>
+                </p:cNvPr>
+                <p:cNvSpPr/>
+                <p:nvPr/>
+              </p:nvSpPr>
+              <p:spPr>
+                <a:xfrm>
+                  <a:off x="1463677" y="5076826"/>
+                  <a:ext cx="60324" cy="98424"/>
+                </a:xfrm>
+                <a:prstGeom prst="rect">
+                  <a:avLst/>
+                </a:prstGeom>
+                <a:ln>
+                  <a:noFill/>
+                </a:ln>
+              </p:spPr>
+              <p:style>
+                <a:lnRef idx="2">
+                  <a:schemeClr val="dk1">
+                    <a:shade val="50000"/>
+                  </a:schemeClr>
+                </a:lnRef>
+                <a:fillRef idx="1">
+                  <a:schemeClr val="dk1"/>
+                </a:fillRef>
+                <a:effectRef idx="0">
+                  <a:schemeClr val="dk1"/>
+                </a:effectRef>
+                <a:fontRef idx="minor">
+                  <a:schemeClr val="lt1"/>
+                </a:fontRef>
+              </p:style>
+              <p:txBody>
+                <a:bodyPr rtlCol="0" anchor="ctr"/>
+                <a:lstStyle/>
+                <a:p>
+                  <a:pPr algn="ctr"/>
+                  <a:endParaRPr lang="en-US"/>
+                </a:p>
+              </p:txBody>
+            </p:sp>
+          </p:grpSp>
+        </p:grpSp>
+        <p:pic>
+          <p:nvPicPr>
+            <p:cNvPr id="22" name="Picture 21">
+              <a:extLst>
+                <a:ext uri="{FF2B5EF4-FFF2-40B4-BE49-F238E27FC236}">
+                  <a16:creationId xmlns:a16="http://schemas.microsoft.com/office/drawing/2014/main" id="{5A246887-0F6F-40AB-98BA-5477632E80FA}"/>
+                </a:ext>
+              </a:extLst>
+            </p:cNvPr>
+            <p:cNvPicPr>
+              <a:picLocks noChangeAspect="1"/>
+            </p:cNvPicPr>
+            <p:nvPr/>
+          </p:nvPicPr>
+          <p:blipFill>
+            <a:blip r:embed="rId5">
+              <a:extLst>
+                <a:ext uri="{837473B0-CC2E-450A-ABE3-18F120FF3D39}">
+                  <a1611:picAttrSrcUrl xmlns:a1611="http://schemas.microsoft.com/office/drawing/2016/11/main" r:id="rId6"/>
+                </a:ext>
+              </a:extLst>
+            </a:blip>
+            <a:stretch>
+              <a:fillRect/>
+            </a:stretch>
+          </p:blipFill>
+          <p:spPr>
+            <a:xfrm>
+              <a:off x="5245437" y="688860"/>
+              <a:ext cx="627807" cy="592928"/>
+            </a:xfrm>
+            <a:prstGeom prst="rect">
+              <a:avLst/>
+            </a:prstGeom>
+          </p:spPr>
+        </p:pic>
+      </p:grpSp>
     </p:spTree>
   </p:cSld>
   <p:clrMapOvr>
@@ -8273,6 +9125,25 @@
 <file path=ppt/slides/slide3.xml><?xml version="1.0" encoding="utf-8"?>
 <p:sld xmlns:a="http://schemas.openxmlformats.org/drawingml/2006/main" xmlns:r="http://schemas.openxmlformats.org/officeDocument/2006/relationships" xmlns:p="http://schemas.openxmlformats.org/presentationml/2006/main">
   <p:cSld>
+    <p:bg>
+      <p:bgPr>
+        <a:gradFill>
+          <a:gsLst>
+            <a:gs pos="0">
+              <a:srgbClr val="F2F2F2"/>
+            </a:gs>
+            <a:gs pos="77000">
+              <a:srgbClr val="F2F2F2"/>
+            </a:gs>
+            <a:gs pos="100000">
+              <a:srgbClr val="002060"/>
+            </a:gs>
+          </a:gsLst>
+          <a:lin ang="5400000" scaled="0"/>
+        </a:gradFill>
+        <a:effectLst/>
+      </p:bgPr>
+    </p:bg>
     <p:spTree>
       <p:nvGrpSpPr>
         <p:cNvPr id="1" name="Shape 70"/>
@@ -8289,52 +9160,6 @@
       </p:grpSpPr>
       <p:sp>
         <p:nvSpPr>
-          <p:cNvPr id="71" name="Google Shape;71;p17"/>
-          <p:cNvSpPr txBox="1">
-            <a:spLocks noGrp="1"/>
-          </p:cNvSpPr>
-          <p:nvPr>
-            <p:ph type="title"/>
-          </p:nvPr>
-        </p:nvSpPr>
-        <p:spPr>
-          <a:xfrm>
-            <a:off x="549275" y="107951"/>
-            <a:ext cx="8042275" cy="585224"/>
-          </a:xfrm>
-          <a:prstGeom prst="rect">
-            <a:avLst/>
-          </a:prstGeom>
-          <a:noFill/>
-          <a:ln>
-            <a:noFill/>
-          </a:ln>
-        </p:spPr>
-        <p:txBody>
-          <a:bodyPr spcFirstLastPara="1" wrap="square" lIns="91425" tIns="45700" rIns="91425" bIns="45700" anchor="b" anchorCtr="0">
-            <a:noAutofit/>
-          </a:bodyPr>
-          <a:lstStyle/>
-          <a:p>
-            <a:pPr marL="0" lvl="0" indent="0" algn="ctr" rtl="0">
-              <a:spcBef>
-                <a:spcPts val="0"/>
-              </a:spcBef>
-              <a:spcAft>
-                <a:spcPts val="0"/>
-              </a:spcAft>
-              <a:buNone/>
-            </a:pPr>
-            <a:r>
-              <a:rPr lang="en-US" sz="3600"/>
-              <a:t>Borgs Bros</a:t>
-            </a:r>
-            <a:endParaRPr sz="1200"/>
-          </a:p>
-        </p:txBody>
-      </p:sp>
-      <p:sp>
-        <p:nvSpPr>
           <p:cNvPr id="72" name="Google Shape;72;p17"/>
           <p:cNvSpPr txBox="1">
             <a:spLocks noGrp="1"/>
@@ -8345,7 +9170,7 @@
         </p:nvSpPr>
         <p:spPr>
           <a:xfrm>
-            <a:off x="549275" y="693175"/>
+            <a:off x="397847" y="1667251"/>
             <a:ext cx="8042275" cy="5702375"/>
           </a:xfrm>
           <a:prstGeom prst="rect">
@@ -8415,7 +9240,7 @@
                   <a:schemeClr val="dk1"/>
                 </a:solidFill>
               </a:rPr>
-              <a:t>Updating Task Board and Communication</a:t>
+              <a:t>Updating Task Board and Communication. Having more realistic tasks that can be completed within the time frame.</a:t>
             </a:r>
             <a:endParaRPr dirty="0"/>
           </a:p>
@@ -8478,7 +9303,7 @@
                   <a:schemeClr val="dk1"/>
                 </a:solidFill>
               </a:rPr>
-              <a:t>Daniel – Informing team of current task and task progress. Manage schedule to have more time for group meetups.</a:t>
+              <a:t>Daniel – Informing team of current task and task progress. Manage personal schedule to have more time for group meetups.</a:t>
             </a:r>
             <a:endParaRPr dirty="0"/>
           </a:p>
@@ -8578,6 +9403,476 @@
           </a:p>
         </p:txBody>
       </p:sp>
+      <p:grpSp>
+        <p:nvGrpSpPr>
+          <p:cNvPr id="19" name="Group 18">
+            <a:extLst>
+              <a:ext uri="{FF2B5EF4-FFF2-40B4-BE49-F238E27FC236}">
+                <a16:creationId xmlns:a16="http://schemas.microsoft.com/office/drawing/2014/main" id="{B71D027F-DC51-441A-8282-771D429712C7}"/>
+              </a:ext>
+            </a:extLst>
+          </p:cNvPr>
+          <p:cNvGrpSpPr/>
+          <p:nvPr/>
+        </p:nvGrpSpPr>
+        <p:grpSpPr>
+          <a:xfrm>
+            <a:off x="2844800" y="231995"/>
+            <a:ext cx="3162300" cy="1181100"/>
+            <a:chOff x="2730500" y="165100"/>
+            <a:chExt cx="3162300" cy="1181100"/>
+          </a:xfrm>
+        </p:grpSpPr>
+        <p:sp>
+          <p:nvSpPr>
+            <p:cNvPr id="20" name="Rectangle 19">
+              <a:extLst>
+                <a:ext uri="{FF2B5EF4-FFF2-40B4-BE49-F238E27FC236}">
+                  <a16:creationId xmlns:a16="http://schemas.microsoft.com/office/drawing/2014/main" id="{2B8D2DF4-93E6-467F-A6FB-8802BDB0697C}"/>
+                </a:ext>
+              </a:extLst>
+            </p:cNvPr>
+            <p:cNvSpPr/>
+            <p:nvPr/>
+          </p:nvSpPr>
+          <p:spPr>
+            <a:xfrm>
+              <a:off x="2730500" y="165100"/>
+              <a:ext cx="3162300" cy="1181100"/>
+            </a:xfrm>
+            <a:prstGeom prst="rect">
+              <a:avLst/>
+            </a:prstGeom>
+            <a:ln>
+              <a:noFill/>
+            </a:ln>
+          </p:spPr>
+          <p:style>
+            <a:lnRef idx="2">
+              <a:schemeClr val="dk1">
+                <a:shade val="50000"/>
+              </a:schemeClr>
+            </a:lnRef>
+            <a:fillRef idx="1">
+              <a:schemeClr val="dk1"/>
+            </a:fillRef>
+            <a:effectRef idx="0">
+              <a:schemeClr val="dk1"/>
+            </a:effectRef>
+            <a:fontRef idx="minor">
+              <a:schemeClr val="lt1"/>
+            </a:fontRef>
+          </p:style>
+          <p:txBody>
+            <a:bodyPr rtlCol="0" anchor="ctr"/>
+            <a:lstStyle/>
+            <a:p>
+              <a:pPr algn="ctr"/>
+              <a:endParaRPr lang="en-US"/>
+            </a:p>
+          </p:txBody>
+        </p:sp>
+        <p:grpSp>
+          <p:nvGrpSpPr>
+            <p:cNvPr id="21" name="Group 20">
+              <a:extLst>
+                <a:ext uri="{FF2B5EF4-FFF2-40B4-BE49-F238E27FC236}">
+                  <a16:creationId xmlns:a16="http://schemas.microsoft.com/office/drawing/2014/main" id="{F30D7C07-B0EA-4A3E-AF0E-37311B3BDD13}"/>
+                </a:ext>
+              </a:extLst>
+            </p:cNvPr>
+            <p:cNvGrpSpPr/>
+            <p:nvPr/>
+          </p:nvGrpSpPr>
+          <p:grpSpPr>
+            <a:xfrm>
+              <a:off x="3008671" y="246627"/>
+              <a:ext cx="2515829" cy="1035161"/>
+              <a:chOff x="2116143" y="4367558"/>
+              <a:chExt cx="2980616" cy="1226402"/>
+            </a:xfrm>
+          </p:grpSpPr>
+          <p:pic>
+            <p:nvPicPr>
+              <p:cNvPr id="23" name="Picture 22">
+                <a:extLst>
+                  <a:ext uri="{FF2B5EF4-FFF2-40B4-BE49-F238E27FC236}">
+                    <a16:creationId xmlns:a16="http://schemas.microsoft.com/office/drawing/2014/main" id="{A52743C1-F896-49EB-A0AC-E87C131E7E6C}"/>
+                  </a:ext>
+                </a:extLst>
+              </p:cNvPr>
+              <p:cNvPicPr>
+                <a:picLocks noChangeAspect="1"/>
+              </p:cNvPicPr>
+              <p:nvPr/>
+            </p:nvPicPr>
+            <p:blipFill rotWithShape="1">
+              <a:blip r:embed="rId3">
+                <a:extLst>
+                  <a:ext uri="{837473B0-CC2E-450A-ABE3-18F120FF3D39}">
+                    <a1611:picAttrSrcUrl xmlns:a1611="http://schemas.microsoft.com/office/drawing/2016/11/main" r:id="rId4"/>
+                  </a:ext>
+                </a:extLst>
+              </a:blip>
+              <a:srcRect t="13956" b="12896"/>
+              <a:stretch/>
+            </p:blipFill>
+            <p:spPr>
+              <a:xfrm>
+                <a:off x="2116143" y="4367558"/>
+                <a:ext cx="2980616" cy="1226402"/>
+              </a:xfrm>
+              <a:prstGeom prst="rect">
+                <a:avLst/>
+              </a:prstGeom>
+            </p:spPr>
+          </p:pic>
+          <p:sp>
+            <p:nvSpPr>
+              <p:cNvPr id="24" name="Rectangle 23">
+                <a:extLst>
+                  <a:ext uri="{FF2B5EF4-FFF2-40B4-BE49-F238E27FC236}">
+                    <a16:creationId xmlns:a16="http://schemas.microsoft.com/office/drawing/2014/main" id="{01329761-9405-4275-8CFF-D8D953F1699D}"/>
+                  </a:ext>
+                </a:extLst>
+              </p:cNvPr>
+              <p:cNvSpPr/>
+              <p:nvPr/>
+            </p:nvSpPr>
+            <p:spPr>
+              <a:xfrm>
+                <a:off x="2418787" y="4666159"/>
+                <a:ext cx="1254121" cy="629200"/>
+              </a:xfrm>
+              <a:prstGeom prst="rect">
+                <a:avLst/>
+              </a:prstGeom>
+              <a:ln>
+                <a:noFill/>
+              </a:ln>
+            </p:spPr>
+            <p:style>
+              <a:lnRef idx="2">
+                <a:schemeClr val="dk1">
+                  <a:shade val="50000"/>
+                </a:schemeClr>
+              </a:lnRef>
+              <a:fillRef idx="1">
+                <a:schemeClr val="dk1"/>
+              </a:fillRef>
+              <a:effectRef idx="0">
+                <a:schemeClr val="dk1"/>
+              </a:effectRef>
+              <a:fontRef idx="minor">
+                <a:schemeClr val="lt1"/>
+              </a:fontRef>
+            </p:style>
+            <p:txBody>
+              <a:bodyPr rtlCol="0" anchor="ctr"/>
+              <a:lstStyle/>
+              <a:p>
+                <a:pPr algn="ctr"/>
+                <a:endParaRPr lang="en-US"/>
+              </a:p>
+            </p:txBody>
+          </p:sp>
+          <p:pic>
+            <p:nvPicPr>
+              <p:cNvPr id="25" name="Picture 24">
+                <a:extLst>
+                  <a:ext uri="{FF2B5EF4-FFF2-40B4-BE49-F238E27FC236}">
+                    <a16:creationId xmlns:a16="http://schemas.microsoft.com/office/drawing/2014/main" id="{6048B8F0-4789-4322-8BCF-5D7576424715}"/>
+                  </a:ext>
+                </a:extLst>
+              </p:cNvPr>
+              <p:cNvPicPr>
+                <a:picLocks noChangeAspect="1"/>
+              </p:cNvPicPr>
+              <p:nvPr/>
+            </p:nvPicPr>
+            <p:blipFill rotWithShape="1">
+              <a:blip r:embed="rId3">
+                <a:extLst>
+                  <a:ext uri="{837473B0-CC2E-450A-ABE3-18F120FF3D39}">
+                    <a1611:picAttrSrcUrl xmlns:a1611="http://schemas.microsoft.com/office/drawing/2016/11/main" r:id="rId4"/>
+                  </a:ext>
+                </a:extLst>
+              </a:blip>
+              <a:srcRect l="64215" t="31860" r="28230" b="28656"/>
+              <a:stretch/>
+            </p:blipFill>
+            <p:spPr>
+              <a:xfrm>
+                <a:off x="2958066" y="4665763"/>
+                <a:ext cx="225166" cy="661988"/>
+              </a:xfrm>
+              <a:prstGeom prst="rect">
+                <a:avLst/>
+              </a:prstGeom>
+            </p:spPr>
+          </p:pic>
+          <p:pic>
+            <p:nvPicPr>
+              <p:cNvPr id="26" name="Picture 25">
+                <a:extLst>
+                  <a:ext uri="{FF2B5EF4-FFF2-40B4-BE49-F238E27FC236}">
+                    <a16:creationId xmlns:a16="http://schemas.microsoft.com/office/drawing/2014/main" id="{00C84768-9AC1-47A1-A487-693278156065}"/>
+                  </a:ext>
+                </a:extLst>
+              </p:cNvPr>
+              <p:cNvPicPr>
+                <a:picLocks noChangeAspect="1"/>
+              </p:cNvPicPr>
+              <p:nvPr/>
+            </p:nvPicPr>
+            <p:blipFill rotWithShape="1">
+              <a:blip r:embed="rId3">
+                <a:extLst>
+                  <a:ext uri="{837473B0-CC2E-450A-ABE3-18F120FF3D39}">
+                    <a1611:picAttrSrcUrl xmlns:a1611="http://schemas.microsoft.com/office/drawing/2016/11/main" r:id="rId4"/>
+                  </a:ext>
+                </a:extLst>
+              </a:blip>
+              <a:srcRect l="55600" t="32988" r="35973" b="29484"/>
+              <a:stretch/>
+            </p:blipFill>
+            <p:spPr>
+              <a:xfrm>
+                <a:off x="2426109" y="4687423"/>
+                <a:ext cx="251188" cy="629199"/>
+              </a:xfrm>
+              <a:prstGeom prst="rect">
+                <a:avLst/>
+              </a:prstGeom>
+            </p:spPr>
+          </p:pic>
+          <p:pic>
+            <p:nvPicPr>
+              <p:cNvPr id="27" name="Picture 26">
+                <a:extLst>
+                  <a:ext uri="{FF2B5EF4-FFF2-40B4-BE49-F238E27FC236}">
+                    <a16:creationId xmlns:a16="http://schemas.microsoft.com/office/drawing/2014/main" id="{A92555A9-E2BB-4B95-A9BF-2026190A1BB5}"/>
+                  </a:ext>
+                </a:extLst>
+              </p:cNvPr>
+              <p:cNvPicPr>
+                <a:picLocks noChangeAspect="1"/>
+              </p:cNvPicPr>
+              <p:nvPr/>
+            </p:nvPicPr>
+            <p:blipFill rotWithShape="1">
+              <a:blip r:embed="rId3">
+                <a:extLst>
+                  <a:ext uri="{837473B0-CC2E-450A-ABE3-18F120FF3D39}">
+                    <a1611:picAttrSrcUrl xmlns:a1611="http://schemas.microsoft.com/office/drawing/2016/11/main" r:id="rId4"/>
+                  </a:ext>
+                </a:extLst>
+              </a:blip>
+              <a:srcRect l="43981" t="31391" r="47231" b="26711"/>
+              <a:stretch/>
+            </p:blipFill>
+            <p:spPr>
+              <a:xfrm>
+                <a:off x="2688376" y="4666159"/>
+                <a:ext cx="261937" cy="702469"/>
+              </a:xfrm>
+              <a:prstGeom prst="rect">
+                <a:avLst/>
+              </a:prstGeom>
+            </p:spPr>
+          </p:pic>
+          <p:grpSp>
+            <p:nvGrpSpPr>
+              <p:cNvPr id="28" name="Group 27">
+                <a:extLst>
+                  <a:ext uri="{FF2B5EF4-FFF2-40B4-BE49-F238E27FC236}">
+                    <a16:creationId xmlns:a16="http://schemas.microsoft.com/office/drawing/2014/main" id="{BA38D0E7-3FA2-434D-BABB-8FADFC6339DA}"/>
+                  </a:ext>
+                </a:extLst>
+              </p:cNvPr>
+              <p:cNvGrpSpPr/>
+              <p:nvPr/>
+            </p:nvGrpSpPr>
+            <p:grpSpPr>
+              <a:xfrm>
+                <a:off x="3227068" y="4672424"/>
+                <a:ext cx="235923" cy="616669"/>
+                <a:chOff x="1352280" y="4672424"/>
+                <a:chExt cx="235923" cy="616669"/>
+              </a:xfrm>
+            </p:grpSpPr>
+            <p:pic>
+              <p:nvPicPr>
+                <p:cNvPr id="29" name="Picture 28">
+                  <a:extLst>
+                    <a:ext uri="{FF2B5EF4-FFF2-40B4-BE49-F238E27FC236}">
+                      <a16:creationId xmlns:a16="http://schemas.microsoft.com/office/drawing/2014/main" id="{D408AA76-E267-4B85-961F-1C9C18AE83F6}"/>
+                    </a:ext>
+                  </a:extLst>
+                </p:cNvPr>
+                <p:cNvPicPr>
+                  <a:picLocks noChangeAspect="1"/>
+                </p:cNvPicPr>
+                <p:nvPr/>
+              </p:nvPicPr>
+              <p:blipFill rotWithShape="1">
+                <a:blip r:embed="rId3">
+                  <a:extLst>
+                    <a:ext uri="{837473B0-CC2E-450A-ABE3-18F120FF3D39}">
+                      <a1611:picAttrSrcUrl xmlns:a1611="http://schemas.microsoft.com/office/drawing/2016/11/main" r:id="rId4"/>
+                    </a:ext>
+                  </a:extLst>
+                </a:blip>
+                <a:srcRect l="71867" t="32144" r="20463" b="31076"/>
+                <a:stretch/>
+              </p:blipFill>
+              <p:spPr>
+                <a:xfrm>
+                  <a:off x="1352280" y="4672424"/>
+                  <a:ext cx="228601" cy="616669"/>
+                </a:xfrm>
+                <a:prstGeom prst="rect">
+                  <a:avLst/>
+                </a:prstGeom>
+              </p:spPr>
+            </p:pic>
+            <p:sp>
+              <p:nvSpPr>
+                <p:cNvPr id="30" name="Rectangle 29">
+                  <a:extLst>
+                    <a:ext uri="{FF2B5EF4-FFF2-40B4-BE49-F238E27FC236}">
+                      <a16:creationId xmlns:a16="http://schemas.microsoft.com/office/drawing/2014/main" id="{E204F49A-B195-4102-BAE4-EA035BC81E88}"/>
+                    </a:ext>
+                  </a:extLst>
+                </p:cNvPr>
+                <p:cNvSpPr/>
+                <p:nvPr/>
+              </p:nvSpPr>
+              <p:spPr>
+                <a:xfrm>
+                  <a:off x="1488806" y="4862165"/>
+                  <a:ext cx="99397" cy="182910"/>
+                </a:xfrm>
+                <a:prstGeom prst="rect">
+                  <a:avLst/>
+                </a:prstGeom>
+                <a:ln>
+                  <a:noFill/>
+                </a:ln>
+              </p:spPr>
+              <p:style>
+                <a:lnRef idx="2">
+                  <a:schemeClr val="dk1">
+                    <a:shade val="50000"/>
+                  </a:schemeClr>
+                </a:lnRef>
+                <a:fillRef idx="1">
+                  <a:schemeClr val="dk1"/>
+                </a:fillRef>
+                <a:effectRef idx="0">
+                  <a:schemeClr val="dk1"/>
+                </a:effectRef>
+                <a:fontRef idx="minor">
+                  <a:schemeClr val="lt1"/>
+                </a:fontRef>
+              </p:style>
+              <p:txBody>
+                <a:bodyPr rtlCol="0" anchor="ctr"/>
+                <a:lstStyle/>
+                <a:p>
+                  <a:pPr algn="ctr"/>
+                  <a:endParaRPr lang="en-US"/>
+                </a:p>
+              </p:txBody>
+            </p:sp>
+            <p:sp>
+              <p:nvSpPr>
+                <p:cNvPr id="31" name="Rectangle 30">
+                  <a:extLst>
+                    <a:ext uri="{FF2B5EF4-FFF2-40B4-BE49-F238E27FC236}">
+                      <a16:creationId xmlns:a16="http://schemas.microsoft.com/office/drawing/2014/main" id="{F4C87FDE-DEA0-4F02-BF5D-6C4306F18DAB}"/>
+                    </a:ext>
+                  </a:extLst>
+                </p:cNvPr>
+                <p:cNvSpPr/>
+                <p:nvPr/>
+              </p:nvSpPr>
+              <p:spPr>
+                <a:xfrm>
+                  <a:off x="1463677" y="5076826"/>
+                  <a:ext cx="60324" cy="98424"/>
+                </a:xfrm>
+                <a:prstGeom prst="rect">
+                  <a:avLst/>
+                </a:prstGeom>
+                <a:ln>
+                  <a:noFill/>
+                </a:ln>
+              </p:spPr>
+              <p:style>
+                <a:lnRef idx="2">
+                  <a:schemeClr val="dk1">
+                    <a:shade val="50000"/>
+                  </a:schemeClr>
+                </a:lnRef>
+                <a:fillRef idx="1">
+                  <a:schemeClr val="dk1"/>
+                </a:fillRef>
+                <a:effectRef idx="0">
+                  <a:schemeClr val="dk1"/>
+                </a:effectRef>
+                <a:fontRef idx="minor">
+                  <a:schemeClr val="lt1"/>
+                </a:fontRef>
+              </p:style>
+              <p:txBody>
+                <a:bodyPr rtlCol="0" anchor="ctr"/>
+                <a:lstStyle/>
+                <a:p>
+                  <a:pPr algn="ctr"/>
+                  <a:endParaRPr lang="en-US"/>
+                </a:p>
+              </p:txBody>
+            </p:sp>
+          </p:grpSp>
+        </p:grpSp>
+        <p:pic>
+          <p:nvPicPr>
+            <p:cNvPr id="22" name="Picture 21">
+              <a:extLst>
+                <a:ext uri="{FF2B5EF4-FFF2-40B4-BE49-F238E27FC236}">
+                  <a16:creationId xmlns:a16="http://schemas.microsoft.com/office/drawing/2014/main" id="{E8D91A4E-02FA-4A94-89FD-4E5B2325B51C}"/>
+                </a:ext>
+              </a:extLst>
+            </p:cNvPr>
+            <p:cNvPicPr>
+              <a:picLocks noChangeAspect="1"/>
+            </p:cNvPicPr>
+            <p:nvPr/>
+          </p:nvPicPr>
+          <p:blipFill>
+            <a:blip r:embed="rId5">
+              <a:extLst>
+                <a:ext uri="{837473B0-CC2E-450A-ABE3-18F120FF3D39}">
+                  <a1611:picAttrSrcUrl xmlns:a1611="http://schemas.microsoft.com/office/drawing/2016/11/main" r:id="rId6"/>
+                </a:ext>
+              </a:extLst>
+            </a:blip>
+            <a:stretch>
+              <a:fillRect/>
+            </a:stretch>
+          </p:blipFill>
+          <p:spPr>
+            <a:xfrm>
+              <a:off x="5245437" y="688860"/>
+              <a:ext cx="627807" cy="592928"/>
+            </a:xfrm>
+            <a:prstGeom prst="rect">
+              <a:avLst/>
+            </a:prstGeom>
+          </p:spPr>
+        </p:pic>
+      </p:grpSp>
     </p:spTree>
   </p:cSld>
   <p:clrMapOvr>

--- a/docs/Borgs_Retrospective.pptx
+++ b/docs/Borgs_Retrospective.pptx
@@ -7809,7 +7809,7 @@
                 <a:cs typeface="Calibri"/>
                 <a:sym typeface="Calibri"/>
               </a:rPr>
-              <a:t>Luke - </a:t>
+              <a:t>Luke – Cooperation, agreement, etc.</a:t>
             </a:r>
             <a:endParaRPr sz="1800" b="0" i="0" u="none" strike="noStrike" cap="none" dirty="0">
               <a:solidFill>
@@ -9345,7 +9345,7 @@
                   <a:schemeClr val="dk1"/>
                 </a:solidFill>
               </a:rPr>
-              <a:t>Luke - </a:t>
+              <a:t>Luke – Communication, ask for help when necessary</a:t>
             </a:r>
             <a:endParaRPr sz="1800" dirty="0"/>
           </a:p>
